--- a/Präsentation/Zwischenpräsentation_TechnischesKonzept.pptx
+++ b/Präsentation/Zwischenpräsentation_TechnischesKonzept.pptx
@@ -12,9 +12,9 @@
     <p:sldId id="462" r:id="rId3"/>
     <p:sldId id="473" r:id="rId4"/>
     <p:sldId id="472" r:id="rId5"/>
-    <p:sldId id="470" r:id="rId6"/>
-    <p:sldId id="468" r:id="rId7"/>
-    <p:sldId id="471" r:id="rId8"/>
+    <p:sldId id="471" r:id="rId6"/>
+    <p:sldId id="470" r:id="rId7"/>
+    <p:sldId id="468" r:id="rId8"/>
     <p:sldId id="469" r:id="rId9"/>
     <p:sldId id="474" r:id="rId10"/>
     <p:sldId id="475" r:id="rId11"/>
@@ -1340,7 +1340,7 @@
     </p:spTree>
     <p:extLst>
       <p:ext uri="{BB962C8B-B14F-4D97-AF65-F5344CB8AC3E}">
-        <p14:creationId xmlns:p14="http://schemas.microsoft.com/office/powerpoint/2010/main" val="2551397985"/>
+        <p14:creationId xmlns:p14="http://schemas.microsoft.com/office/powerpoint/2010/main" val="3701212405"/>
       </p:ext>
     </p:extLst>
   </p:cSld>
@@ -1434,7 +1434,7 @@
     </p:spTree>
     <p:extLst>
       <p:ext uri="{BB962C8B-B14F-4D97-AF65-F5344CB8AC3E}">
-        <p14:creationId xmlns:p14="http://schemas.microsoft.com/office/powerpoint/2010/main" val="168451790"/>
+        <p14:creationId xmlns:p14="http://schemas.microsoft.com/office/powerpoint/2010/main" val="2551397985"/>
       </p:ext>
     </p:extLst>
   </p:cSld>
@@ -1528,7 +1528,7 @@
     </p:spTree>
     <p:extLst>
       <p:ext uri="{BB962C8B-B14F-4D97-AF65-F5344CB8AC3E}">
-        <p14:creationId xmlns:p14="http://schemas.microsoft.com/office/powerpoint/2010/main" val="3701212405"/>
+        <p14:creationId xmlns:p14="http://schemas.microsoft.com/office/powerpoint/2010/main" val="168451790"/>
       </p:ext>
     </p:extLst>
   </p:cSld>
@@ -6300,7 +6300,52 @@
               <a:buFont typeface="Arial" panose="020B0604020202020204" pitchFamily="34" charset="0"/>
               <a:buChar char="•"/>
             </a:pPr>
+            <a:r>
+              <a:rPr lang="de-DE" dirty="0"/>
+              <a:t>Abbruchfunktion</a:t>
+            </a:r>
+          </a:p>
+          <a:p>
+            <a:pPr marL="285750" indent="-285750">
+              <a:buFont typeface="Arial" panose="020B0604020202020204" pitchFamily="34" charset="0"/>
+              <a:buChar char="•"/>
+            </a:pPr>
             <a:endParaRPr lang="de-DE" dirty="0"/>
+          </a:p>
+          <a:p>
+            <a:pPr marL="285750" indent="-285750">
+              <a:buFont typeface="Arial" panose="020B0604020202020204" pitchFamily="34" charset="0"/>
+              <a:buChar char="•"/>
+            </a:pPr>
+            <a:r>
+              <a:rPr lang="de-DE" dirty="0"/>
+              <a:t>Favoriten festlegen</a:t>
+            </a:r>
+          </a:p>
+          <a:p>
+            <a:pPr marL="285750" indent="-285750">
+              <a:buFont typeface="Arial" panose="020B0604020202020204" pitchFamily="34" charset="0"/>
+              <a:buChar char="•"/>
+            </a:pPr>
+            <a:endParaRPr lang="de-DE" dirty="0"/>
+          </a:p>
+          <a:p>
+            <a:pPr marL="285750" indent="-285750">
+              <a:buFont typeface="Arial" panose="020B0604020202020204" pitchFamily="34" charset="0"/>
+              <a:buChar char="•"/>
+            </a:pPr>
+            <a:r>
+              <a:rPr lang="de-DE" dirty="0"/>
+              <a:t>Nachrichten ohne vorherige </a:t>
+            </a:r>
+            <a:r>
+              <a:rPr lang="de-DE" dirty="0" err="1"/>
+              <a:t>Notification</a:t>
+            </a:r>
+            <a:r>
+              <a:rPr lang="de-DE" dirty="0"/>
+              <a:t> schreiben</a:t>
+            </a:r>
           </a:p>
         </p:txBody>
       </p:sp>
@@ -6424,7 +6469,7 @@
             </a:pPr>
             <a:r>
               <a:rPr lang="de-DE" dirty="0"/>
-              <a:t>Demo aktuelle Version</a:t>
+              <a:t>Ablaufdiagramm</a:t>
             </a:r>
           </a:p>
           <a:p>
@@ -6441,7 +6486,7 @@
             </a:pPr>
             <a:r>
               <a:rPr lang="de-DE" dirty="0"/>
-              <a:t>App-Design</a:t>
+              <a:t>Demo aktuelle Version</a:t>
             </a:r>
           </a:p>
           <a:p>
@@ -6458,7 +6503,7 @@
             </a:pPr>
             <a:r>
               <a:rPr lang="de-DE" dirty="0"/>
-              <a:t>Ablaufdiagramm</a:t>
+              <a:t>App-Design</a:t>
             </a:r>
           </a:p>
           <a:p>
@@ -6650,6 +6695,23 @@
             <a:r>
               <a:rPr lang="de-DE" dirty="0"/>
               <a:t>Integrierter Lernprozess</a:t>
+            </a:r>
+          </a:p>
+          <a:p>
+            <a:pPr>
+              <a:buFont typeface="Arial" panose="020B0604020202020204" pitchFamily="34" charset="0"/>
+              <a:buChar char="•"/>
+            </a:pPr>
+            <a:endParaRPr lang="de-DE" dirty="0"/>
+          </a:p>
+          <a:p>
+            <a:pPr>
+              <a:buFont typeface="Arial" panose="020B0604020202020204" pitchFamily="34" charset="0"/>
+              <a:buChar char="•"/>
+            </a:pPr>
+            <a:r>
+              <a:rPr lang="de-DE" dirty="0"/>
+              <a:t>Manuelle Navigation möglich</a:t>
             </a:r>
           </a:p>
         </p:txBody>
@@ -6838,6 +6900,45 @@
             </a:r>
           </a:p>
           <a:p>
+            <a:pPr marL="457200" lvl="1" indent="0">
+              <a:buNone/>
+            </a:pPr>
+            <a:r>
+              <a:rPr lang="de-DE" dirty="0"/>
+              <a:t>Oder</a:t>
+            </a:r>
+          </a:p>
+          <a:p>
+            <a:pPr lvl="1">
+              <a:buFont typeface="Arial" panose="020B0604020202020204" pitchFamily="34" charset="0"/>
+              <a:buChar char="•"/>
+            </a:pPr>
+            <a:r>
+              <a:rPr lang="de-DE" dirty="0"/>
+              <a:t>Liest „Nachrichten von &lt;Name1&gt;, &lt;Name2&gt;, &lt;Name3&gt;“ vor</a:t>
+            </a:r>
+          </a:p>
+          <a:p>
+            <a:pPr lvl="1">
+              <a:buFont typeface="Arial" panose="020B0604020202020204" pitchFamily="34" charset="0"/>
+              <a:buChar char="•"/>
+            </a:pPr>
+            <a:r>
+              <a:rPr lang="de-DE" dirty="0"/>
+              <a:t>Nutzer kann Schlüsselwort und den Namen nennen</a:t>
+            </a:r>
+          </a:p>
+          <a:p>
+            <a:pPr lvl="1">
+              <a:buFont typeface="Arial" panose="020B0604020202020204" pitchFamily="34" charset="0"/>
+              <a:buChar char="•"/>
+            </a:pPr>
+            <a:r>
+              <a:rPr lang="de-DE" dirty="0"/>
+              <a:t>Liest Nachricht von genanntem Namen vor</a:t>
+            </a:r>
+          </a:p>
+          <a:p>
             <a:pPr>
               <a:buFont typeface="Arial" panose="020B0604020202020204" pitchFamily="34" charset="0"/>
               <a:buChar char="•"/>
@@ -6953,32 +7054,32 @@
           <a:p>
             <a:r>
               <a:rPr lang="de-DE" dirty="0"/>
-              <a:t>Demo aktuelle Version</a:t>
-            </a:r>
-          </a:p>
-        </p:txBody>
-      </p:sp>
-      <p:sp>
-        <p:nvSpPr>
-          <p:cNvPr id="464901" name="Rectangle 5"/>
-          <p:cNvSpPr>
-            <a:spLocks noGrp="1" noChangeArrowheads="1"/>
-          </p:cNvSpPr>
-          <p:nvPr>
-            <p:ph type="body" idx="1"/>
-          </p:nvPr>
-        </p:nvSpPr>
-        <p:spPr>
-          <a:xfrm>
-            <a:off x="809625" y="1752600"/>
-            <a:ext cx="7543800" cy="4556720"/>
-          </a:xfrm>
-        </p:spPr>
+              <a:t>Ablaufdiagramm</a:t>
+            </a:r>
+          </a:p>
+        </p:txBody>
+      </p:sp>
+      <p:sp>
+        <p:nvSpPr>
+          <p:cNvPr id="3" name="Inhaltsplatzhalter 2">
+            <a:extLst>
+              <a:ext uri="{FF2B5EF4-FFF2-40B4-BE49-F238E27FC236}">
+                <a16:creationId xmlns:a16="http://schemas.microsoft.com/office/drawing/2014/main" id="{A3241813-2EFA-4C53-B150-B13B3E511309}"/>
+              </a:ext>
+            </a:extLst>
+          </p:cNvPr>
+          <p:cNvSpPr>
+            <a:spLocks noGrp="1"/>
+          </p:cNvSpPr>
+          <p:nvPr>
+            <p:ph idx="1"/>
+          </p:nvPr>
+        </p:nvSpPr>
+        <p:spPr/>
         <p:txBody>
           <a:bodyPr/>
           <a:lstStyle/>
           <a:p>
-            <a:pPr marL="0" indent="0"/>
             <a:endParaRPr lang="de-DE" dirty="0"/>
           </a:p>
         </p:txBody>
@@ -6986,7 +7087,7 @@
     </p:spTree>
     <p:extLst>
       <p:ext uri="{BB962C8B-B14F-4D97-AF65-F5344CB8AC3E}">
-        <p14:creationId xmlns:p14="http://schemas.microsoft.com/office/powerpoint/2010/main" val="2792013861"/>
+        <p14:creationId xmlns:p14="http://schemas.microsoft.com/office/powerpoint/2010/main" val="3571531620"/>
       </p:ext>
     </p:extLst>
   </p:cSld>
@@ -7038,6 +7139,91 @@
           <a:p>
             <a:r>
               <a:rPr lang="de-DE" dirty="0"/>
+              <a:t>Demo aktuelle Version</a:t>
+            </a:r>
+          </a:p>
+        </p:txBody>
+      </p:sp>
+      <p:sp>
+        <p:nvSpPr>
+          <p:cNvPr id="464901" name="Rectangle 5"/>
+          <p:cNvSpPr>
+            <a:spLocks noGrp="1" noChangeArrowheads="1"/>
+          </p:cNvSpPr>
+          <p:nvPr>
+            <p:ph type="body" idx="1"/>
+          </p:nvPr>
+        </p:nvSpPr>
+        <p:spPr>
+          <a:xfrm>
+            <a:off x="809625" y="1752600"/>
+            <a:ext cx="7543800" cy="4556720"/>
+          </a:xfrm>
+        </p:spPr>
+        <p:txBody>
+          <a:bodyPr/>
+          <a:lstStyle/>
+          <a:p>
+            <a:pPr marL="0" indent="0"/>
+            <a:endParaRPr lang="de-DE" dirty="0"/>
+          </a:p>
+        </p:txBody>
+      </p:sp>
+    </p:spTree>
+    <p:extLst>
+      <p:ext uri="{BB962C8B-B14F-4D97-AF65-F5344CB8AC3E}">
+        <p14:creationId xmlns:p14="http://schemas.microsoft.com/office/powerpoint/2010/main" val="2792013861"/>
+      </p:ext>
+    </p:extLst>
+  </p:cSld>
+  <p:clrMapOvr>
+    <a:masterClrMapping/>
+  </p:clrMapOvr>
+  <mc:AlternateContent xmlns:mc="http://schemas.openxmlformats.org/markup-compatibility/2006" xmlns:p14="http://schemas.microsoft.com/office/powerpoint/2010/main">
+    <mc:Choice Requires="p14">
+      <p:transition p14:dur="0"/>
+    </mc:Choice>
+    <mc:Fallback xmlns="">
+      <p:transition/>
+    </mc:Fallback>
+  </mc:AlternateContent>
+</p:sld>
+</file>
+
+<file path=ppt/slides/slide7.xml><?xml version="1.0" encoding="utf-8"?>
+<p:sld xmlns:a="http://schemas.openxmlformats.org/drawingml/2006/main" xmlns:r="http://schemas.openxmlformats.org/officeDocument/2006/relationships" xmlns:p="http://schemas.openxmlformats.org/presentationml/2006/main">
+  <p:cSld>
+    <p:spTree>
+      <p:nvGrpSpPr>
+        <p:cNvPr id="1" name=""/>
+        <p:cNvGrpSpPr/>
+        <p:nvPr/>
+      </p:nvGrpSpPr>
+      <p:grpSpPr>
+        <a:xfrm>
+          <a:off x="0" y="0"/>
+          <a:ext cx="0" cy="0"/>
+          <a:chOff x="0" y="0"/>
+          <a:chExt cx="0" cy="0"/>
+        </a:xfrm>
+      </p:grpSpPr>
+      <p:sp>
+        <p:nvSpPr>
+          <p:cNvPr id="464900" name="Rectangle 4"/>
+          <p:cNvSpPr>
+            <a:spLocks noGrp="1" noChangeArrowheads="1"/>
+          </p:cNvSpPr>
+          <p:nvPr>
+            <p:ph type="title"/>
+          </p:nvPr>
+        </p:nvSpPr>
+        <p:spPr/>
+        <p:txBody>
+          <a:bodyPr/>
+          <a:lstStyle/>
+          <a:p>
+            <a:r>
+              <a:rPr lang="de-DE" dirty="0"/>
               <a:t>App-Design</a:t>
             </a:r>
           </a:p>
@@ -7079,7 +7265,7 @@
       </p:pic>
       <p:pic>
         <p:nvPicPr>
-          <p:cNvPr id="17" name="Grafik 16" descr="Ein Bild, das Screenshot, Vogel enthält.&#10;&#10;Automatisch generierte Beschreibung">
+          <p:cNvPr id="17" name="Grafik 16">
             <a:extLst>
               <a:ext uri="{FF2B5EF4-FFF2-40B4-BE49-F238E27FC236}">
                 <a16:creationId xmlns:a16="http://schemas.microsoft.com/office/drawing/2014/main" id="{76CCEE75-487D-48F7-BED3-06C4CF9DB939}"/>
@@ -7093,14 +7279,13 @@
         </p:nvPicPr>
         <p:blipFill>
           <a:blip r:embed="rId4"/>
-          <a:stretch>
-            <a:fillRect/>
-          </a:stretch>
+          <a:srcRect/>
+          <a:stretch/>
         </p:blipFill>
         <p:spPr>
           <a:xfrm>
             <a:off x="2482884" y="1640731"/>
-            <a:ext cx="2010083" cy="3573481"/>
+            <a:ext cx="2010083" cy="3573480"/>
           </a:xfrm>
           <a:prstGeom prst="rect">
             <a:avLst/>
@@ -7186,91 +7371,6 @@
     <p:extLst>
       <p:ext uri="{BB962C8B-B14F-4D97-AF65-F5344CB8AC3E}">
         <p14:creationId xmlns:p14="http://schemas.microsoft.com/office/powerpoint/2010/main" val="2901394374"/>
-      </p:ext>
-    </p:extLst>
-  </p:cSld>
-  <p:clrMapOvr>
-    <a:masterClrMapping/>
-  </p:clrMapOvr>
-  <mc:AlternateContent xmlns:mc="http://schemas.openxmlformats.org/markup-compatibility/2006" xmlns:p14="http://schemas.microsoft.com/office/powerpoint/2010/main">
-    <mc:Choice Requires="p14">
-      <p:transition p14:dur="0"/>
-    </mc:Choice>
-    <mc:Fallback xmlns="">
-      <p:transition/>
-    </mc:Fallback>
-  </mc:AlternateContent>
-</p:sld>
-</file>
-
-<file path=ppt/slides/slide7.xml><?xml version="1.0" encoding="utf-8"?>
-<p:sld xmlns:a="http://schemas.openxmlformats.org/drawingml/2006/main" xmlns:r="http://schemas.openxmlformats.org/officeDocument/2006/relationships" xmlns:p="http://schemas.openxmlformats.org/presentationml/2006/main">
-  <p:cSld>
-    <p:spTree>
-      <p:nvGrpSpPr>
-        <p:cNvPr id="1" name=""/>
-        <p:cNvGrpSpPr/>
-        <p:nvPr/>
-      </p:nvGrpSpPr>
-      <p:grpSpPr>
-        <a:xfrm>
-          <a:off x="0" y="0"/>
-          <a:ext cx="0" cy="0"/>
-          <a:chOff x="0" y="0"/>
-          <a:chExt cx="0" cy="0"/>
-        </a:xfrm>
-      </p:grpSpPr>
-      <p:sp>
-        <p:nvSpPr>
-          <p:cNvPr id="464900" name="Rectangle 4"/>
-          <p:cNvSpPr>
-            <a:spLocks noGrp="1" noChangeArrowheads="1"/>
-          </p:cNvSpPr>
-          <p:nvPr>
-            <p:ph type="title"/>
-          </p:nvPr>
-        </p:nvSpPr>
-        <p:spPr/>
-        <p:txBody>
-          <a:bodyPr/>
-          <a:lstStyle/>
-          <a:p>
-            <a:r>
-              <a:rPr lang="de-DE" dirty="0"/>
-              <a:t>Ablaufdiagramm</a:t>
-            </a:r>
-          </a:p>
-        </p:txBody>
-      </p:sp>
-      <p:sp>
-        <p:nvSpPr>
-          <p:cNvPr id="3" name="Inhaltsplatzhalter 2">
-            <a:extLst>
-              <a:ext uri="{FF2B5EF4-FFF2-40B4-BE49-F238E27FC236}">
-                <a16:creationId xmlns:a16="http://schemas.microsoft.com/office/drawing/2014/main" id="{A3241813-2EFA-4C53-B150-B13B3E511309}"/>
-              </a:ext>
-            </a:extLst>
-          </p:cNvPr>
-          <p:cNvSpPr>
-            <a:spLocks noGrp="1"/>
-          </p:cNvSpPr>
-          <p:nvPr>
-            <p:ph idx="1"/>
-          </p:nvPr>
-        </p:nvSpPr>
-        <p:spPr/>
-        <p:txBody>
-          <a:bodyPr/>
-          <a:lstStyle/>
-          <a:p>
-            <a:endParaRPr lang="de-DE" dirty="0"/>
-          </a:p>
-        </p:txBody>
-      </p:sp>
-    </p:spTree>
-    <p:extLst>
-      <p:ext uri="{BB962C8B-B14F-4D97-AF65-F5344CB8AC3E}">
-        <p14:creationId xmlns:p14="http://schemas.microsoft.com/office/powerpoint/2010/main" val="3571531620"/>
       </p:ext>
     </p:extLst>
   </p:cSld>

--- a/Präsentation/Zwischenpräsentation_TechnischesKonzept.pptx
+++ b/Präsentation/Zwischenpräsentation_TechnischesKonzept.pptx
@@ -11,7 +11,7 @@
     <p:sldId id="259" r:id="rId2"/>
     <p:sldId id="462" r:id="rId3"/>
     <p:sldId id="473" r:id="rId4"/>
-    <p:sldId id="472" r:id="rId5"/>
+    <p:sldId id="476" r:id="rId5"/>
     <p:sldId id="471" r:id="rId6"/>
     <p:sldId id="470" r:id="rId7"/>
     <p:sldId id="468" r:id="rId8"/>
@@ -231,17 +231,17 @@
           <a:effectLst/>
           <a:extLst>
             <a:ext uri="{FAA26D3D-D897-4be2-8F04-BA451C77F1D7}">
-              <ma14:placeholderFlag xmlns:ma14="http://schemas.microsoft.com/office/mac/drawingml/2011/main" xmlns="" val="1"/>
+              <ma14:placeholderFlag xmlns="" xmlns:ma14="http://schemas.microsoft.com/office/mac/drawingml/2011/main" val="1"/>
             </a:ext>
             <a:ext uri="{909E8E84-426E-40dd-AFC4-6F175D3DCCD1}">
-              <a14:hiddenFill xmlns:a14="http://schemas.microsoft.com/office/drawing/2010/main" xmlns="">
+              <a14:hiddenFill xmlns="" xmlns:a14="http://schemas.microsoft.com/office/drawing/2010/main">
                 <a:solidFill>
                   <a:schemeClr val="accent1"/>
                 </a:solidFill>
               </a14:hiddenFill>
             </a:ext>
             <a:ext uri="{91240B29-F687-4f45-9708-019B960494DF}">
-              <a14:hiddenLine xmlns:a14="http://schemas.microsoft.com/office/drawing/2010/main" xmlns="" w="9525">
+              <a14:hiddenLine xmlns="" xmlns:a14="http://schemas.microsoft.com/office/drawing/2010/main" w="9525">
                 <a:solidFill>
                   <a:schemeClr val="tx1"/>
                 </a:solidFill>
@@ -251,7 +251,7 @@
               </a14:hiddenLine>
             </a:ext>
             <a:ext uri="{AF507438-7753-43e0-B8FC-AC1667EBCBE1}">
-              <a14:hiddenEffects xmlns:a14="http://schemas.microsoft.com/office/drawing/2010/main" xmlns="">
+              <a14:hiddenEffects xmlns="" xmlns:a14="http://schemas.microsoft.com/office/drawing/2010/main">
                 <a:effectLst>
                   <a:outerShdw blurRad="63500" dist="38099" dir="2700000" algn="ctr" rotWithShape="0">
                     <a:schemeClr val="bg2">
@@ -306,17 +306,17 @@
           <a:effectLst/>
           <a:extLst>
             <a:ext uri="{FAA26D3D-D897-4be2-8F04-BA451C77F1D7}">
-              <ma14:placeholderFlag xmlns:ma14="http://schemas.microsoft.com/office/mac/drawingml/2011/main" xmlns="" val="1"/>
+              <ma14:placeholderFlag xmlns="" xmlns:ma14="http://schemas.microsoft.com/office/mac/drawingml/2011/main" val="1"/>
             </a:ext>
             <a:ext uri="{909E8E84-426E-40dd-AFC4-6F175D3DCCD1}">
-              <a14:hiddenFill xmlns:a14="http://schemas.microsoft.com/office/drawing/2010/main" xmlns="">
+              <a14:hiddenFill xmlns="" xmlns:a14="http://schemas.microsoft.com/office/drawing/2010/main">
                 <a:solidFill>
                   <a:schemeClr val="accent1"/>
                 </a:solidFill>
               </a14:hiddenFill>
             </a:ext>
             <a:ext uri="{91240B29-F687-4f45-9708-019B960494DF}">
-              <a14:hiddenLine xmlns:a14="http://schemas.microsoft.com/office/drawing/2010/main" xmlns="" w="9525">
+              <a14:hiddenLine xmlns="" xmlns:a14="http://schemas.microsoft.com/office/drawing/2010/main" w="9525">
                 <a:solidFill>
                   <a:schemeClr val="tx1"/>
                 </a:solidFill>
@@ -326,7 +326,7 @@
               </a14:hiddenLine>
             </a:ext>
             <a:ext uri="{AF507438-7753-43e0-B8FC-AC1667EBCBE1}">
-              <a14:hiddenEffects xmlns:a14="http://schemas.microsoft.com/office/drawing/2010/main" xmlns="">
+              <a14:hiddenEffects xmlns="" xmlns:a14="http://schemas.microsoft.com/office/drawing/2010/main">
                 <a:effectLst>
                   <a:outerShdw blurRad="63500" dist="38099" dir="2700000" algn="ctr" rotWithShape="0">
                     <a:schemeClr val="bg2">
@@ -386,7 +386,7 @@
           <a:effectLst/>
           <a:extLst>
             <a:ext uri="{AF507438-7753-43e0-B8FC-AC1667EBCBE1}">
-              <a14:hiddenEffects xmlns:a14="http://schemas.microsoft.com/office/drawing/2010/main" xmlns="">
+              <a14:hiddenEffects xmlns="" xmlns:a14="http://schemas.microsoft.com/office/drawing/2010/main">
                 <a:effectLst>
                   <a:outerShdw blurRad="63500" dist="38099" dir="2700000" algn="ctr" rotWithShape="0">
                     <a:srgbClr val="000000">
@@ -397,7 +397,7 @@
               </a14:hiddenEffects>
             </a:ext>
             <a:ext uri="{53640926-AAD7-44d8-BBD7-CCE9431645EC}">
-              <a14:shadowObscured xmlns:a14="http://schemas.microsoft.com/office/drawing/2010/main" xmlns="" val="1"/>
+              <a14:shadowObscured xmlns="" xmlns:a14="http://schemas.microsoft.com/office/drawing/2010/main" val="1"/>
             </a:ext>
           </a:extLst>
         </p:spPr>
@@ -427,17 +427,17 @@
           <a:effectLst/>
           <a:extLst>
             <a:ext uri="{FAA26D3D-D897-4be2-8F04-BA451C77F1D7}">
-              <ma14:placeholderFlag xmlns:ma14="http://schemas.microsoft.com/office/mac/drawingml/2011/main" xmlns="" val="1"/>
+              <ma14:placeholderFlag xmlns="" xmlns:ma14="http://schemas.microsoft.com/office/mac/drawingml/2011/main" val="1"/>
             </a:ext>
             <a:ext uri="{909E8E84-426E-40dd-AFC4-6F175D3DCCD1}">
-              <a14:hiddenFill xmlns:a14="http://schemas.microsoft.com/office/drawing/2010/main" xmlns="">
+              <a14:hiddenFill xmlns="" xmlns:a14="http://schemas.microsoft.com/office/drawing/2010/main">
                 <a:solidFill>
                   <a:schemeClr val="accent1"/>
                 </a:solidFill>
               </a14:hiddenFill>
             </a:ext>
             <a:ext uri="{91240B29-F687-4f45-9708-019B960494DF}">
-              <a14:hiddenLine xmlns:a14="http://schemas.microsoft.com/office/drawing/2010/main" xmlns="" w="9525">
+              <a14:hiddenLine xmlns="" xmlns:a14="http://schemas.microsoft.com/office/drawing/2010/main" w="9525">
                 <a:solidFill>
                   <a:schemeClr val="tx1"/>
                 </a:solidFill>
@@ -447,7 +447,7 @@
               </a14:hiddenLine>
             </a:ext>
             <a:ext uri="{AF507438-7753-43e0-B8FC-AC1667EBCBE1}">
-              <a14:hiddenEffects xmlns:a14="http://schemas.microsoft.com/office/drawing/2010/main" xmlns="">
+              <a14:hiddenEffects xmlns="" xmlns:a14="http://schemas.microsoft.com/office/drawing/2010/main">
                 <a:effectLst>
                   <a:outerShdw blurRad="63500" dist="38099" dir="2700000" algn="ctr" rotWithShape="0">
                     <a:schemeClr val="bg2">
@@ -528,17 +528,17 @@
           <a:effectLst/>
           <a:extLst>
             <a:ext uri="{FAA26D3D-D897-4be2-8F04-BA451C77F1D7}">
-              <ma14:placeholderFlag xmlns:ma14="http://schemas.microsoft.com/office/mac/drawingml/2011/main" xmlns="" val="1"/>
+              <ma14:placeholderFlag xmlns="" xmlns:ma14="http://schemas.microsoft.com/office/mac/drawingml/2011/main" val="1"/>
             </a:ext>
             <a:ext uri="{909E8E84-426E-40dd-AFC4-6F175D3DCCD1}">
-              <a14:hiddenFill xmlns:a14="http://schemas.microsoft.com/office/drawing/2010/main" xmlns="">
+              <a14:hiddenFill xmlns="" xmlns:a14="http://schemas.microsoft.com/office/drawing/2010/main">
                 <a:solidFill>
                   <a:schemeClr val="accent1"/>
                 </a:solidFill>
               </a14:hiddenFill>
             </a:ext>
             <a:ext uri="{91240B29-F687-4f45-9708-019B960494DF}">
-              <a14:hiddenLine xmlns:a14="http://schemas.microsoft.com/office/drawing/2010/main" xmlns="" w="9525">
+              <a14:hiddenLine xmlns="" xmlns:a14="http://schemas.microsoft.com/office/drawing/2010/main" w="9525">
                 <a:solidFill>
                   <a:schemeClr val="tx1"/>
                 </a:solidFill>
@@ -548,7 +548,7 @@
               </a14:hiddenLine>
             </a:ext>
             <a:ext uri="{AF507438-7753-43e0-B8FC-AC1667EBCBE1}">
-              <a14:hiddenEffects xmlns:a14="http://schemas.microsoft.com/office/drawing/2010/main" xmlns="">
+              <a14:hiddenEffects xmlns="" xmlns:a14="http://schemas.microsoft.com/office/drawing/2010/main">
                 <a:effectLst>
                   <a:outerShdw blurRad="63500" dist="38099" dir="2700000" algn="ctr" rotWithShape="0">
                     <a:schemeClr val="bg2">
@@ -603,17 +603,17 @@
           <a:effectLst/>
           <a:extLst>
             <a:ext uri="{FAA26D3D-D897-4be2-8F04-BA451C77F1D7}">
-              <ma14:placeholderFlag xmlns:ma14="http://schemas.microsoft.com/office/mac/drawingml/2011/main" xmlns="" val="1"/>
+              <ma14:placeholderFlag xmlns="" xmlns:ma14="http://schemas.microsoft.com/office/mac/drawingml/2011/main" val="1"/>
             </a:ext>
             <a:ext uri="{909E8E84-426E-40dd-AFC4-6F175D3DCCD1}">
-              <a14:hiddenFill xmlns:a14="http://schemas.microsoft.com/office/drawing/2010/main" xmlns="">
+              <a14:hiddenFill xmlns="" xmlns:a14="http://schemas.microsoft.com/office/drawing/2010/main">
                 <a:solidFill>
                   <a:schemeClr val="accent1"/>
                 </a:solidFill>
               </a14:hiddenFill>
             </a:ext>
             <a:ext uri="{91240B29-F687-4f45-9708-019B960494DF}">
-              <a14:hiddenLine xmlns:a14="http://schemas.microsoft.com/office/drawing/2010/main" xmlns="" w="9525">
+              <a14:hiddenLine xmlns="" xmlns:a14="http://schemas.microsoft.com/office/drawing/2010/main" w="9525">
                 <a:solidFill>
                   <a:schemeClr val="tx1"/>
                 </a:solidFill>
@@ -623,7 +623,7 @@
               </a14:hiddenLine>
             </a:ext>
             <a:ext uri="{AF507438-7753-43e0-B8FC-AC1667EBCBE1}">
-              <a14:hiddenEffects xmlns:a14="http://schemas.microsoft.com/office/drawing/2010/main" xmlns="">
+              <a14:hiddenEffects xmlns="" xmlns:a14="http://schemas.microsoft.com/office/drawing/2010/main">
                 <a:effectLst>
                   <a:outerShdw blurRad="63500" dist="38099" dir="2700000" algn="ctr" rotWithShape="0">
                     <a:schemeClr val="bg2">
@@ -848,7 +848,7 @@
           <a:ln/>
           <a:extLst>
             <a:ext uri="{FAA26D3D-D897-4be2-8F04-BA451C77F1D7}">
-              <ma14:placeholderFlag xmlns:ma14="http://schemas.microsoft.com/office/mac/drawingml/2011/main" xmlns="" val="1"/>
+              <ma14:placeholderFlag xmlns="" xmlns:ma14="http://schemas.microsoft.com/office/mac/drawingml/2011/main" val="1"/>
             </a:ext>
           </a:extLst>
         </p:spPr>
@@ -937,7 +937,7 @@
           <a:ln/>
           <a:extLst>
             <a:ext uri="{FAA26D3D-D897-4be2-8F04-BA451C77F1D7}">
-              <ma14:placeholderFlag xmlns:ma14="http://schemas.microsoft.com/office/mac/drawingml/2011/main" xmlns="" val="1"/>
+              <ma14:placeholderFlag xmlns="" xmlns:ma14="http://schemas.microsoft.com/office/mac/drawingml/2011/main" val="1"/>
             </a:ext>
           </a:extLst>
         </p:spPr>
@@ -1031,7 +1031,7 @@
           <a:ln/>
           <a:extLst>
             <a:ext uri="{FAA26D3D-D897-4be2-8F04-BA451C77F1D7}">
-              <ma14:placeholderFlag xmlns:ma14="http://schemas.microsoft.com/office/mac/drawingml/2011/main" xmlns="" val="1"/>
+              <ma14:placeholderFlag xmlns="" xmlns:ma14="http://schemas.microsoft.com/office/mac/drawingml/2011/main" val="1"/>
             </a:ext>
           </a:extLst>
         </p:spPr>
@@ -1125,7 +1125,7 @@
           <a:ln/>
           <a:extLst>
             <a:ext uri="{FAA26D3D-D897-4be2-8F04-BA451C77F1D7}">
-              <ma14:placeholderFlag xmlns:ma14="http://schemas.microsoft.com/office/mac/drawingml/2011/main" xmlns="" val="1"/>
+              <ma14:placeholderFlag xmlns="" xmlns:ma14="http://schemas.microsoft.com/office/mac/drawingml/2011/main" val="1"/>
             </a:ext>
           </a:extLst>
         </p:spPr>
@@ -1219,7 +1219,7 @@
           <a:ln/>
           <a:extLst>
             <a:ext uri="{FAA26D3D-D897-4be2-8F04-BA451C77F1D7}">
-              <ma14:placeholderFlag xmlns:ma14="http://schemas.microsoft.com/office/mac/drawingml/2011/main" xmlns="" val="1"/>
+              <ma14:placeholderFlag xmlns="" xmlns:ma14="http://schemas.microsoft.com/office/mac/drawingml/2011/main" val="1"/>
             </a:ext>
           </a:extLst>
         </p:spPr>
@@ -1246,7 +1246,7 @@
     </p:spTree>
     <p:extLst>
       <p:ext uri="{BB962C8B-B14F-4D97-AF65-F5344CB8AC3E}">
-        <p14:creationId xmlns:p14="http://schemas.microsoft.com/office/powerpoint/2010/main" val="931274594"/>
+        <p14:creationId xmlns:p14="http://schemas.microsoft.com/office/powerpoint/2010/main" val="3697189058"/>
       </p:ext>
     </p:extLst>
   </p:cSld>
@@ -1313,7 +1313,7 @@
           <a:ln/>
           <a:extLst>
             <a:ext uri="{FAA26D3D-D897-4be2-8F04-BA451C77F1D7}">
-              <ma14:placeholderFlag xmlns:ma14="http://schemas.microsoft.com/office/mac/drawingml/2011/main" xmlns="" val="1"/>
+              <ma14:placeholderFlag xmlns="" xmlns:ma14="http://schemas.microsoft.com/office/mac/drawingml/2011/main" val="1"/>
             </a:ext>
           </a:extLst>
         </p:spPr>
@@ -1407,7 +1407,7 @@
           <a:ln/>
           <a:extLst>
             <a:ext uri="{FAA26D3D-D897-4be2-8F04-BA451C77F1D7}">
-              <ma14:placeholderFlag xmlns:ma14="http://schemas.microsoft.com/office/mac/drawingml/2011/main" xmlns="" val="1"/>
+              <ma14:placeholderFlag xmlns="" xmlns:ma14="http://schemas.microsoft.com/office/mac/drawingml/2011/main" val="1"/>
             </a:ext>
           </a:extLst>
         </p:spPr>
@@ -1501,7 +1501,7 @@
           <a:ln/>
           <a:extLst>
             <a:ext uri="{FAA26D3D-D897-4be2-8F04-BA451C77F1D7}">
-              <ma14:placeholderFlag xmlns:ma14="http://schemas.microsoft.com/office/mac/drawingml/2011/main" xmlns="" val="1"/>
+              <ma14:placeholderFlag xmlns="" xmlns:ma14="http://schemas.microsoft.com/office/mac/drawingml/2011/main" val="1"/>
             </a:ext>
           </a:extLst>
         </p:spPr>
@@ -1595,7 +1595,7 @@
           <a:ln/>
           <a:extLst>
             <a:ext uri="{FAA26D3D-D897-4be2-8F04-BA451C77F1D7}">
-              <ma14:placeholderFlag xmlns:ma14="http://schemas.microsoft.com/office/mac/drawingml/2011/main" xmlns="" val="1"/>
+              <ma14:placeholderFlag xmlns="" xmlns:ma14="http://schemas.microsoft.com/office/mac/drawingml/2011/main" val="1"/>
             </a:ext>
           </a:extLst>
         </p:spPr>
@@ -1689,7 +1689,7 @@
           <a:ln/>
           <a:extLst>
             <a:ext uri="{FAA26D3D-D897-4be2-8F04-BA451C77F1D7}">
-              <ma14:placeholderFlag xmlns:ma14="http://schemas.microsoft.com/office/mac/drawingml/2011/main" xmlns="" val="1"/>
+              <ma14:placeholderFlag xmlns="" xmlns:ma14="http://schemas.microsoft.com/office/mac/drawingml/2011/main" val="1"/>
             </a:ext>
           </a:extLst>
         </p:spPr>
@@ -1902,7 +1902,7 @@
           <a:noFill/>
           <a:extLst>
             <a:ext uri="{909E8E84-426E-40dd-AFC4-6F175D3DCCD1}">
-              <a14:hiddenFill xmlns:a14="http://schemas.microsoft.com/office/drawing/2010/main" xmlns="">
+              <a14:hiddenFill xmlns="" xmlns:a14="http://schemas.microsoft.com/office/drawing/2010/main">
                 <a:solidFill>
                   <a:srgbClr val="FFFFFF"/>
                 </a:solidFill>
@@ -4245,17 +4245,17 @@
           <a:effectLst/>
           <a:extLst>
             <a:ext uri="{FAA26D3D-D897-4be2-8F04-BA451C77F1D7}">
-              <ma14:placeholderFlag xmlns:ma14="http://schemas.microsoft.com/office/mac/drawingml/2011/main" xmlns="" val="1"/>
+              <ma14:placeholderFlag xmlns="" xmlns:ma14="http://schemas.microsoft.com/office/mac/drawingml/2011/main" val="1"/>
             </a:ext>
             <a:ext uri="{909E8E84-426E-40dd-AFC4-6F175D3DCCD1}">
-              <a14:hiddenFill xmlns:a14="http://schemas.microsoft.com/office/drawing/2010/main" xmlns="">
+              <a14:hiddenFill xmlns="" xmlns:a14="http://schemas.microsoft.com/office/drawing/2010/main">
                 <a:solidFill>
                   <a:schemeClr val="accent1"/>
                 </a:solidFill>
               </a14:hiddenFill>
             </a:ext>
             <a:ext uri="{91240B29-F687-4f45-9708-019B960494DF}">
-              <a14:hiddenLine xmlns:a14="http://schemas.microsoft.com/office/drawing/2010/main" xmlns="" w="9525">
+              <a14:hiddenLine xmlns="" xmlns:a14="http://schemas.microsoft.com/office/drawing/2010/main" w="9525">
                 <a:solidFill>
                   <a:schemeClr val="tx1"/>
                 </a:solidFill>
@@ -4265,7 +4265,7 @@
               </a14:hiddenLine>
             </a:ext>
             <a:ext uri="{AF507438-7753-43e0-B8FC-AC1667EBCBE1}">
-              <a14:hiddenEffects xmlns:a14="http://schemas.microsoft.com/office/drawing/2010/main" xmlns="">
+              <a14:hiddenEffects xmlns="" xmlns:a14="http://schemas.microsoft.com/office/drawing/2010/main">
                 <a:effectLst>
                   <a:outerShdw blurRad="63500" dist="38099" dir="2700000" algn="ctr" rotWithShape="0">
                     <a:schemeClr val="bg2">
@@ -4318,17 +4318,17 @@
           <a:effectLst/>
           <a:extLst>
             <a:ext uri="{FAA26D3D-D897-4be2-8F04-BA451C77F1D7}">
-              <ma14:placeholderFlag xmlns:ma14="http://schemas.microsoft.com/office/mac/drawingml/2011/main" xmlns="" val="1"/>
+              <ma14:placeholderFlag xmlns="" xmlns:ma14="http://schemas.microsoft.com/office/mac/drawingml/2011/main" val="1"/>
             </a:ext>
             <a:ext uri="{909E8E84-426E-40dd-AFC4-6F175D3DCCD1}">
-              <a14:hiddenFill xmlns:a14="http://schemas.microsoft.com/office/drawing/2010/main" xmlns="">
+              <a14:hiddenFill xmlns="" xmlns:a14="http://schemas.microsoft.com/office/drawing/2010/main">
                 <a:solidFill>
                   <a:schemeClr val="accent1"/>
                 </a:solidFill>
               </a14:hiddenFill>
             </a:ext>
             <a:ext uri="{91240B29-F687-4f45-9708-019B960494DF}">
-              <a14:hiddenLine xmlns:a14="http://schemas.microsoft.com/office/drawing/2010/main" xmlns="" w="9525">
+              <a14:hiddenLine xmlns="" xmlns:a14="http://schemas.microsoft.com/office/drawing/2010/main" w="9525">
                 <a:solidFill>
                   <a:schemeClr val="tx1"/>
                 </a:solidFill>
@@ -4338,7 +4338,7 @@
               </a14:hiddenLine>
             </a:ext>
             <a:ext uri="{AF507438-7753-43e0-B8FC-AC1667EBCBE1}">
-              <a14:hiddenEffects xmlns:a14="http://schemas.microsoft.com/office/drawing/2010/main" xmlns="">
+              <a14:hiddenEffects xmlns="" xmlns:a14="http://schemas.microsoft.com/office/drawing/2010/main">
                 <a:effectLst>
                   <a:outerShdw blurRad="63500" dist="38099" dir="2700000" algn="ctr" rotWithShape="0">
                     <a:schemeClr val="bg2">
@@ -4419,17 +4419,17 @@
           <a:effectLst/>
           <a:extLst>
             <a:ext uri="{FAA26D3D-D897-4be2-8F04-BA451C77F1D7}">
-              <ma14:placeholderFlag xmlns:ma14="http://schemas.microsoft.com/office/mac/drawingml/2011/main" xmlns="" val="1"/>
+              <ma14:placeholderFlag xmlns="" xmlns:ma14="http://schemas.microsoft.com/office/mac/drawingml/2011/main" val="1"/>
             </a:ext>
             <a:ext uri="{909E8E84-426E-40dd-AFC4-6F175D3DCCD1}">
-              <a14:hiddenFill xmlns:a14="http://schemas.microsoft.com/office/drawing/2010/main" xmlns="">
+              <a14:hiddenFill xmlns="" xmlns:a14="http://schemas.microsoft.com/office/drawing/2010/main">
                 <a:solidFill>
                   <a:schemeClr val="accent1"/>
                 </a:solidFill>
               </a14:hiddenFill>
             </a:ext>
             <a:ext uri="{91240B29-F687-4f45-9708-019B960494DF}">
-              <a14:hiddenLine xmlns:a14="http://schemas.microsoft.com/office/drawing/2010/main" xmlns="" w="9525">
+              <a14:hiddenLine xmlns="" xmlns:a14="http://schemas.microsoft.com/office/drawing/2010/main" w="9525">
                 <a:solidFill>
                   <a:schemeClr val="tx1"/>
                 </a:solidFill>
@@ -4439,7 +4439,7 @@
               </a14:hiddenLine>
             </a:ext>
             <a:ext uri="{AF507438-7753-43e0-B8FC-AC1667EBCBE1}">
-              <a14:hiddenEffects xmlns:a14="http://schemas.microsoft.com/office/drawing/2010/main" xmlns="">
+              <a14:hiddenEffects xmlns="" xmlns:a14="http://schemas.microsoft.com/office/drawing/2010/main">
                 <a:effectLst>
                   <a:outerShdw blurRad="63500" dist="38099" dir="2700000" algn="ctr" rotWithShape="0">
                     <a:schemeClr val="bg2">
@@ -4494,17 +4494,17 @@
           <a:effectLst/>
           <a:extLst>
             <a:ext uri="{FAA26D3D-D897-4be2-8F04-BA451C77F1D7}">
-              <ma14:placeholderFlag xmlns:ma14="http://schemas.microsoft.com/office/mac/drawingml/2011/main" xmlns="" val="1"/>
+              <ma14:placeholderFlag xmlns="" xmlns:ma14="http://schemas.microsoft.com/office/mac/drawingml/2011/main" val="1"/>
             </a:ext>
             <a:ext uri="{909E8E84-426E-40dd-AFC4-6F175D3DCCD1}">
-              <a14:hiddenFill xmlns:a14="http://schemas.microsoft.com/office/drawing/2010/main" xmlns="">
+              <a14:hiddenFill xmlns="" xmlns:a14="http://schemas.microsoft.com/office/drawing/2010/main">
                 <a:solidFill>
                   <a:schemeClr val="accent1"/>
                 </a:solidFill>
               </a14:hiddenFill>
             </a:ext>
             <a:ext uri="{91240B29-F687-4f45-9708-019B960494DF}">
-              <a14:hiddenLine xmlns:a14="http://schemas.microsoft.com/office/drawing/2010/main" xmlns="" w="9525">
+              <a14:hiddenLine xmlns="" xmlns:a14="http://schemas.microsoft.com/office/drawing/2010/main" w="9525">
                 <a:solidFill>
                   <a:schemeClr val="tx1"/>
                 </a:solidFill>
@@ -4514,7 +4514,7 @@
               </a14:hiddenLine>
             </a:ext>
             <a:ext uri="{AF507438-7753-43e0-B8FC-AC1667EBCBE1}">
-              <a14:hiddenEffects xmlns:a14="http://schemas.microsoft.com/office/drawing/2010/main" xmlns="">
+              <a14:hiddenEffects xmlns="" xmlns:a14="http://schemas.microsoft.com/office/drawing/2010/main">
                 <a:effectLst>
                   <a:outerShdw blurRad="63500" dist="38099" dir="2700000" algn="ctr" rotWithShape="0">
                     <a:schemeClr val="bg2">
@@ -4569,17 +4569,17 @@
           <a:effectLst/>
           <a:extLst>
             <a:ext uri="{FAA26D3D-D897-4be2-8F04-BA451C77F1D7}">
-              <ma14:placeholderFlag xmlns:ma14="http://schemas.microsoft.com/office/mac/drawingml/2011/main" xmlns="" val="1"/>
+              <ma14:placeholderFlag xmlns="" xmlns:ma14="http://schemas.microsoft.com/office/mac/drawingml/2011/main" val="1"/>
             </a:ext>
             <a:ext uri="{909E8E84-426E-40dd-AFC4-6F175D3DCCD1}">
-              <a14:hiddenFill xmlns:a14="http://schemas.microsoft.com/office/drawing/2010/main" xmlns="">
+              <a14:hiddenFill xmlns="" xmlns:a14="http://schemas.microsoft.com/office/drawing/2010/main">
                 <a:solidFill>
                   <a:schemeClr val="accent1"/>
                 </a:solidFill>
               </a14:hiddenFill>
             </a:ext>
             <a:ext uri="{91240B29-F687-4f45-9708-019B960494DF}">
-              <a14:hiddenLine xmlns:a14="http://schemas.microsoft.com/office/drawing/2010/main" xmlns="" w="9525">
+              <a14:hiddenLine xmlns="" xmlns:a14="http://schemas.microsoft.com/office/drawing/2010/main" w="9525">
                 <a:solidFill>
                   <a:schemeClr val="tx1"/>
                 </a:solidFill>
@@ -4589,7 +4589,7 @@
               </a14:hiddenLine>
             </a:ext>
             <a:ext uri="{AF507438-7753-43e0-B8FC-AC1667EBCBE1}">
-              <a14:hiddenEffects xmlns:a14="http://schemas.microsoft.com/office/drawing/2010/main" xmlns="">
+              <a14:hiddenEffects xmlns="" xmlns:a14="http://schemas.microsoft.com/office/drawing/2010/main">
                 <a:effectLst>
                   <a:outerShdw blurRad="63500" dist="38099" dir="2700000" algn="ctr" rotWithShape="0">
                     <a:schemeClr val="bg2">
@@ -4652,12 +4652,12 @@
           <a:effectLst/>
           <a:extLst>
             <a:ext uri="{909E8E84-426E-40dd-AFC4-6F175D3DCCD1}">
-              <a14:hiddenFill xmlns:a14="http://schemas.microsoft.com/office/drawing/2010/main" xmlns="">
+              <a14:hiddenFill xmlns="" xmlns:a14="http://schemas.microsoft.com/office/drawing/2010/main">
                 <a:noFill/>
               </a14:hiddenFill>
             </a:ext>
             <a:ext uri="{AF507438-7753-43e0-B8FC-AC1667EBCBE1}">
-              <a14:hiddenEffects xmlns:a14="http://schemas.microsoft.com/office/drawing/2010/main" xmlns="">
+              <a14:hiddenEffects xmlns="" xmlns:a14="http://schemas.microsoft.com/office/drawing/2010/main">
                 <a:effectLst>
                   <a:outerShdw blurRad="63500" dist="38099" dir="2700000" algn="ctr" rotWithShape="0">
                     <a:schemeClr val="bg2">
@@ -4702,7 +4702,7 @@
           <a:effectLst/>
           <a:extLst>
             <a:ext uri="{91240B29-F687-4f45-9708-019B960494DF}">
-              <a14:hiddenLine xmlns:a14="http://schemas.microsoft.com/office/drawing/2010/main" xmlns="" w="9525">
+              <a14:hiddenLine xmlns="" xmlns:a14="http://schemas.microsoft.com/office/drawing/2010/main" w="9525">
                 <a:solidFill>
                   <a:schemeClr val="tx1"/>
                 </a:solidFill>
@@ -4712,7 +4712,7 @@
               </a14:hiddenLine>
             </a:ext>
             <a:ext uri="{AF507438-7753-43e0-B8FC-AC1667EBCBE1}">
-              <a14:hiddenEffects xmlns:a14="http://schemas.microsoft.com/office/drawing/2010/main" xmlns="">
+              <a14:hiddenEffects xmlns="" xmlns:a14="http://schemas.microsoft.com/office/drawing/2010/main">
                 <a:effectLst>
                   <a:outerShdw blurRad="63500" dist="38099" dir="2700000" algn="ctr" rotWithShape="0">
                     <a:schemeClr val="bg2">
@@ -4761,14 +4761,14 @@
           <a:effectLst/>
           <a:extLst>
             <a:ext uri="{909E8E84-426E-40dd-AFC4-6F175D3DCCD1}">
-              <a14:hiddenFill xmlns:a14="http://schemas.microsoft.com/office/drawing/2010/main" xmlns="">
+              <a14:hiddenFill xmlns="" xmlns:a14="http://schemas.microsoft.com/office/drawing/2010/main">
                 <a:solidFill>
                   <a:schemeClr val="accent1"/>
                 </a:solidFill>
               </a14:hiddenFill>
             </a:ext>
             <a:ext uri="{91240B29-F687-4f45-9708-019B960494DF}">
-              <a14:hiddenLine xmlns:a14="http://schemas.microsoft.com/office/drawing/2010/main" xmlns="" w="9525">
+              <a14:hiddenLine xmlns="" xmlns:a14="http://schemas.microsoft.com/office/drawing/2010/main" w="9525">
                 <a:solidFill>
                   <a:schemeClr val="tx1"/>
                 </a:solidFill>
@@ -4778,7 +4778,7 @@
               </a14:hiddenLine>
             </a:ext>
             <a:ext uri="{AF507438-7753-43e0-B8FC-AC1667EBCBE1}">
-              <a14:hiddenEffects xmlns:a14="http://schemas.microsoft.com/office/drawing/2010/main" xmlns="">
+              <a14:hiddenEffects xmlns="" xmlns:a14="http://schemas.microsoft.com/office/drawing/2010/main">
                 <a:effectLst>
                   <a:outerShdw blurRad="63500" dist="38099" dir="2700000" algn="ctr" rotWithShape="0">
                     <a:schemeClr val="bg2">
@@ -4931,14 +4931,14 @@
           <a:effectLst/>
           <a:extLst>
             <a:ext uri="{909E8E84-426E-40dd-AFC4-6F175D3DCCD1}">
-              <a14:hiddenFill xmlns:a14="http://schemas.microsoft.com/office/drawing/2010/main" xmlns="">
+              <a14:hiddenFill xmlns="" xmlns:a14="http://schemas.microsoft.com/office/drawing/2010/main">
                 <a:solidFill>
                   <a:schemeClr val="accent1"/>
                 </a:solidFill>
               </a14:hiddenFill>
             </a:ext>
             <a:ext uri="{91240B29-F687-4f45-9708-019B960494DF}">
-              <a14:hiddenLine xmlns:a14="http://schemas.microsoft.com/office/drawing/2010/main" xmlns="" w="9525">
+              <a14:hiddenLine xmlns="" xmlns:a14="http://schemas.microsoft.com/office/drawing/2010/main" w="9525">
                 <a:solidFill>
                   <a:schemeClr val="tx1"/>
                 </a:solidFill>
@@ -4948,7 +4948,7 @@
               </a14:hiddenLine>
             </a:ext>
             <a:ext uri="{AF507438-7753-43e0-B8FC-AC1667EBCBE1}">
-              <a14:hiddenEffects xmlns:a14="http://schemas.microsoft.com/office/drawing/2010/main" xmlns="">
+              <a14:hiddenEffects xmlns="" xmlns:a14="http://schemas.microsoft.com/office/drawing/2010/main">
                 <a:effectLst>
                   <a:outerShdw blurRad="63500" dist="38099" dir="2700000" algn="ctr" rotWithShape="0">
                     <a:schemeClr val="bg2">
@@ -5023,12 +5023,12 @@
           <a:effectLst/>
           <a:extLst>
             <a:ext uri="{909E8E84-426E-40dd-AFC4-6F175D3DCCD1}">
-              <a14:hiddenFill xmlns:a14="http://schemas.microsoft.com/office/drawing/2010/main" xmlns="">
+              <a14:hiddenFill xmlns="" xmlns:a14="http://schemas.microsoft.com/office/drawing/2010/main">
                 <a:noFill/>
               </a14:hiddenFill>
             </a:ext>
             <a:ext uri="{91240B29-F687-4f45-9708-019B960494DF}">
-              <a14:hiddenLine xmlns:a14="http://schemas.microsoft.com/office/drawing/2010/main" xmlns="" w="6350">
+              <a14:hiddenLine xmlns="" xmlns:a14="http://schemas.microsoft.com/office/drawing/2010/main" w="6350">
                 <a:solidFill>
                   <a:schemeClr val="tx1"/>
                 </a:solidFill>
@@ -5038,7 +5038,7 @@
               </a14:hiddenLine>
             </a:ext>
             <a:ext uri="{AF507438-7753-43e0-B8FC-AC1667EBCBE1}">
-              <a14:hiddenEffects xmlns:a14="http://schemas.microsoft.com/office/drawing/2010/main" xmlns="">
+              <a14:hiddenEffects xmlns="" xmlns:a14="http://schemas.microsoft.com/office/drawing/2010/main">
                 <a:effectLst>
                   <a:outerShdw blurRad="63500" dist="38099" dir="2700000" algn="ctr" rotWithShape="0">
                     <a:schemeClr val="bg2">
@@ -5081,12 +5081,12 @@
           <a:effectLst/>
           <a:extLst>
             <a:ext uri="{909E8E84-426E-40dd-AFC4-6F175D3DCCD1}">
-              <a14:hiddenFill xmlns:a14="http://schemas.microsoft.com/office/drawing/2010/main" xmlns="">
+              <a14:hiddenFill xmlns="" xmlns:a14="http://schemas.microsoft.com/office/drawing/2010/main">
                 <a:noFill/>
               </a14:hiddenFill>
             </a:ext>
             <a:ext uri="{91240B29-F687-4f45-9708-019B960494DF}">
-              <a14:hiddenLine xmlns:a14="http://schemas.microsoft.com/office/drawing/2010/main" xmlns="" w="9525">
+              <a14:hiddenLine xmlns="" xmlns:a14="http://schemas.microsoft.com/office/drawing/2010/main" w="9525">
                 <a:solidFill>
                   <a:schemeClr val="tx1"/>
                 </a:solidFill>
@@ -5096,7 +5096,7 @@
               </a14:hiddenLine>
             </a:ext>
             <a:ext uri="{AF507438-7753-43e0-B8FC-AC1667EBCBE1}">
-              <a14:hiddenEffects xmlns:a14="http://schemas.microsoft.com/office/drawing/2010/main" xmlns="">
+              <a14:hiddenEffects xmlns="" xmlns:a14="http://schemas.microsoft.com/office/drawing/2010/main">
                 <a:effectLst>
                   <a:outerShdw blurRad="63500" dist="38099" dir="2700000" algn="ctr" rotWithShape="0">
                     <a:schemeClr val="bg2">
@@ -5598,7 +5598,7 @@
           <a:noFill/>
           <a:extLst>
             <a:ext uri="{909E8E84-426E-40dd-AFC4-6F175D3DCCD1}">
-              <a14:hiddenFill xmlns:a14="http://schemas.microsoft.com/office/drawing/2010/main" xmlns="">
+              <a14:hiddenFill xmlns="" xmlns:a14="http://schemas.microsoft.com/office/drawing/2010/main">
                 <a:solidFill>
                   <a:srgbClr val="FFFFFF"/>
                 </a:solidFill>
@@ -5639,7 +5639,7 @@
           <a:noFill/>
           <a:extLst>
             <a:ext uri="{909E8E84-426E-40dd-AFC4-6F175D3DCCD1}">
-              <a14:hiddenFill xmlns:a14="http://schemas.microsoft.com/office/drawing/2010/main" xmlns="">
+              <a14:hiddenFill xmlns="" xmlns:a14="http://schemas.microsoft.com/office/drawing/2010/main">
                 <a:solidFill>
                   <a:srgbClr val="FFFFFF"/>
                 </a:solidFill>
@@ -5671,14 +5671,14 @@
           <a:effectLst/>
           <a:extLst>
             <a:ext uri="{909E8E84-426E-40dd-AFC4-6F175D3DCCD1}">
-              <a14:hiddenFill xmlns:a14="http://schemas.microsoft.com/office/drawing/2010/main" xmlns="">
+              <a14:hiddenFill xmlns="" xmlns:a14="http://schemas.microsoft.com/office/drawing/2010/main">
                 <a:solidFill>
                   <a:schemeClr val="accent1"/>
                 </a:solidFill>
               </a14:hiddenFill>
             </a:ext>
             <a:ext uri="{91240B29-F687-4f45-9708-019B960494DF}">
-              <a14:hiddenLine xmlns:a14="http://schemas.microsoft.com/office/drawing/2010/main" xmlns="" w="9525">
+              <a14:hiddenLine xmlns="" xmlns:a14="http://schemas.microsoft.com/office/drawing/2010/main" w="9525">
                 <a:solidFill>
                   <a:schemeClr val="tx1"/>
                 </a:solidFill>
@@ -5688,7 +5688,7 @@
               </a14:hiddenLine>
             </a:ext>
             <a:ext uri="{AF507438-7753-43e0-B8FC-AC1667EBCBE1}">
-              <a14:hiddenEffects xmlns:a14="http://schemas.microsoft.com/office/drawing/2010/main" xmlns="">
+              <a14:hiddenEffects xmlns="" xmlns:a14="http://schemas.microsoft.com/office/drawing/2010/main">
                 <a:effectLst>
                   <a:outerShdw blurRad="63500" dist="38099" dir="2700000" algn="ctr" rotWithShape="0">
                     <a:schemeClr val="bg2">
@@ -5977,14 +5977,14 @@
           <a:effectLst/>
           <a:extLst>
             <a:ext uri="{909E8E84-426E-40dd-AFC4-6F175D3DCCD1}">
-              <a14:hiddenFill xmlns:a14="http://schemas.microsoft.com/office/drawing/2010/main" xmlns="">
+              <a14:hiddenFill xmlns="" xmlns:a14="http://schemas.microsoft.com/office/drawing/2010/main">
                 <a:solidFill>
                   <a:schemeClr val="accent1"/>
                 </a:solidFill>
               </a14:hiddenFill>
             </a:ext>
             <a:ext uri="{91240B29-F687-4f45-9708-019B960494DF}">
-              <a14:hiddenLine xmlns:a14="http://schemas.microsoft.com/office/drawing/2010/main" xmlns="" w="9525">
+              <a14:hiddenLine xmlns="" xmlns:a14="http://schemas.microsoft.com/office/drawing/2010/main" w="9525">
                 <a:solidFill>
                   <a:schemeClr val="tx1"/>
                 </a:solidFill>
@@ -5994,7 +5994,7 @@
               </a14:hiddenLine>
             </a:ext>
             <a:ext uri="{AF507438-7753-43e0-B8FC-AC1667EBCBE1}">
-              <a14:hiddenEffects xmlns:a14="http://schemas.microsoft.com/office/drawing/2010/main" xmlns="">
+              <a14:hiddenEffects xmlns="" xmlns:a14="http://schemas.microsoft.com/office/drawing/2010/main">
                 <a:effectLst>
                   <a:outerShdw blurRad="63500" dist="38099" dir="2700000" algn="ctr" rotWithShape="0">
                     <a:schemeClr val="bg2">
@@ -6329,24 +6329,6 @@
             </a:pPr>
             <a:endParaRPr lang="de-DE" dirty="0"/>
           </a:p>
-          <a:p>
-            <a:pPr marL="285750" indent="-285750">
-              <a:buFont typeface="Arial" panose="020B0604020202020204" pitchFamily="34" charset="0"/>
-              <a:buChar char="•"/>
-            </a:pPr>
-            <a:r>
-              <a:rPr lang="de-DE" dirty="0"/>
-              <a:t>Nachrichten ohne vorherige </a:t>
-            </a:r>
-            <a:r>
-              <a:rPr lang="de-DE" dirty="0" err="1"/>
-              <a:t>Notification</a:t>
-            </a:r>
-            <a:r>
-              <a:rPr lang="de-DE" dirty="0"/>
-              <a:t> schreiben</a:t>
-            </a:r>
-          </a:p>
         </p:txBody>
       </p:sp>
     </p:spTree>
@@ -6836,6 +6818,12 @@
           <a:lstStyle/>
           <a:p>
             <a:pPr>
+              <a:lnSpc>
+                <a:spcPct val="100000"/>
+              </a:lnSpc>
+              <a:spcAft>
+                <a:spcPts val="600"/>
+              </a:spcAft>
               <a:buFont typeface="Arial" panose="020B0604020202020204" pitchFamily="34" charset="0"/>
               <a:buChar char="•"/>
             </a:pPr>
@@ -6846,6 +6834,123 @@
           </a:p>
           <a:p>
             <a:pPr>
+              <a:lnSpc>
+                <a:spcPct val="100000"/>
+              </a:lnSpc>
+              <a:spcAft>
+                <a:spcPts val="0"/>
+              </a:spcAft>
+              <a:buFont typeface="Arial" panose="020B0604020202020204" pitchFamily="34" charset="0"/>
+              <a:buChar char="•"/>
+            </a:pPr>
+            <a:r>
+              <a:rPr lang="de-DE" dirty="0"/>
+              <a:t>Die App…</a:t>
+            </a:r>
+          </a:p>
+          <a:p>
+            <a:pPr lvl="1">
+              <a:spcAft>
+                <a:spcPts val="0"/>
+              </a:spcAft>
+              <a:buFont typeface="Arial" panose="020B0604020202020204" pitchFamily="34" charset="0"/>
+              <a:buChar char="•"/>
+            </a:pPr>
+            <a:r>
+              <a:rPr lang="de-DE" dirty="0"/>
+              <a:t>Liest „Nachricht von &lt;Name&gt;“ vor</a:t>
+            </a:r>
+          </a:p>
+          <a:p>
+            <a:pPr lvl="1">
+              <a:spcAft>
+                <a:spcPts val="0"/>
+              </a:spcAft>
+              <a:buFont typeface="Arial" panose="020B0604020202020204" pitchFamily="34" charset="0"/>
+              <a:buChar char="•"/>
+            </a:pPr>
+            <a:r>
+              <a:rPr lang="de-DE" dirty="0"/>
+              <a:t>Spielt parallel </a:t>
+            </a:r>
+            <a:r>
+              <a:rPr lang="de-DE" dirty="0" err="1"/>
+              <a:t>Earcon</a:t>
+            </a:r>
+            <a:r>
+              <a:rPr lang="de-DE" dirty="0"/>
+              <a:t> ab</a:t>
+            </a:r>
+          </a:p>
+          <a:p>
+            <a:pPr lvl="1">
+              <a:spcAft>
+                <a:spcPts val="0"/>
+              </a:spcAft>
+              <a:buFont typeface="Arial" panose="020B0604020202020204" pitchFamily="34" charset="0"/>
+              <a:buChar char="•"/>
+            </a:pPr>
+            <a:r>
+              <a:rPr lang="de-DE" dirty="0"/>
+              <a:t>Liest anschließend Nachricht vor</a:t>
+            </a:r>
+          </a:p>
+          <a:p>
+            <a:pPr marL="457200" lvl="1" indent="0">
+              <a:spcAft>
+                <a:spcPts val="0"/>
+              </a:spcAft>
+              <a:buNone/>
+            </a:pPr>
+            <a:r>
+              <a:rPr lang="de-DE" dirty="0"/>
+              <a:t>Oder</a:t>
+            </a:r>
+          </a:p>
+          <a:p>
+            <a:pPr lvl="1">
+              <a:spcAft>
+                <a:spcPts val="0"/>
+              </a:spcAft>
+              <a:buFont typeface="Arial" panose="020B0604020202020204" pitchFamily="34" charset="0"/>
+              <a:buChar char="•"/>
+            </a:pPr>
+            <a:r>
+              <a:rPr lang="de-DE" dirty="0"/>
+              <a:t>Liest „Nachrichten von &lt;Name1&gt;, &lt;Name2&gt;, &lt;Name3&gt;“ vor</a:t>
+            </a:r>
+          </a:p>
+          <a:p>
+            <a:pPr lvl="1">
+              <a:spcAft>
+                <a:spcPts val="0"/>
+              </a:spcAft>
+              <a:buFont typeface="Arial" panose="020B0604020202020204" pitchFamily="34" charset="0"/>
+              <a:buChar char="•"/>
+            </a:pPr>
+            <a:r>
+              <a:rPr lang="de-DE" dirty="0"/>
+              <a:t>Nutzer kann Schlüsselwort und den Namen nennen</a:t>
+            </a:r>
+          </a:p>
+          <a:p>
+            <a:pPr lvl="1">
+              <a:spcAft>
+                <a:spcPts val="0"/>
+              </a:spcAft>
+              <a:buFont typeface="Arial" panose="020B0604020202020204" pitchFamily="34" charset="0"/>
+              <a:buChar char="•"/>
+            </a:pPr>
+            <a:r>
+              <a:rPr lang="de-DE" dirty="0"/>
+              <a:t>Liest Nachricht von genanntem Namen vor</a:t>
+            </a:r>
+          </a:p>
+          <a:p>
+            <a:pPr lvl="1">
+              <a:spcAft>
+                <a:spcPts val="0"/>
+              </a:spcAft>
               <a:buFont typeface="Arial" panose="020B0604020202020204" pitchFamily="34" charset="0"/>
               <a:buChar char="•"/>
             </a:pPr>
@@ -6853,148 +6958,74 @@
           </a:p>
           <a:p>
             <a:pPr>
+              <a:lnSpc>
+                <a:spcPct val="100000"/>
+              </a:lnSpc>
+              <a:spcAft>
+                <a:spcPts val="600"/>
+              </a:spcAft>
               <a:buFont typeface="Arial" panose="020B0604020202020204" pitchFamily="34" charset="0"/>
               <a:buChar char="•"/>
             </a:pPr>
             <a:r>
               <a:rPr lang="de-DE" dirty="0"/>
-              <a:t>Die App…</a:t>
-            </a:r>
-          </a:p>
-          <a:p>
-            <a:pPr lvl="1">
+              <a:t>Der Nutzer kann Schlüsselwort nennen zum Antworten</a:t>
+            </a:r>
+          </a:p>
+          <a:p>
+            <a:pPr>
+              <a:lnSpc>
+                <a:spcPct val="100000"/>
+              </a:lnSpc>
+              <a:spcAft>
+                <a:spcPts val="600"/>
+              </a:spcAft>
               <a:buFont typeface="Arial" panose="020B0604020202020204" pitchFamily="34" charset="0"/>
               <a:buChar char="•"/>
             </a:pPr>
             <a:r>
               <a:rPr lang="de-DE" dirty="0"/>
-              <a:t>Liest „Nachricht von &lt;Name&gt;“ vor</a:t>
-            </a:r>
-          </a:p>
-          <a:p>
-            <a:pPr lvl="1">
+              <a:t>Antwort wird via Sprache eingegeben und abgesendet</a:t>
+            </a:r>
+          </a:p>
+          <a:p>
+            <a:pPr>
+              <a:lnSpc>
+                <a:spcPct val="100000"/>
+              </a:lnSpc>
+              <a:spcAft>
+                <a:spcPts val="600"/>
+              </a:spcAft>
               <a:buFont typeface="Arial" panose="020B0604020202020204" pitchFamily="34" charset="0"/>
               <a:buChar char="•"/>
             </a:pPr>
             <a:r>
               <a:rPr lang="de-DE" dirty="0"/>
-              <a:t>Spielt parallel </a:t>
+              <a:t>Schnelligkeit des </a:t>
             </a:r>
             <a:r>
               <a:rPr lang="de-DE" dirty="0" err="1"/>
-              <a:t>Earcon</a:t>
+              <a:t>Earcons</a:t>
             </a:r>
             <a:r>
               <a:rPr lang="de-DE" dirty="0"/>
-              <a:t> ab</a:t>
-            </a:r>
-          </a:p>
-          <a:p>
-            <a:pPr lvl="1">
+              <a:t> und des Kontaktes kann verändert werden</a:t>
+            </a:r>
+          </a:p>
+          <a:p>
+            <a:pPr>
+              <a:lnSpc>
+                <a:spcPct val="100000"/>
+              </a:lnSpc>
+              <a:spcAft>
+                <a:spcPts val="600"/>
+              </a:spcAft>
               <a:buFont typeface="Arial" panose="020B0604020202020204" pitchFamily="34" charset="0"/>
               <a:buChar char="•"/>
             </a:pPr>
             <a:r>
               <a:rPr lang="de-DE" dirty="0"/>
-              <a:t>Liest anschließend Nachricht vor</a:t>
-            </a:r>
-          </a:p>
-          <a:p>
-            <a:pPr marL="457200" lvl="1" indent="0">
-              <a:buNone/>
-            </a:pPr>
-            <a:r>
-              <a:rPr lang="de-DE" dirty="0"/>
-              <a:t>Oder</a:t>
-            </a:r>
-          </a:p>
-          <a:p>
-            <a:pPr lvl="1">
-              <a:buFont typeface="Arial" panose="020B0604020202020204" pitchFamily="34" charset="0"/>
-              <a:buChar char="•"/>
-            </a:pPr>
-            <a:r>
-              <a:rPr lang="de-DE" dirty="0"/>
-              <a:t>Liest „Nachrichten von &lt;Name1&gt;, &lt;Name2&gt;, &lt;Name3&gt;“ vor</a:t>
-            </a:r>
-          </a:p>
-          <a:p>
-            <a:pPr lvl="1">
-              <a:buFont typeface="Arial" panose="020B0604020202020204" pitchFamily="34" charset="0"/>
-              <a:buChar char="•"/>
-            </a:pPr>
-            <a:r>
-              <a:rPr lang="de-DE" dirty="0"/>
-              <a:t>Nutzer kann Schlüsselwort und den Namen nennen</a:t>
-            </a:r>
-          </a:p>
-          <a:p>
-            <a:pPr lvl="1">
-              <a:buFont typeface="Arial" panose="020B0604020202020204" pitchFamily="34" charset="0"/>
-              <a:buChar char="•"/>
-            </a:pPr>
-            <a:r>
-              <a:rPr lang="de-DE" dirty="0"/>
-              <a:t>Liest Nachricht von genanntem Namen vor</a:t>
-            </a:r>
-          </a:p>
-          <a:p>
-            <a:pPr>
-              <a:buFont typeface="Arial" panose="020B0604020202020204" pitchFamily="34" charset="0"/>
-              <a:buChar char="•"/>
-            </a:pPr>
-            <a:endParaRPr lang="de-DE" dirty="0"/>
-          </a:p>
-          <a:p>
-            <a:pPr>
-              <a:buFont typeface="Arial" panose="020B0604020202020204" pitchFamily="34" charset="0"/>
-              <a:buChar char="•"/>
-            </a:pPr>
-            <a:r>
-              <a:rPr lang="de-DE" dirty="0"/>
-              <a:t>Der Nutzer kann Schlüsselwort nennen zum Antworten</a:t>
-            </a:r>
-          </a:p>
-          <a:p>
-            <a:pPr>
-              <a:buFont typeface="Arial" panose="020B0604020202020204" pitchFamily="34" charset="0"/>
-              <a:buChar char="•"/>
-            </a:pPr>
-            <a:endParaRPr lang="de-DE" dirty="0"/>
-          </a:p>
-          <a:p>
-            <a:pPr>
-              <a:buFont typeface="Arial" panose="020B0604020202020204" pitchFamily="34" charset="0"/>
-              <a:buChar char="•"/>
-            </a:pPr>
-            <a:r>
-              <a:rPr lang="de-DE" dirty="0"/>
-              <a:t>Antwort wird via Sprache eingegeben und abgesendet</a:t>
-            </a:r>
-          </a:p>
-          <a:p>
-            <a:pPr>
-              <a:buFont typeface="Arial" panose="020B0604020202020204" pitchFamily="34" charset="0"/>
-              <a:buChar char="•"/>
-            </a:pPr>
-            <a:endParaRPr lang="de-DE" dirty="0"/>
-          </a:p>
-          <a:p>
-            <a:pPr>
-              <a:buFont typeface="Arial" panose="020B0604020202020204" pitchFamily="34" charset="0"/>
-              <a:buChar char="•"/>
-            </a:pPr>
-            <a:r>
-              <a:rPr lang="de-DE" dirty="0"/>
-              <a:t>Schnelligkeit des </a:t>
-            </a:r>
-            <a:r>
-              <a:rPr lang="de-DE" dirty="0" err="1"/>
-              <a:t>Earcons</a:t>
-            </a:r>
-            <a:r>
-              <a:rPr lang="de-DE" dirty="0"/>
-              <a:t> und des Kontaktes kann verändert werden</a:t>
+              <a:t>Nachrichten können auch direkt an einen Kontakt geschickt werden</a:t>
             </a:r>
           </a:p>
         </p:txBody>
@@ -7002,7 +7033,7 @@
     </p:spTree>
     <p:extLst>
       <p:ext uri="{BB962C8B-B14F-4D97-AF65-F5344CB8AC3E}">
-        <p14:creationId xmlns:p14="http://schemas.microsoft.com/office/powerpoint/2010/main" val="106625000"/>
+        <p14:creationId xmlns:p14="http://schemas.microsoft.com/office/powerpoint/2010/main" val="1526980726"/>
       </p:ext>
     </p:extLst>
   </p:cSld>
@@ -7059,31 +7090,35 @@
           </a:p>
         </p:txBody>
       </p:sp>
-      <p:sp>
-        <p:nvSpPr>
-          <p:cNvPr id="3" name="Inhaltsplatzhalter 2">
+      <p:pic>
+        <p:nvPicPr>
+          <p:cNvPr id="4" name="Inhaltsplatzhalter 3" descr="Ein Bild, das Text, Karte enthält.&#10;&#10;Automatisch generierte Beschreibung">
             <a:extLst>
               <a:ext uri="{FF2B5EF4-FFF2-40B4-BE49-F238E27FC236}">
-                <a16:creationId xmlns:a16="http://schemas.microsoft.com/office/drawing/2014/main" id="{A3241813-2EFA-4C53-B150-B13B3E511309}"/>
+                <a16:creationId xmlns:a16="http://schemas.microsoft.com/office/drawing/2014/main" id="{2BEA0539-3B67-459B-954A-C765F3509969}"/>
               </a:ext>
             </a:extLst>
           </p:cNvPr>
-          <p:cNvSpPr>
-            <a:spLocks noGrp="1"/>
-          </p:cNvSpPr>
+          <p:cNvPicPr>
+            <a:picLocks noGrp="1" noChangeAspect="1"/>
+          </p:cNvPicPr>
           <p:nvPr>
             <p:ph idx="1"/>
           </p:nvPr>
-        </p:nvSpPr>
-        <p:spPr/>
-        <p:txBody>
-          <a:bodyPr/>
-          <a:lstStyle/>
-          <a:p>
-            <a:endParaRPr lang="de-DE" dirty="0"/>
-          </a:p>
-        </p:txBody>
-      </p:sp>
+        </p:nvPicPr>
+        <p:blipFill>
+          <a:blip r:embed="rId3"/>
+          <a:stretch>
+            <a:fillRect/>
+          </a:stretch>
+        </p:blipFill>
+        <p:spPr>
+          <a:xfrm>
+            <a:off x="1685776" y="1412776"/>
+            <a:ext cx="6048671" cy="5042325"/>
+          </a:xfrm>
+        </p:spPr>
+      </p:pic>
     </p:spTree>
     <p:extLst>
       <p:ext uri="{BB962C8B-B14F-4D97-AF65-F5344CB8AC3E}">
@@ -7979,7 +8014,7 @@
         <a:effectLst/>
         <a:extLst>
           <a:ext uri="{AF507438-7753-43e0-B8FC-AC1667EBCBE1}">
-            <a14:hiddenEffects xmlns:a14="http://schemas.microsoft.com/office/drawing/2010/main" xmlns="">
+            <a14:hiddenEffects xmlns="" xmlns:a14="http://schemas.microsoft.com/office/drawing/2010/main">
               <a:effectLst>
                 <a:outerShdw blurRad="63500" dist="38099" dir="2700000" algn="ctr" rotWithShape="0">
                   <a:schemeClr val="bg2">
@@ -8055,7 +8090,7 @@
         <a:effectLst/>
         <a:extLst>
           <a:ext uri="{AF507438-7753-43e0-B8FC-AC1667EBCBE1}">
-            <a14:hiddenEffects xmlns:a14="http://schemas.microsoft.com/office/drawing/2010/main" xmlns="">
+            <a14:hiddenEffects xmlns="" xmlns:a14="http://schemas.microsoft.com/office/drawing/2010/main">
               <a:effectLst>
                 <a:outerShdw blurRad="63500" dist="38099" dir="2700000" algn="ctr" rotWithShape="0">
                   <a:schemeClr val="bg2">

--- a/Präsentation/Zwischenpräsentation_TechnischesKonzept.pptx
+++ b/Präsentation/Zwischenpräsentation_TechnischesKonzept.pptx
@@ -5,19 +5,20 @@
     <p:sldMasterId id="2147483648" r:id="rId1"/>
   </p:sldMasterIdLst>
   <p:notesMasterIdLst>
-    <p:notesMasterId r:id="rId12"/>
+    <p:notesMasterId r:id="rId13"/>
   </p:notesMasterIdLst>
   <p:sldIdLst>
     <p:sldId id="259" r:id="rId2"/>
     <p:sldId id="462" r:id="rId3"/>
     <p:sldId id="473" r:id="rId4"/>
     <p:sldId id="476" r:id="rId5"/>
-    <p:sldId id="471" r:id="rId6"/>
-    <p:sldId id="470" r:id="rId7"/>
-    <p:sldId id="468" r:id="rId8"/>
-    <p:sldId id="469" r:id="rId9"/>
-    <p:sldId id="474" r:id="rId10"/>
-    <p:sldId id="475" r:id="rId11"/>
+    <p:sldId id="477" r:id="rId6"/>
+    <p:sldId id="471" r:id="rId7"/>
+    <p:sldId id="470" r:id="rId8"/>
+    <p:sldId id="468" r:id="rId9"/>
+    <p:sldId id="469" r:id="rId10"/>
+    <p:sldId id="474" r:id="rId11"/>
+    <p:sldId id="475" r:id="rId12"/>
   </p:sldIdLst>
   <p:sldSz cx="9144000" cy="6858000" type="screen4x3"/>
   <p:notesSz cx="6858000" cy="9144000"/>
@@ -231,17 +232,17 @@
           <a:effectLst/>
           <a:extLst>
             <a:ext uri="{FAA26D3D-D897-4be2-8F04-BA451C77F1D7}">
-              <ma14:placeholderFlag xmlns="" xmlns:ma14="http://schemas.microsoft.com/office/mac/drawingml/2011/main" val="1"/>
+              <ma14:placeholderFlag xmlns:ma14="http://schemas.microsoft.com/office/mac/drawingml/2011/main" xmlns="" val="1"/>
             </a:ext>
             <a:ext uri="{909E8E84-426E-40dd-AFC4-6F175D3DCCD1}">
-              <a14:hiddenFill xmlns="" xmlns:a14="http://schemas.microsoft.com/office/drawing/2010/main">
+              <a14:hiddenFill xmlns:a14="http://schemas.microsoft.com/office/drawing/2010/main" xmlns="">
                 <a:solidFill>
                   <a:schemeClr val="accent1"/>
                 </a:solidFill>
               </a14:hiddenFill>
             </a:ext>
             <a:ext uri="{91240B29-F687-4f45-9708-019B960494DF}">
-              <a14:hiddenLine xmlns="" xmlns:a14="http://schemas.microsoft.com/office/drawing/2010/main" w="9525">
+              <a14:hiddenLine xmlns:a14="http://schemas.microsoft.com/office/drawing/2010/main" xmlns="" w="9525">
                 <a:solidFill>
                   <a:schemeClr val="tx1"/>
                 </a:solidFill>
@@ -251,7 +252,7 @@
               </a14:hiddenLine>
             </a:ext>
             <a:ext uri="{AF507438-7753-43e0-B8FC-AC1667EBCBE1}">
-              <a14:hiddenEffects xmlns="" xmlns:a14="http://schemas.microsoft.com/office/drawing/2010/main">
+              <a14:hiddenEffects xmlns:a14="http://schemas.microsoft.com/office/drawing/2010/main" xmlns="">
                 <a:effectLst>
                   <a:outerShdw blurRad="63500" dist="38099" dir="2700000" algn="ctr" rotWithShape="0">
                     <a:schemeClr val="bg2">
@@ -306,17 +307,17 @@
           <a:effectLst/>
           <a:extLst>
             <a:ext uri="{FAA26D3D-D897-4be2-8F04-BA451C77F1D7}">
-              <ma14:placeholderFlag xmlns="" xmlns:ma14="http://schemas.microsoft.com/office/mac/drawingml/2011/main" val="1"/>
+              <ma14:placeholderFlag xmlns:ma14="http://schemas.microsoft.com/office/mac/drawingml/2011/main" xmlns="" val="1"/>
             </a:ext>
             <a:ext uri="{909E8E84-426E-40dd-AFC4-6F175D3DCCD1}">
-              <a14:hiddenFill xmlns="" xmlns:a14="http://schemas.microsoft.com/office/drawing/2010/main">
+              <a14:hiddenFill xmlns:a14="http://schemas.microsoft.com/office/drawing/2010/main" xmlns="">
                 <a:solidFill>
                   <a:schemeClr val="accent1"/>
                 </a:solidFill>
               </a14:hiddenFill>
             </a:ext>
             <a:ext uri="{91240B29-F687-4f45-9708-019B960494DF}">
-              <a14:hiddenLine xmlns="" xmlns:a14="http://schemas.microsoft.com/office/drawing/2010/main" w="9525">
+              <a14:hiddenLine xmlns:a14="http://schemas.microsoft.com/office/drawing/2010/main" xmlns="" w="9525">
                 <a:solidFill>
                   <a:schemeClr val="tx1"/>
                 </a:solidFill>
@@ -326,7 +327,7 @@
               </a14:hiddenLine>
             </a:ext>
             <a:ext uri="{AF507438-7753-43e0-B8FC-AC1667EBCBE1}">
-              <a14:hiddenEffects xmlns="" xmlns:a14="http://schemas.microsoft.com/office/drawing/2010/main">
+              <a14:hiddenEffects xmlns:a14="http://schemas.microsoft.com/office/drawing/2010/main" xmlns="">
                 <a:effectLst>
                   <a:outerShdw blurRad="63500" dist="38099" dir="2700000" algn="ctr" rotWithShape="0">
                     <a:schemeClr val="bg2">
@@ -386,7 +387,7 @@
           <a:effectLst/>
           <a:extLst>
             <a:ext uri="{AF507438-7753-43e0-B8FC-AC1667EBCBE1}">
-              <a14:hiddenEffects xmlns="" xmlns:a14="http://schemas.microsoft.com/office/drawing/2010/main">
+              <a14:hiddenEffects xmlns:a14="http://schemas.microsoft.com/office/drawing/2010/main" xmlns="">
                 <a:effectLst>
                   <a:outerShdw blurRad="63500" dist="38099" dir="2700000" algn="ctr" rotWithShape="0">
                     <a:srgbClr val="000000">
@@ -397,7 +398,7 @@
               </a14:hiddenEffects>
             </a:ext>
             <a:ext uri="{53640926-AAD7-44d8-BBD7-CCE9431645EC}">
-              <a14:shadowObscured xmlns="" xmlns:a14="http://schemas.microsoft.com/office/drawing/2010/main" val="1"/>
+              <a14:shadowObscured xmlns:a14="http://schemas.microsoft.com/office/drawing/2010/main" xmlns="" val="1"/>
             </a:ext>
           </a:extLst>
         </p:spPr>
@@ -427,17 +428,17 @@
           <a:effectLst/>
           <a:extLst>
             <a:ext uri="{FAA26D3D-D897-4be2-8F04-BA451C77F1D7}">
-              <ma14:placeholderFlag xmlns="" xmlns:ma14="http://schemas.microsoft.com/office/mac/drawingml/2011/main" val="1"/>
+              <ma14:placeholderFlag xmlns:ma14="http://schemas.microsoft.com/office/mac/drawingml/2011/main" xmlns="" val="1"/>
             </a:ext>
             <a:ext uri="{909E8E84-426E-40dd-AFC4-6F175D3DCCD1}">
-              <a14:hiddenFill xmlns="" xmlns:a14="http://schemas.microsoft.com/office/drawing/2010/main">
+              <a14:hiddenFill xmlns:a14="http://schemas.microsoft.com/office/drawing/2010/main" xmlns="">
                 <a:solidFill>
                   <a:schemeClr val="accent1"/>
                 </a:solidFill>
               </a14:hiddenFill>
             </a:ext>
             <a:ext uri="{91240B29-F687-4f45-9708-019B960494DF}">
-              <a14:hiddenLine xmlns="" xmlns:a14="http://schemas.microsoft.com/office/drawing/2010/main" w="9525">
+              <a14:hiddenLine xmlns:a14="http://schemas.microsoft.com/office/drawing/2010/main" xmlns="" w="9525">
                 <a:solidFill>
                   <a:schemeClr val="tx1"/>
                 </a:solidFill>
@@ -447,7 +448,7 @@
               </a14:hiddenLine>
             </a:ext>
             <a:ext uri="{AF507438-7753-43e0-B8FC-AC1667EBCBE1}">
-              <a14:hiddenEffects xmlns="" xmlns:a14="http://schemas.microsoft.com/office/drawing/2010/main">
+              <a14:hiddenEffects xmlns:a14="http://schemas.microsoft.com/office/drawing/2010/main" xmlns="">
                 <a:effectLst>
                   <a:outerShdw blurRad="63500" dist="38099" dir="2700000" algn="ctr" rotWithShape="0">
                     <a:schemeClr val="bg2">
@@ -528,17 +529,17 @@
           <a:effectLst/>
           <a:extLst>
             <a:ext uri="{FAA26D3D-D897-4be2-8F04-BA451C77F1D7}">
-              <ma14:placeholderFlag xmlns="" xmlns:ma14="http://schemas.microsoft.com/office/mac/drawingml/2011/main" val="1"/>
+              <ma14:placeholderFlag xmlns:ma14="http://schemas.microsoft.com/office/mac/drawingml/2011/main" xmlns="" val="1"/>
             </a:ext>
             <a:ext uri="{909E8E84-426E-40dd-AFC4-6F175D3DCCD1}">
-              <a14:hiddenFill xmlns="" xmlns:a14="http://schemas.microsoft.com/office/drawing/2010/main">
+              <a14:hiddenFill xmlns:a14="http://schemas.microsoft.com/office/drawing/2010/main" xmlns="">
                 <a:solidFill>
                   <a:schemeClr val="accent1"/>
                 </a:solidFill>
               </a14:hiddenFill>
             </a:ext>
             <a:ext uri="{91240B29-F687-4f45-9708-019B960494DF}">
-              <a14:hiddenLine xmlns="" xmlns:a14="http://schemas.microsoft.com/office/drawing/2010/main" w="9525">
+              <a14:hiddenLine xmlns:a14="http://schemas.microsoft.com/office/drawing/2010/main" xmlns="" w="9525">
                 <a:solidFill>
                   <a:schemeClr val="tx1"/>
                 </a:solidFill>
@@ -548,7 +549,7 @@
               </a14:hiddenLine>
             </a:ext>
             <a:ext uri="{AF507438-7753-43e0-B8FC-AC1667EBCBE1}">
-              <a14:hiddenEffects xmlns="" xmlns:a14="http://schemas.microsoft.com/office/drawing/2010/main">
+              <a14:hiddenEffects xmlns:a14="http://schemas.microsoft.com/office/drawing/2010/main" xmlns="">
                 <a:effectLst>
                   <a:outerShdw blurRad="63500" dist="38099" dir="2700000" algn="ctr" rotWithShape="0">
                     <a:schemeClr val="bg2">
@@ -603,17 +604,17 @@
           <a:effectLst/>
           <a:extLst>
             <a:ext uri="{FAA26D3D-D897-4be2-8F04-BA451C77F1D7}">
-              <ma14:placeholderFlag xmlns="" xmlns:ma14="http://schemas.microsoft.com/office/mac/drawingml/2011/main" val="1"/>
+              <ma14:placeholderFlag xmlns:ma14="http://schemas.microsoft.com/office/mac/drawingml/2011/main" xmlns="" val="1"/>
             </a:ext>
             <a:ext uri="{909E8E84-426E-40dd-AFC4-6F175D3DCCD1}">
-              <a14:hiddenFill xmlns="" xmlns:a14="http://schemas.microsoft.com/office/drawing/2010/main">
+              <a14:hiddenFill xmlns:a14="http://schemas.microsoft.com/office/drawing/2010/main" xmlns="">
                 <a:solidFill>
                   <a:schemeClr val="accent1"/>
                 </a:solidFill>
               </a14:hiddenFill>
             </a:ext>
             <a:ext uri="{91240B29-F687-4f45-9708-019B960494DF}">
-              <a14:hiddenLine xmlns="" xmlns:a14="http://schemas.microsoft.com/office/drawing/2010/main" w="9525">
+              <a14:hiddenLine xmlns:a14="http://schemas.microsoft.com/office/drawing/2010/main" xmlns="" w="9525">
                 <a:solidFill>
                   <a:schemeClr val="tx1"/>
                 </a:solidFill>
@@ -623,7 +624,7 @@
               </a14:hiddenLine>
             </a:ext>
             <a:ext uri="{AF507438-7753-43e0-B8FC-AC1667EBCBE1}">
-              <a14:hiddenEffects xmlns="" xmlns:a14="http://schemas.microsoft.com/office/drawing/2010/main">
+              <a14:hiddenEffects xmlns:a14="http://schemas.microsoft.com/office/drawing/2010/main" xmlns="">
                 <a:effectLst>
                   <a:outerShdw blurRad="63500" dist="38099" dir="2700000" algn="ctr" rotWithShape="0">
                     <a:schemeClr val="bg2">
@@ -848,7 +849,7 @@
           <a:ln/>
           <a:extLst>
             <a:ext uri="{FAA26D3D-D897-4be2-8F04-BA451C77F1D7}">
-              <ma14:placeholderFlag xmlns="" xmlns:ma14="http://schemas.microsoft.com/office/mac/drawingml/2011/main" val="1"/>
+              <ma14:placeholderFlag xmlns:ma14="http://schemas.microsoft.com/office/mac/drawingml/2011/main" xmlns="" val="1"/>
             </a:ext>
           </a:extLst>
         </p:spPr>
@@ -937,7 +938,101 @@
           <a:ln/>
           <a:extLst>
             <a:ext uri="{FAA26D3D-D897-4be2-8F04-BA451C77F1D7}">
-              <ma14:placeholderFlag xmlns="" xmlns:ma14="http://schemas.microsoft.com/office/mac/drawingml/2011/main" val="1"/>
+              <ma14:placeholderFlag xmlns:ma14="http://schemas.microsoft.com/office/mac/drawingml/2011/main" xmlns="" val="1"/>
+            </a:ext>
+          </a:extLst>
+        </p:spPr>
+      </p:sp>
+      <p:sp>
+        <p:nvSpPr>
+          <p:cNvPr id="473091" name="Rectangle 3"/>
+          <p:cNvSpPr>
+            <a:spLocks noGrp="1" noChangeArrowheads="1"/>
+          </p:cNvSpPr>
+          <p:nvPr>
+            <p:ph type="body" idx="1"/>
+          </p:nvPr>
+        </p:nvSpPr>
+        <p:spPr/>
+        <p:txBody>
+          <a:bodyPr/>
+          <a:lstStyle/>
+          <a:p>
+            <a:endParaRPr lang="de-DE"/>
+          </a:p>
+        </p:txBody>
+      </p:sp>
+    </p:spTree>
+    <p:extLst>
+      <p:ext uri="{BB962C8B-B14F-4D97-AF65-F5344CB8AC3E}">
+        <p14:creationId xmlns:p14="http://schemas.microsoft.com/office/powerpoint/2010/main" val="655074602"/>
+      </p:ext>
+    </p:extLst>
+  </p:cSld>
+  <p:clrMapOvr>
+    <a:masterClrMapping/>
+  </p:clrMapOvr>
+</p:notes>
+</file>
+
+<file path=ppt/notesSlides/notesSlide11.xml><?xml version="1.0" encoding="utf-8"?>
+<p:notes xmlns:a="http://schemas.openxmlformats.org/drawingml/2006/main" xmlns:r="http://schemas.openxmlformats.org/officeDocument/2006/relationships" xmlns:p="http://schemas.openxmlformats.org/presentationml/2006/main">
+  <p:cSld>
+    <p:spTree>
+      <p:nvGrpSpPr>
+        <p:cNvPr id="1" name=""/>
+        <p:cNvGrpSpPr/>
+        <p:nvPr/>
+      </p:nvGrpSpPr>
+      <p:grpSpPr>
+        <a:xfrm>
+          <a:off x="0" y="0"/>
+          <a:ext cx="0" cy="0"/>
+          <a:chOff x="0" y="0"/>
+          <a:chExt cx="0" cy="0"/>
+        </a:xfrm>
+      </p:grpSpPr>
+      <p:sp>
+        <p:nvSpPr>
+          <p:cNvPr id="7" name="Rectangle 7"/>
+          <p:cNvSpPr>
+            <a:spLocks noGrp="1" noChangeArrowheads="1"/>
+          </p:cNvSpPr>
+          <p:nvPr>
+            <p:ph type="sldNum" sz="quarter" idx="5"/>
+          </p:nvPr>
+        </p:nvSpPr>
+        <p:spPr>
+          <a:ln/>
+        </p:spPr>
+        <p:txBody>
+          <a:bodyPr/>
+          <a:lstStyle/>
+          <a:p>
+            <a:fld id="{BA048B86-8432-3B47-B920-7ACA6E2E8FB8}" type="slidenum">
+              <a:rPr lang="de-DE"/>
+              <a:pPr/>
+              <a:t>11</a:t>
+            </a:fld>
+            <a:endParaRPr lang="de-DE"/>
+          </a:p>
+        </p:txBody>
+      </p:sp>
+      <p:sp>
+        <p:nvSpPr>
+          <p:cNvPr id="473090" name="Rectangle 2"/>
+          <p:cNvSpPr>
+            <a:spLocks noGrp="1" noRot="1" noChangeAspect="1" noChangeArrowheads="1" noTextEdit="1"/>
+          </p:cNvSpPr>
+          <p:nvPr>
+            <p:ph type="sldImg"/>
+          </p:nvPr>
+        </p:nvSpPr>
+        <p:spPr>
+          <a:ln/>
+          <a:extLst>
+            <a:ext uri="{FAA26D3D-D897-4be2-8F04-BA451C77F1D7}">
+              <ma14:placeholderFlag xmlns:ma14="http://schemas.microsoft.com/office/mac/drawingml/2011/main" xmlns="" val="1"/>
             </a:ext>
           </a:extLst>
         </p:spPr>
@@ -1031,7 +1126,7 @@
           <a:ln/>
           <a:extLst>
             <a:ext uri="{FAA26D3D-D897-4be2-8F04-BA451C77F1D7}">
-              <ma14:placeholderFlag xmlns="" xmlns:ma14="http://schemas.microsoft.com/office/mac/drawingml/2011/main" val="1"/>
+              <ma14:placeholderFlag xmlns:ma14="http://schemas.microsoft.com/office/mac/drawingml/2011/main" xmlns="" val="1"/>
             </a:ext>
           </a:extLst>
         </p:spPr>
@@ -1125,7 +1220,7 @@
           <a:ln/>
           <a:extLst>
             <a:ext uri="{FAA26D3D-D897-4be2-8F04-BA451C77F1D7}">
-              <ma14:placeholderFlag xmlns="" xmlns:ma14="http://schemas.microsoft.com/office/mac/drawingml/2011/main" val="1"/>
+              <ma14:placeholderFlag xmlns:ma14="http://schemas.microsoft.com/office/mac/drawingml/2011/main" xmlns="" val="1"/>
             </a:ext>
           </a:extLst>
         </p:spPr>
@@ -1219,7 +1314,7 @@
           <a:ln/>
           <a:extLst>
             <a:ext uri="{FAA26D3D-D897-4be2-8F04-BA451C77F1D7}">
-              <ma14:placeholderFlag xmlns="" xmlns:ma14="http://schemas.microsoft.com/office/mac/drawingml/2011/main" val="1"/>
+              <ma14:placeholderFlag xmlns:ma14="http://schemas.microsoft.com/office/mac/drawingml/2011/main" xmlns="" val="1"/>
             </a:ext>
           </a:extLst>
         </p:spPr>
@@ -1313,7 +1408,7 @@
           <a:ln/>
           <a:extLst>
             <a:ext uri="{FAA26D3D-D897-4be2-8F04-BA451C77F1D7}">
-              <ma14:placeholderFlag xmlns="" xmlns:ma14="http://schemas.microsoft.com/office/mac/drawingml/2011/main" val="1"/>
+              <ma14:placeholderFlag xmlns:ma14="http://schemas.microsoft.com/office/mac/drawingml/2011/main" xmlns="" val="1"/>
             </a:ext>
           </a:extLst>
         </p:spPr>
@@ -1340,7 +1435,7 @@
     </p:spTree>
     <p:extLst>
       <p:ext uri="{BB962C8B-B14F-4D97-AF65-F5344CB8AC3E}">
-        <p14:creationId xmlns:p14="http://schemas.microsoft.com/office/powerpoint/2010/main" val="3701212405"/>
+        <p14:creationId xmlns:p14="http://schemas.microsoft.com/office/powerpoint/2010/main" val="3289655957"/>
       </p:ext>
     </p:extLst>
   </p:cSld>
@@ -1407,7 +1502,7 @@
           <a:ln/>
           <a:extLst>
             <a:ext uri="{FAA26D3D-D897-4be2-8F04-BA451C77F1D7}">
-              <ma14:placeholderFlag xmlns="" xmlns:ma14="http://schemas.microsoft.com/office/mac/drawingml/2011/main" val="1"/>
+              <ma14:placeholderFlag xmlns:ma14="http://schemas.microsoft.com/office/mac/drawingml/2011/main" xmlns="" val="1"/>
             </a:ext>
           </a:extLst>
         </p:spPr>
@@ -1434,7 +1529,7 @@
     </p:spTree>
     <p:extLst>
       <p:ext uri="{BB962C8B-B14F-4D97-AF65-F5344CB8AC3E}">
-        <p14:creationId xmlns:p14="http://schemas.microsoft.com/office/powerpoint/2010/main" val="2551397985"/>
+        <p14:creationId xmlns:p14="http://schemas.microsoft.com/office/powerpoint/2010/main" val="3701212405"/>
       </p:ext>
     </p:extLst>
   </p:cSld>
@@ -1501,7 +1596,7 @@
           <a:ln/>
           <a:extLst>
             <a:ext uri="{FAA26D3D-D897-4be2-8F04-BA451C77F1D7}">
-              <ma14:placeholderFlag xmlns="" xmlns:ma14="http://schemas.microsoft.com/office/mac/drawingml/2011/main" val="1"/>
+              <ma14:placeholderFlag xmlns:ma14="http://schemas.microsoft.com/office/mac/drawingml/2011/main" xmlns="" val="1"/>
             </a:ext>
           </a:extLst>
         </p:spPr>
@@ -1528,7 +1623,7 @@
     </p:spTree>
     <p:extLst>
       <p:ext uri="{BB962C8B-B14F-4D97-AF65-F5344CB8AC3E}">
-        <p14:creationId xmlns:p14="http://schemas.microsoft.com/office/powerpoint/2010/main" val="168451790"/>
+        <p14:creationId xmlns:p14="http://schemas.microsoft.com/office/powerpoint/2010/main" val="2551397985"/>
       </p:ext>
     </p:extLst>
   </p:cSld>
@@ -1595,7 +1690,7 @@
           <a:ln/>
           <a:extLst>
             <a:ext uri="{FAA26D3D-D897-4be2-8F04-BA451C77F1D7}">
-              <ma14:placeholderFlag xmlns="" xmlns:ma14="http://schemas.microsoft.com/office/mac/drawingml/2011/main" val="1"/>
+              <ma14:placeholderFlag xmlns:ma14="http://schemas.microsoft.com/office/mac/drawingml/2011/main" xmlns="" val="1"/>
             </a:ext>
           </a:extLst>
         </p:spPr>
@@ -1622,7 +1717,7 @@
     </p:spTree>
     <p:extLst>
       <p:ext uri="{BB962C8B-B14F-4D97-AF65-F5344CB8AC3E}">
-        <p14:creationId xmlns:p14="http://schemas.microsoft.com/office/powerpoint/2010/main" val="1518876565"/>
+        <p14:creationId xmlns:p14="http://schemas.microsoft.com/office/powerpoint/2010/main" val="168451790"/>
       </p:ext>
     </p:extLst>
   </p:cSld>
@@ -1689,7 +1784,7 @@
           <a:ln/>
           <a:extLst>
             <a:ext uri="{FAA26D3D-D897-4be2-8F04-BA451C77F1D7}">
-              <ma14:placeholderFlag xmlns="" xmlns:ma14="http://schemas.microsoft.com/office/mac/drawingml/2011/main" val="1"/>
+              <ma14:placeholderFlag xmlns:ma14="http://schemas.microsoft.com/office/mac/drawingml/2011/main" xmlns="" val="1"/>
             </a:ext>
           </a:extLst>
         </p:spPr>
@@ -1716,7 +1811,7 @@
     </p:spTree>
     <p:extLst>
       <p:ext uri="{BB962C8B-B14F-4D97-AF65-F5344CB8AC3E}">
-        <p14:creationId xmlns:p14="http://schemas.microsoft.com/office/powerpoint/2010/main" val="655074602"/>
+        <p14:creationId xmlns:p14="http://schemas.microsoft.com/office/powerpoint/2010/main" val="1518876565"/>
       </p:ext>
     </p:extLst>
   </p:cSld>
@@ -1902,7 +1997,7 @@
           <a:noFill/>
           <a:extLst>
             <a:ext uri="{909E8E84-426E-40dd-AFC4-6F175D3DCCD1}">
-              <a14:hiddenFill xmlns="" xmlns:a14="http://schemas.microsoft.com/office/drawing/2010/main">
+              <a14:hiddenFill xmlns:a14="http://schemas.microsoft.com/office/drawing/2010/main" xmlns="">
                 <a:solidFill>
                   <a:srgbClr val="FFFFFF"/>
                 </a:solidFill>
@@ -4245,17 +4340,17 @@
           <a:effectLst/>
           <a:extLst>
             <a:ext uri="{FAA26D3D-D897-4be2-8F04-BA451C77F1D7}">
-              <ma14:placeholderFlag xmlns="" xmlns:ma14="http://schemas.microsoft.com/office/mac/drawingml/2011/main" val="1"/>
+              <ma14:placeholderFlag xmlns:ma14="http://schemas.microsoft.com/office/mac/drawingml/2011/main" xmlns="" val="1"/>
             </a:ext>
             <a:ext uri="{909E8E84-426E-40dd-AFC4-6F175D3DCCD1}">
-              <a14:hiddenFill xmlns="" xmlns:a14="http://schemas.microsoft.com/office/drawing/2010/main">
+              <a14:hiddenFill xmlns:a14="http://schemas.microsoft.com/office/drawing/2010/main" xmlns="">
                 <a:solidFill>
                   <a:schemeClr val="accent1"/>
                 </a:solidFill>
               </a14:hiddenFill>
             </a:ext>
             <a:ext uri="{91240B29-F687-4f45-9708-019B960494DF}">
-              <a14:hiddenLine xmlns="" xmlns:a14="http://schemas.microsoft.com/office/drawing/2010/main" w="9525">
+              <a14:hiddenLine xmlns:a14="http://schemas.microsoft.com/office/drawing/2010/main" xmlns="" w="9525">
                 <a:solidFill>
                   <a:schemeClr val="tx1"/>
                 </a:solidFill>
@@ -4265,7 +4360,7 @@
               </a14:hiddenLine>
             </a:ext>
             <a:ext uri="{AF507438-7753-43e0-B8FC-AC1667EBCBE1}">
-              <a14:hiddenEffects xmlns="" xmlns:a14="http://schemas.microsoft.com/office/drawing/2010/main">
+              <a14:hiddenEffects xmlns:a14="http://schemas.microsoft.com/office/drawing/2010/main" xmlns="">
                 <a:effectLst>
                   <a:outerShdw blurRad="63500" dist="38099" dir="2700000" algn="ctr" rotWithShape="0">
                     <a:schemeClr val="bg2">
@@ -4318,17 +4413,17 @@
           <a:effectLst/>
           <a:extLst>
             <a:ext uri="{FAA26D3D-D897-4be2-8F04-BA451C77F1D7}">
-              <ma14:placeholderFlag xmlns="" xmlns:ma14="http://schemas.microsoft.com/office/mac/drawingml/2011/main" val="1"/>
+              <ma14:placeholderFlag xmlns:ma14="http://schemas.microsoft.com/office/mac/drawingml/2011/main" xmlns="" val="1"/>
             </a:ext>
             <a:ext uri="{909E8E84-426E-40dd-AFC4-6F175D3DCCD1}">
-              <a14:hiddenFill xmlns="" xmlns:a14="http://schemas.microsoft.com/office/drawing/2010/main">
+              <a14:hiddenFill xmlns:a14="http://schemas.microsoft.com/office/drawing/2010/main" xmlns="">
                 <a:solidFill>
                   <a:schemeClr val="accent1"/>
                 </a:solidFill>
               </a14:hiddenFill>
             </a:ext>
             <a:ext uri="{91240B29-F687-4f45-9708-019B960494DF}">
-              <a14:hiddenLine xmlns="" xmlns:a14="http://schemas.microsoft.com/office/drawing/2010/main" w="9525">
+              <a14:hiddenLine xmlns:a14="http://schemas.microsoft.com/office/drawing/2010/main" xmlns="" w="9525">
                 <a:solidFill>
                   <a:schemeClr val="tx1"/>
                 </a:solidFill>
@@ -4338,7 +4433,7 @@
               </a14:hiddenLine>
             </a:ext>
             <a:ext uri="{AF507438-7753-43e0-B8FC-AC1667EBCBE1}">
-              <a14:hiddenEffects xmlns="" xmlns:a14="http://schemas.microsoft.com/office/drawing/2010/main">
+              <a14:hiddenEffects xmlns:a14="http://schemas.microsoft.com/office/drawing/2010/main" xmlns="">
                 <a:effectLst>
                   <a:outerShdw blurRad="63500" dist="38099" dir="2700000" algn="ctr" rotWithShape="0">
                     <a:schemeClr val="bg2">
@@ -4419,17 +4514,17 @@
           <a:effectLst/>
           <a:extLst>
             <a:ext uri="{FAA26D3D-D897-4be2-8F04-BA451C77F1D7}">
-              <ma14:placeholderFlag xmlns="" xmlns:ma14="http://schemas.microsoft.com/office/mac/drawingml/2011/main" val="1"/>
+              <ma14:placeholderFlag xmlns:ma14="http://schemas.microsoft.com/office/mac/drawingml/2011/main" xmlns="" val="1"/>
             </a:ext>
             <a:ext uri="{909E8E84-426E-40dd-AFC4-6F175D3DCCD1}">
-              <a14:hiddenFill xmlns="" xmlns:a14="http://schemas.microsoft.com/office/drawing/2010/main">
+              <a14:hiddenFill xmlns:a14="http://schemas.microsoft.com/office/drawing/2010/main" xmlns="">
                 <a:solidFill>
                   <a:schemeClr val="accent1"/>
                 </a:solidFill>
               </a14:hiddenFill>
             </a:ext>
             <a:ext uri="{91240B29-F687-4f45-9708-019B960494DF}">
-              <a14:hiddenLine xmlns="" xmlns:a14="http://schemas.microsoft.com/office/drawing/2010/main" w="9525">
+              <a14:hiddenLine xmlns:a14="http://schemas.microsoft.com/office/drawing/2010/main" xmlns="" w="9525">
                 <a:solidFill>
                   <a:schemeClr val="tx1"/>
                 </a:solidFill>
@@ -4439,7 +4534,7 @@
               </a14:hiddenLine>
             </a:ext>
             <a:ext uri="{AF507438-7753-43e0-B8FC-AC1667EBCBE1}">
-              <a14:hiddenEffects xmlns="" xmlns:a14="http://schemas.microsoft.com/office/drawing/2010/main">
+              <a14:hiddenEffects xmlns:a14="http://schemas.microsoft.com/office/drawing/2010/main" xmlns="">
                 <a:effectLst>
                   <a:outerShdw blurRad="63500" dist="38099" dir="2700000" algn="ctr" rotWithShape="0">
                     <a:schemeClr val="bg2">
@@ -4494,17 +4589,17 @@
           <a:effectLst/>
           <a:extLst>
             <a:ext uri="{FAA26D3D-D897-4be2-8F04-BA451C77F1D7}">
-              <ma14:placeholderFlag xmlns="" xmlns:ma14="http://schemas.microsoft.com/office/mac/drawingml/2011/main" val="1"/>
+              <ma14:placeholderFlag xmlns:ma14="http://schemas.microsoft.com/office/mac/drawingml/2011/main" xmlns="" val="1"/>
             </a:ext>
             <a:ext uri="{909E8E84-426E-40dd-AFC4-6F175D3DCCD1}">
-              <a14:hiddenFill xmlns="" xmlns:a14="http://schemas.microsoft.com/office/drawing/2010/main">
+              <a14:hiddenFill xmlns:a14="http://schemas.microsoft.com/office/drawing/2010/main" xmlns="">
                 <a:solidFill>
                   <a:schemeClr val="accent1"/>
                 </a:solidFill>
               </a14:hiddenFill>
             </a:ext>
             <a:ext uri="{91240B29-F687-4f45-9708-019B960494DF}">
-              <a14:hiddenLine xmlns="" xmlns:a14="http://schemas.microsoft.com/office/drawing/2010/main" w="9525">
+              <a14:hiddenLine xmlns:a14="http://schemas.microsoft.com/office/drawing/2010/main" xmlns="" w="9525">
                 <a:solidFill>
                   <a:schemeClr val="tx1"/>
                 </a:solidFill>
@@ -4514,7 +4609,7 @@
               </a14:hiddenLine>
             </a:ext>
             <a:ext uri="{AF507438-7753-43e0-B8FC-AC1667EBCBE1}">
-              <a14:hiddenEffects xmlns="" xmlns:a14="http://schemas.microsoft.com/office/drawing/2010/main">
+              <a14:hiddenEffects xmlns:a14="http://schemas.microsoft.com/office/drawing/2010/main" xmlns="">
                 <a:effectLst>
                   <a:outerShdw blurRad="63500" dist="38099" dir="2700000" algn="ctr" rotWithShape="0">
                     <a:schemeClr val="bg2">
@@ -4569,17 +4664,17 @@
           <a:effectLst/>
           <a:extLst>
             <a:ext uri="{FAA26D3D-D897-4be2-8F04-BA451C77F1D7}">
-              <ma14:placeholderFlag xmlns="" xmlns:ma14="http://schemas.microsoft.com/office/mac/drawingml/2011/main" val="1"/>
+              <ma14:placeholderFlag xmlns:ma14="http://schemas.microsoft.com/office/mac/drawingml/2011/main" xmlns="" val="1"/>
             </a:ext>
             <a:ext uri="{909E8E84-426E-40dd-AFC4-6F175D3DCCD1}">
-              <a14:hiddenFill xmlns="" xmlns:a14="http://schemas.microsoft.com/office/drawing/2010/main">
+              <a14:hiddenFill xmlns:a14="http://schemas.microsoft.com/office/drawing/2010/main" xmlns="">
                 <a:solidFill>
                   <a:schemeClr val="accent1"/>
                 </a:solidFill>
               </a14:hiddenFill>
             </a:ext>
             <a:ext uri="{91240B29-F687-4f45-9708-019B960494DF}">
-              <a14:hiddenLine xmlns="" xmlns:a14="http://schemas.microsoft.com/office/drawing/2010/main" w="9525">
+              <a14:hiddenLine xmlns:a14="http://schemas.microsoft.com/office/drawing/2010/main" xmlns="" w="9525">
                 <a:solidFill>
                   <a:schemeClr val="tx1"/>
                 </a:solidFill>
@@ -4589,7 +4684,7 @@
               </a14:hiddenLine>
             </a:ext>
             <a:ext uri="{AF507438-7753-43e0-B8FC-AC1667EBCBE1}">
-              <a14:hiddenEffects xmlns="" xmlns:a14="http://schemas.microsoft.com/office/drawing/2010/main">
+              <a14:hiddenEffects xmlns:a14="http://schemas.microsoft.com/office/drawing/2010/main" xmlns="">
                 <a:effectLst>
                   <a:outerShdw blurRad="63500" dist="38099" dir="2700000" algn="ctr" rotWithShape="0">
                     <a:schemeClr val="bg2">
@@ -4652,12 +4747,12 @@
           <a:effectLst/>
           <a:extLst>
             <a:ext uri="{909E8E84-426E-40dd-AFC4-6F175D3DCCD1}">
-              <a14:hiddenFill xmlns="" xmlns:a14="http://schemas.microsoft.com/office/drawing/2010/main">
+              <a14:hiddenFill xmlns:a14="http://schemas.microsoft.com/office/drawing/2010/main" xmlns="">
                 <a:noFill/>
               </a14:hiddenFill>
             </a:ext>
             <a:ext uri="{AF507438-7753-43e0-B8FC-AC1667EBCBE1}">
-              <a14:hiddenEffects xmlns="" xmlns:a14="http://schemas.microsoft.com/office/drawing/2010/main">
+              <a14:hiddenEffects xmlns:a14="http://schemas.microsoft.com/office/drawing/2010/main" xmlns="">
                 <a:effectLst>
                   <a:outerShdw blurRad="63500" dist="38099" dir="2700000" algn="ctr" rotWithShape="0">
                     <a:schemeClr val="bg2">
@@ -4702,7 +4797,7 @@
           <a:effectLst/>
           <a:extLst>
             <a:ext uri="{91240B29-F687-4f45-9708-019B960494DF}">
-              <a14:hiddenLine xmlns="" xmlns:a14="http://schemas.microsoft.com/office/drawing/2010/main" w="9525">
+              <a14:hiddenLine xmlns:a14="http://schemas.microsoft.com/office/drawing/2010/main" xmlns="" w="9525">
                 <a:solidFill>
                   <a:schemeClr val="tx1"/>
                 </a:solidFill>
@@ -4712,7 +4807,7 @@
               </a14:hiddenLine>
             </a:ext>
             <a:ext uri="{AF507438-7753-43e0-B8FC-AC1667EBCBE1}">
-              <a14:hiddenEffects xmlns="" xmlns:a14="http://schemas.microsoft.com/office/drawing/2010/main">
+              <a14:hiddenEffects xmlns:a14="http://schemas.microsoft.com/office/drawing/2010/main" xmlns="">
                 <a:effectLst>
                   <a:outerShdw blurRad="63500" dist="38099" dir="2700000" algn="ctr" rotWithShape="0">
                     <a:schemeClr val="bg2">
@@ -4761,14 +4856,14 @@
           <a:effectLst/>
           <a:extLst>
             <a:ext uri="{909E8E84-426E-40dd-AFC4-6F175D3DCCD1}">
-              <a14:hiddenFill xmlns="" xmlns:a14="http://schemas.microsoft.com/office/drawing/2010/main">
+              <a14:hiddenFill xmlns:a14="http://schemas.microsoft.com/office/drawing/2010/main" xmlns="">
                 <a:solidFill>
                   <a:schemeClr val="accent1"/>
                 </a:solidFill>
               </a14:hiddenFill>
             </a:ext>
             <a:ext uri="{91240B29-F687-4f45-9708-019B960494DF}">
-              <a14:hiddenLine xmlns="" xmlns:a14="http://schemas.microsoft.com/office/drawing/2010/main" w="9525">
+              <a14:hiddenLine xmlns:a14="http://schemas.microsoft.com/office/drawing/2010/main" xmlns="" w="9525">
                 <a:solidFill>
                   <a:schemeClr val="tx1"/>
                 </a:solidFill>
@@ -4778,7 +4873,7 @@
               </a14:hiddenLine>
             </a:ext>
             <a:ext uri="{AF507438-7753-43e0-B8FC-AC1667EBCBE1}">
-              <a14:hiddenEffects xmlns="" xmlns:a14="http://schemas.microsoft.com/office/drawing/2010/main">
+              <a14:hiddenEffects xmlns:a14="http://schemas.microsoft.com/office/drawing/2010/main" xmlns="">
                 <a:effectLst>
                   <a:outerShdw blurRad="63500" dist="38099" dir="2700000" algn="ctr" rotWithShape="0">
                     <a:schemeClr val="bg2">
@@ -4931,14 +5026,14 @@
           <a:effectLst/>
           <a:extLst>
             <a:ext uri="{909E8E84-426E-40dd-AFC4-6F175D3DCCD1}">
-              <a14:hiddenFill xmlns="" xmlns:a14="http://schemas.microsoft.com/office/drawing/2010/main">
+              <a14:hiddenFill xmlns:a14="http://schemas.microsoft.com/office/drawing/2010/main" xmlns="">
                 <a:solidFill>
                   <a:schemeClr val="accent1"/>
                 </a:solidFill>
               </a14:hiddenFill>
             </a:ext>
             <a:ext uri="{91240B29-F687-4f45-9708-019B960494DF}">
-              <a14:hiddenLine xmlns="" xmlns:a14="http://schemas.microsoft.com/office/drawing/2010/main" w="9525">
+              <a14:hiddenLine xmlns:a14="http://schemas.microsoft.com/office/drawing/2010/main" xmlns="" w="9525">
                 <a:solidFill>
                   <a:schemeClr val="tx1"/>
                 </a:solidFill>
@@ -4948,7 +5043,7 @@
               </a14:hiddenLine>
             </a:ext>
             <a:ext uri="{AF507438-7753-43e0-B8FC-AC1667EBCBE1}">
-              <a14:hiddenEffects xmlns="" xmlns:a14="http://schemas.microsoft.com/office/drawing/2010/main">
+              <a14:hiddenEffects xmlns:a14="http://schemas.microsoft.com/office/drawing/2010/main" xmlns="">
                 <a:effectLst>
                   <a:outerShdw blurRad="63500" dist="38099" dir="2700000" algn="ctr" rotWithShape="0">
                     <a:schemeClr val="bg2">
@@ -5023,12 +5118,12 @@
           <a:effectLst/>
           <a:extLst>
             <a:ext uri="{909E8E84-426E-40dd-AFC4-6F175D3DCCD1}">
-              <a14:hiddenFill xmlns="" xmlns:a14="http://schemas.microsoft.com/office/drawing/2010/main">
+              <a14:hiddenFill xmlns:a14="http://schemas.microsoft.com/office/drawing/2010/main" xmlns="">
                 <a:noFill/>
               </a14:hiddenFill>
             </a:ext>
             <a:ext uri="{91240B29-F687-4f45-9708-019B960494DF}">
-              <a14:hiddenLine xmlns="" xmlns:a14="http://schemas.microsoft.com/office/drawing/2010/main" w="6350">
+              <a14:hiddenLine xmlns:a14="http://schemas.microsoft.com/office/drawing/2010/main" xmlns="" w="6350">
                 <a:solidFill>
                   <a:schemeClr val="tx1"/>
                 </a:solidFill>
@@ -5038,7 +5133,7 @@
               </a14:hiddenLine>
             </a:ext>
             <a:ext uri="{AF507438-7753-43e0-B8FC-AC1667EBCBE1}">
-              <a14:hiddenEffects xmlns="" xmlns:a14="http://schemas.microsoft.com/office/drawing/2010/main">
+              <a14:hiddenEffects xmlns:a14="http://schemas.microsoft.com/office/drawing/2010/main" xmlns="">
                 <a:effectLst>
                   <a:outerShdw blurRad="63500" dist="38099" dir="2700000" algn="ctr" rotWithShape="0">
                     <a:schemeClr val="bg2">
@@ -5081,12 +5176,12 @@
           <a:effectLst/>
           <a:extLst>
             <a:ext uri="{909E8E84-426E-40dd-AFC4-6F175D3DCCD1}">
-              <a14:hiddenFill xmlns="" xmlns:a14="http://schemas.microsoft.com/office/drawing/2010/main">
+              <a14:hiddenFill xmlns:a14="http://schemas.microsoft.com/office/drawing/2010/main" xmlns="">
                 <a:noFill/>
               </a14:hiddenFill>
             </a:ext>
             <a:ext uri="{91240B29-F687-4f45-9708-019B960494DF}">
-              <a14:hiddenLine xmlns="" xmlns:a14="http://schemas.microsoft.com/office/drawing/2010/main" w="9525">
+              <a14:hiddenLine xmlns:a14="http://schemas.microsoft.com/office/drawing/2010/main" xmlns="" w="9525">
                 <a:solidFill>
                   <a:schemeClr val="tx1"/>
                 </a:solidFill>
@@ -5096,7 +5191,7 @@
               </a14:hiddenLine>
             </a:ext>
             <a:ext uri="{AF507438-7753-43e0-B8FC-AC1667EBCBE1}">
-              <a14:hiddenEffects xmlns="" xmlns:a14="http://schemas.microsoft.com/office/drawing/2010/main">
+              <a14:hiddenEffects xmlns:a14="http://schemas.microsoft.com/office/drawing/2010/main" xmlns="">
                 <a:effectLst>
                   <a:outerShdw blurRad="63500" dist="38099" dir="2700000" algn="ctr" rotWithShape="0">
                     <a:schemeClr val="bg2">
@@ -5598,7 +5693,7 @@
           <a:noFill/>
           <a:extLst>
             <a:ext uri="{909E8E84-426E-40dd-AFC4-6F175D3DCCD1}">
-              <a14:hiddenFill xmlns="" xmlns:a14="http://schemas.microsoft.com/office/drawing/2010/main">
+              <a14:hiddenFill xmlns:a14="http://schemas.microsoft.com/office/drawing/2010/main" xmlns="">
                 <a:solidFill>
                   <a:srgbClr val="FFFFFF"/>
                 </a:solidFill>
@@ -5639,7 +5734,7 @@
           <a:noFill/>
           <a:extLst>
             <a:ext uri="{909E8E84-426E-40dd-AFC4-6F175D3DCCD1}">
-              <a14:hiddenFill xmlns="" xmlns:a14="http://schemas.microsoft.com/office/drawing/2010/main">
+              <a14:hiddenFill xmlns:a14="http://schemas.microsoft.com/office/drawing/2010/main" xmlns="">
                 <a:solidFill>
                   <a:srgbClr val="FFFFFF"/>
                 </a:solidFill>
@@ -5671,14 +5766,14 @@
           <a:effectLst/>
           <a:extLst>
             <a:ext uri="{909E8E84-426E-40dd-AFC4-6F175D3DCCD1}">
-              <a14:hiddenFill xmlns="" xmlns:a14="http://schemas.microsoft.com/office/drawing/2010/main">
+              <a14:hiddenFill xmlns:a14="http://schemas.microsoft.com/office/drawing/2010/main" xmlns="">
                 <a:solidFill>
                   <a:schemeClr val="accent1"/>
                 </a:solidFill>
               </a14:hiddenFill>
             </a:ext>
             <a:ext uri="{91240B29-F687-4f45-9708-019B960494DF}">
-              <a14:hiddenLine xmlns="" xmlns:a14="http://schemas.microsoft.com/office/drawing/2010/main" w="9525">
+              <a14:hiddenLine xmlns:a14="http://schemas.microsoft.com/office/drawing/2010/main" xmlns="" w="9525">
                 <a:solidFill>
                   <a:schemeClr val="tx1"/>
                 </a:solidFill>
@@ -5688,7 +5783,7 @@
               </a14:hiddenLine>
             </a:ext>
             <a:ext uri="{AF507438-7753-43e0-B8FC-AC1667EBCBE1}">
-              <a14:hiddenEffects xmlns="" xmlns:a14="http://schemas.microsoft.com/office/drawing/2010/main">
+              <a14:hiddenEffects xmlns:a14="http://schemas.microsoft.com/office/drawing/2010/main" xmlns="">
                 <a:effectLst>
                   <a:outerShdw blurRad="63500" dist="38099" dir="2700000" algn="ctr" rotWithShape="0">
                     <a:schemeClr val="bg2">
@@ -5977,14 +6072,14 @@
           <a:effectLst/>
           <a:extLst>
             <a:ext uri="{909E8E84-426E-40dd-AFC4-6F175D3DCCD1}">
-              <a14:hiddenFill xmlns="" xmlns:a14="http://schemas.microsoft.com/office/drawing/2010/main">
+              <a14:hiddenFill xmlns:a14="http://schemas.microsoft.com/office/drawing/2010/main" xmlns="">
                 <a:solidFill>
                   <a:schemeClr val="accent1"/>
                 </a:solidFill>
               </a14:hiddenFill>
             </a:ext>
             <a:ext uri="{91240B29-F687-4f45-9708-019B960494DF}">
-              <a14:hiddenLine xmlns="" xmlns:a14="http://schemas.microsoft.com/office/drawing/2010/main" w="9525">
+              <a14:hiddenLine xmlns:a14="http://schemas.microsoft.com/office/drawing/2010/main" xmlns="" w="9525">
                 <a:solidFill>
                   <a:schemeClr val="tx1"/>
                 </a:solidFill>
@@ -5994,7 +6089,7 @@
               </a14:hiddenLine>
             </a:ext>
             <a:ext uri="{AF507438-7753-43e0-B8FC-AC1667EBCBE1}">
-              <a14:hiddenEffects xmlns="" xmlns:a14="http://schemas.microsoft.com/office/drawing/2010/main">
+              <a14:hiddenEffects xmlns:a14="http://schemas.microsoft.com/office/drawing/2010/main" xmlns="">
                 <a:effectLst>
                   <a:outerShdw blurRad="63500" dist="38099" dir="2700000" algn="ctr" rotWithShape="0">
                     <a:schemeClr val="bg2">
@@ -6271,6 +6366,147 @@
           <a:p>
             <a:r>
               <a:rPr lang="de-DE" dirty="0"/>
+              <a:t>Studienziel</a:t>
+            </a:r>
+          </a:p>
+        </p:txBody>
+      </p:sp>
+      <p:sp>
+        <p:nvSpPr>
+          <p:cNvPr id="464901" name="Rectangle 5"/>
+          <p:cNvSpPr>
+            <a:spLocks noGrp="1" noChangeArrowheads="1"/>
+          </p:cNvSpPr>
+          <p:nvPr>
+            <p:ph type="body" idx="1"/>
+          </p:nvPr>
+        </p:nvSpPr>
+        <p:spPr>
+          <a:xfrm>
+            <a:off x="809624" y="1752600"/>
+            <a:ext cx="7722815" cy="4556720"/>
+          </a:xfrm>
+        </p:spPr>
+        <p:txBody>
+          <a:bodyPr/>
+          <a:lstStyle/>
+          <a:p>
+            <a:pPr marL="285750" indent="-285750">
+              <a:buFont typeface="Arial" panose="020B0604020202020204" pitchFamily="34" charset="0"/>
+              <a:buChar char="•"/>
+            </a:pPr>
+            <a:r>
+              <a:rPr lang="de-DE" dirty="0"/>
+              <a:t>Lernprozess der </a:t>
+            </a:r>
+            <a:r>
+              <a:rPr lang="de-DE" dirty="0" err="1"/>
+              <a:t>Earcons</a:t>
+            </a:r>
+            <a:r>
+              <a:rPr lang="de-DE" dirty="0"/>
+              <a:t> wird dem Nutzerverhalten angepasst 	</a:t>
+            </a:r>
+          </a:p>
+          <a:p>
+            <a:pPr marL="685800" lvl="1">
+              <a:buFont typeface="Arial" panose="020B0604020202020204" pitchFamily="34" charset="0"/>
+              <a:buChar char="•"/>
+            </a:pPr>
+            <a:r>
+              <a:rPr lang="de-DE" dirty="0"/>
+              <a:t>Häufigkeit der App-Nutzung</a:t>
+            </a:r>
+          </a:p>
+          <a:p>
+            <a:pPr marL="685800" lvl="1">
+              <a:buFont typeface="Arial" panose="020B0604020202020204" pitchFamily="34" charset="0"/>
+              <a:buChar char="•"/>
+            </a:pPr>
+            <a:r>
+              <a:rPr lang="de-DE" dirty="0"/>
+              <a:t>Zeitrahmen der Erlernung der </a:t>
+            </a:r>
+            <a:r>
+              <a:rPr lang="de-DE" dirty="0" err="1"/>
+              <a:t>Earcons</a:t>
+            </a:r>
+            <a:endParaRPr lang="de-DE" dirty="0"/>
+          </a:p>
+          <a:p>
+            <a:pPr marL="685800" lvl="1">
+              <a:buFont typeface="Arial" panose="020B0604020202020204" pitchFamily="34" charset="0"/>
+              <a:buChar char="•"/>
+            </a:pPr>
+            <a:endParaRPr lang="de-DE" dirty="0"/>
+          </a:p>
+          <a:p>
+            <a:pPr marL="285750">
+              <a:buFont typeface="Arial" panose="020B0604020202020204" pitchFamily="34" charset="0"/>
+              <a:buChar char="•"/>
+            </a:pPr>
+            <a:r>
+              <a:rPr lang="de-DE" dirty="0"/>
+              <a:t>Mögliche Schwachstellen der App herausfinden und anschließend beseitigen </a:t>
+            </a:r>
+          </a:p>
+        </p:txBody>
+      </p:sp>
+    </p:spTree>
+    <p:extLst>
+      <p:ext uri="{BB962C8B-B14F-4D97-AF65-F5344CB8AC3E}">
+        <p14:creationId xmlns:p14="http://schemas.microsoft.com/office/powerpoint/2010/main" val="2472939653"/>
+      </p:ext>
+    </p:extLst>
+  </p:cSld>
+  <p:clrMapOvr>
+    <a:masterClrMapping/>
+  </p:clrMapOvr>
+  <mc:AlternateContent xmlns:mc="http://schemas.openxmlformats.org/markup-compatibility/2006" xmlns:p14="http://schemas.microsoft.com/office/powerpoint/2010/main">
+    <mc:Choice Requires="p14">
+      <p:transition p14:dur="0"/>
+    </mc:Choice>
+    <mc:Fallback xmlns="">
+      <p:transition/>
+    </mc:Fallback>
+  </mc:AlternateContent>
+</p:sld>
+</file>
+
+<file path=ppt/slides/slide11.xml><?xml version="1.0" encoding="utf-8"?>
+<p:sld xmlns:a="http://schemas.openxmlformats.org/drawingml/2006/main" xmlns:r="http://schemas.openxmlformats.org/officeDocument/2006/relationships" xmlns:p="http://schemas.openxmlformats.org/presentationml/2006/main">
+  <p:cSld>
+    <p:spTree>
+      <p:nvGrpSpPr>
+        <p:cNvPr id="1" name=""/>
+        <p:cNvGrpSpPr/>
+        <p:nvPr/>
+      </p:nvGrpSpPr>
+      <p:grpSpPr>
+        <a:xfrm>
+          <a:off x="0" y="0"/>
+          <a:ext cx="0" cy="0"/>
+          <a:chOff x="0" y="0"/>
+          <a:chExt cx="0" cy="0"/>
+        </a:xfrm>
+      </p:grpSpPr>
+      <p:sp>
+        <p:nvSpPr>
+          <p:cNvPr id="464900" name="Rectangle 4"/>
+          <p:cNvSpPr>
+            <a:spLocks noGrp="1" noChangeArrowheads="1"/>
+          </p:cNvSpPr>
+          <p:nvPr>
+            <p:ph type="title"/>
+          </p:nvPr>
+        </p:nvSpPr>
+        <p:spPr/>
+        <p:txBody>
+          <a:bodyPr/>
+          <a:lstStyle/>
+          <a:p>
+            <a:r>
+              <a:rPr lang="de-DE" dirty="0"/>
               <a:t>Nächste Schritte</a:t>
             </a:r>
           </a:p>
@@ -6320,6 +6556,40 @@
             <a:r>
               <a:rPr lang="de-DE" dirty="0"/>
               <a:t>Favoriten festlegen</a:t>
+            </a:r>
+          </a:p>
+          <a:p>
+            <a:pPr marL="285750" indent="-285750">
+              <a:buFont typeface="Arial" panose="020B0604020202020204" pitchFamily="34" charset="0"/>
+              <a:buChar char="•"/>
+            </a:pPr>
+            <a:endParaRPr lang="de-DE" dirty="0"/>
+          </a:p>
+          <a:p>
+            <a:pPr marL="285750" indent="-285750">
+              <a:buFont typeface="Arial" panose="020B0604020202020204" pitchFamily="34" charset="0"/>
+              <a:buChar char="•"/>
+            </a:pPr>
+            <a:r>
+              <a:rPr lang="de-DE" dirty="0"/>
+              <a:t>Kontakt via Sprachbefehl auswählen</a:t>
+            </a:r>
+          </a:p>
+          <a:p>
+            <a:pPr marL="285750" indent="-285750">
+              <a:buFont typeface="Arial" panose="020B0604020202020204" pitchFamily="34" charset="0"/>
+              <a:buChar char="•"/>
+            </a:pPr>
+            <a:endParaRPr lang="de-DE" dirty="0"/>
+          </a:p>
+          <a:p>
+            <a:pPr marL="285750" indent="-285750">
+              <a:buFont typeface="Arial" panose="020B0604020202020204" pitchFamily="34" charset="0"/>
+              <a:buChar char="•"/>
+            </a:pPr>
+            <a:r>
+              <a:rPr lang="de-DE" dirty="0"/>
+              <a:t>Konkrete Studienplanung</a:t>
             </a:r>
           </a:p>
           <a:p>
@@ -6695,6 +6965,23 @@
               <a:rPr lang="de-DE" dirty="0"/>
               <a:t>Manuelle Navigation möglich</a:t>
             </a:r>
+          </a:p>
+          <a:p>
+            <a:pPr>
+              <a:buFont typeface="Arial" panose="020B0604020202020204" pitchFamily="34" charset="0"/>
+              <a:buChar char="•"/>
+            </a:pPr>
+            <a:endParaRPr lang="de-DE" dirty="0"/>
+          </a:p>
+          <a:p>
+            <a:pPr marL="0" indent="0"/>
+            <a:r>
+              <a:rPr lang="de-DE" dirty="0">
+                <a:sym typeface="Wingdings" panose="05000000000000000000" pitchFamily="2" charset="2"/>
+              </a:rPr>
+              <a:t> Bessere Usability </a:t>
+            </a:r>
+            <a:endParaRPr lang="de-DE" dirty="0"/>
           </a:p>
         </p:txBody>
       </p:sp>
@@ -6838,6 +7125,19 @@
                 <a:spcPct val="100000"/>
               </a:lnSpc>
               <a:spcAft>
+                <a:spcPts val="600"/>
+              </a:spcAft>
+              <a:buFont typeface="Arial" panose="020B0604020202020204" pitchFamily="34" charset="0"/>
+              <a:buChar char="•"/>
+            </a:pPr>
+            <a:endParaRPr lang="de-DE" dirty="0"/>
+          </a:p>
+          <a:p>
+            <a:pPr>
+              <a:lnSpc>
+                <a:spcPct val="100000"/>
+              </a:lnSpc>
+              <a:spcAft>
                 <a:spcPts val="0"/>
               </a:spcAft>
               <a:buFont typeface="Arial" panose="020B0604020202020204" pitchFamily="34" charset="0"/>
@@ -6947,86 +7247,13 @@
             </a:r>
           </a:p>
           <a:p>
-            <a:pPr lvl="1">
+            <a:pPr marL="457200" lvl="1" indent="0">
               <a:spcAft>
                 <a:spcPts val="0"/>
               </a:spcAft>
-              <a:buFont typeface="Arial" panose="020B0604020202020204" pitchFamily="34" charset="0"/>
-              <a:buChar char="•"/>
+              <a:buNone/>
             </a:pPr>
             <a:endParaRPr lang="de-DE" dirty="0"/>
-          </a:p>
-          <a:p>
-            <a:pPr>
-              <a:lnSpc>
-                <a:spcPct val="100000"/>
-              </a:lnSpc>
-              <a:spcAft>
-                <a:spcPts val="600"/>
-              </a:spcAft>
-              <a:buFont typeface="Arial" panose="020B0604020202020204" pitchFamily="34" charset="0"/>
-              <a:buChar char="•"/>
-            </a:pPr>
-            <a:r>
-              <a:rPr lang="de-DE" dirty="0"/>
-              <a:t>Der Nutzer kann Schlüsselwort nennen zum Antworten</a:t>
-            </a:r>
-          </a:p>
-          <a:p>
-            <a:pPr>
-              <a:lnSpc>
-                <a:spcPct val="100000"/>
-              </a:lnSpc>
-              <a:spcAft>
-                <a:spcPts val="600"/>
-              </a:spcAft>
-              <a:buFont typeface="Arial" panose="020B0604020202020204" pitchFamily="34" charset="0"/>
-              <a:buChar char="•"/>
-            </a:pPr>
-            <a:r>
-              <a:rPr lang="de-DE" dirty="0"/>
-              <a:t>Antwort wird via Sprache eingegeben und abgesendet</a:t>
-            </a:r>
-          </a:p>
-          <a:p>
-            <a:pPr>
-              <a:lnSpc>
-                <a:spcPct val="100000"/>
-              </a:lnSpc>
-              <a:spcAft>
-                <a:spcPts val="600"/>
-              </a:spcAft>
-              <a:buFont typeface="Arial" panose="020B0604020202020204" pitchFamily="34" charset="0"/>
-              <a:buChar char="•"/>
-            </a:pPr>
-            <a:r>
-              <a:rPr lang="de-DE" dirty="0"/>
-              <a:t>Schnelligkeit des </a:t>
-            </a:r>
-            <a:r>
-              <a:rPr lang="de-DE" dirty="0" err="1"/>
-              <a:t>Earcons</a:t>
-            </a:r>
-            <a:r>
-              <a:rPr lang="de-DE" dirty="0"/>
-              <a:t> und des Kontaktes kann verändert werden</a:t>
-            </a:r>
-          </a:p>
-          <a:p>
-            <a:pPr>
-              <a:lnSpc>
-                <a:spcPct val="100000"/>
-              </a:lnSpc>
-              <a:spcAft>
-                <a:spcPts val="600"/>
-              </a:spcAft>
-              <a:buFont typeface="Arial" panose="020B0604020202020204" pitchFamily="34" charset="0"/>
-              <a:buChar char="•"/>
-            </a:pPr>
-            <a:r>
-              <a:rPr lang="de-DE" dirty="0"/>
-              <a:t>Nachrichten können auch direkt an einen Kontakt geschickt werden</a:t>
-            </a:r>
           </a:p>
         </p:txBody>
       </p:sp>
@@ -7085,6 +7312,198 @@
           <a:p>
             <a:r>
               <a:rPr lang="de-DE" dirty="0"/>
+              <a:t>Aktueller Stand</a:t>
+            </a:r>
+          </a:p>
+        </p:txBody>
+      </p:sp>
+      <p:sp>
+        <p:nvSpPr>
+          <p:cNvPr id="464901" name="Rectangle 5"/>
+          <p:cNvSpPr>
+            <a:spLocks noGrp="1" noChangeArrowheads="1"/>
+          </p:cNvSpPr>
+          <p:nvPr>
+            <p:ph type="body" idx="1"/>
+          </p:nvPr>
+        </p:nvSpPr>
+        <p:spPr>
+          <a:xfrm>
+            <a:off x="809625" y="1752600"/>
+            <a:ext cx="7543800" cy="4556720"/>
+          </a:xfrm>
+        </p:spPr>
+        <p:txBody>
+          <a:bodyPr/>
+          <a:lstStyle/>
+          <a:p>
+            <a:pPr>
+              <a:lnSpc>
+                <a:spcPct val="100000"/>
+              </a:lnSpc>
+              <a:spcAft>
+                <a:spcPts val="600"/>
+              </a:spcAft>
+              <a:buFont typeface="Arial" panose="020B0604020202020204" pitchFamily="34" charset="0"/>
+              <a:buChar char="•"/>
+            </a:pPr>
+            <a:r>
+              <a:rPr lang="de-DE" dirty="0"/>
+              <a:t>Der Nutzer kann Schlüsselwort nennen zum Antworten</a:t>
+            </a:r>
+          </a:p>
+          <a:p>
+            <a:pPr>
+              <a:lnSpc>
+                <a:spcPct val="100000"/>
+              </a:lnSpc>
+              <a:spcAft>
+                <a:spcPts val="600"/>
+              </a:spcAft>
+              <a:buFont typeface="Arial" panose="020B0604020202020204" pitchFamily="34" charset="0"/>
+              <a:buChar char="•"/>
+            </a:pPr>
+            <a:endParaRPr lang="de-DE" dirty="0"/>
+          </a:p>
+          <a:p>
+            <a:pPr>
+              <a:lnSpc>
+                <a:spcPct val="100000"/>
+              </a:lnSpc>
+              <a:spcAft>
+                <a:spcPts val="600"/>
+              </a:spcAft>
+              <a:buFont typeface="Arial" panose="020B0604020202020204" pitchFamily="34" charset="0"/>
+              <a:buChar char="•"/>
+            </a:pPr>
+            <a:r>
+              <a:rPr lang="de-DE" dirty="0"/>
+              <a:t>Antwort wird via Sprache eingegeben und abgesendet</a:t>
+            </a:r>
+          </a:p>
+          <a:p>
+            <a:pPr>
+              <a:lnSpc>
+                <a:spcPct val="100000"/>
+              </a:lnSpc>
+              <a:spcAft>
+                <a:spcPts val="600"/>
+              </a:spcAft>
+              <a:buFont typeface="Arial" panose="020B0604020202020204" pitchFamily="34" charset="0"/>
+              <a:buChar char="•"/>
+            </a:pPr>
+            <a:endParaRPr lang="de-DE" dirty="0"/>
+          </a:p>
+          <a:p>
+            <a:pPr>
+              <a:lnSpc>
+                <a:spcPct val="100000"/>
+              </a:lnSpc>
+              <a:spcAft>
+                <a:spcPts val="600"/>
+              </a:spcAft>
+              <a:buFont typeface="Arial" panose="020B0604020202020204" pitchFamily="34" charset="0"/>
+              <a:buChar char="•"/>
+            </a:pPr>
+            <a:r>
+              <a:rPr lang="de-DE" dirty="0"/>
+              <a:t>Schnelligkeit des </a:t>
+            </a:r>
+            <a:r>
+              <a:rPr lang="de-DE" dirty="0" err="1"/>
+              <a:t>Earcons</a:t>
+            </a:r>
+            <a:r>
+              <a:rPr lang="de-DE" dirty="0"/>
+              <a:t> und des Kontaktes kann verändert werden</a:t>
+            </a:r>
+          </a:p>
+          <a:p>
+            <a:pPr>
+              <a:lnSpc>
+                <a:spcPct val="100000"/>
+              </a:lnSpc>
+              <a:spcAft>
+                <a:spcPts val="600"/>
+              </a:spcAft>
+              <a:buFont typeface="Arial" panose="020B0604020202020204" pitchFamily="34" charset="0"/>
+              <a:buChar char="•"/>
+            </a:pPr>
+            <a:endParaRPr lang="de-DE" dirty="0"/>
+          </a:p>
+          <a:p>
+            <a:pPr>
+              <a:lnSpc>
+                <a:spcPct val="100000"/>
+              </a:lnSpc>
+              <a:spcAft>
+                <a:spcPts val="600"/>
+              </a:spcAft>
+              <a:buFont typeface="Arial" panose="020B0604020202020204" pitchFamily="34" charset="0"/>
+              <a:buChar char="•"/>
+            </a:pPr>
+            <a:r>
+              <a:rPr lang="de-DE" dirty="0"/>
+              <a:t>Nachrichten können auch direkt an einen Kontakt geschickt werden</a:t>
+            </a:r>
+          </a:p>
+        </p:txBody>
+      </p:sp>
+    </p:spTree>
+    <p:extLst>
+      <p:ext uri="{BB962C8B-B14F-4D97-AF65-F5344CB8AC3E}">
+        <p14:creationId xmlns:p14="http://schemas.microsoft.com/office/powerpoint/2010/main" val="1148327628"/>
+      </p:ext>
+    </p:extLst>
+  </p:cSld>
+  <p:clrMapOvr>
+    <a:masterClrMapping/>
+  </p:clrMapOvr>
+  <mc:AlternateContent xmlns:mc="http://schemas.openxmlformats.org/markup-compatibility/2006" xmlns:p14="http://schemas.microsoft.com/office/powerpoint/2010/main">
+    <mc:Choice Requires="p14">
+      <p:transition p14:dur="0"/>
+    </mc:Choice>
+    <mc:Fallback xmlns="">
+      <p:transition/>
+    </mc:Fallback>
+  </mc:AlternateContent>
+</p:sld>
+</file>
+
+<file path=ppt/slides/slide6.xml><?xml version="1.0" encoding="utf-8"?>
+<p:sld xmlns:a="http://schemas.openxmlformats.org/drawingml/2006/main" xmlns:r="http://schemas.openxmlformats.org/officeDocument/2006/relationships" xmlns:p="http://schemas.openxmlformats.org/presentationml/2006/main">
+  <p:cSld>
+    <p:spTree>
+      <p:nvGrpSpPr>
+        <p:cNvPr id="1" name=""/>
+        <p:cNvGrpSpPr/>
+        <p:nvPr/>
+      </p:nvGrpSpPr>
+      <p:grpSpPr>
+        <a:xfrm>
+          <a:off x="0" y="0"/>
+          <a:ext cx="0" cy="0"/>
+          <a:chOff x="0" y="0"/>
+          <a:chExt cx="0" cy="0"/>
+        </a:xfrm>
+      </p:grpSpPr>
+      <p:sp>
+        <p:nvSpPr>
+          <p:cNvPr id="464900" name="Rectangle 4"/>
+          <p:cNvSpPr>
+            <a:spLocks noGrp="1" noChangeArrowheads="1"/>
+          </p:cNvSpPr>
+          <p:nvPr>
+            <p:ph type="title"/>
+          </p:nvPr>
+        </p:nvSpPr>
+        <p:spPr/>
+        <p:txBody>
+          <a:bodyPr/>
+          <a:lstStyle/>
+          <a:p>
+            <a:r>
+              <a:rPr lang="de-DE" dirty="0"/>
               <a:t>Ablaufdiagramm</a:t>
             </a:r>
           </a:p>
@@ -7140,7 +7559,7 @@
 </p:sld>
 </file>
 
-<file path=ppt/slides/slide6.xml><?xml version="1.0" encoding="utf-8"?>
+<file path=ppt/slides/slide7.xml><?xml version="1.0" encoding="utf-8"?>
 <p:sld xmlns:a="http://schemas.openxmlformats.org/drawingml/2006/main" xmlns:r="http://schemas.openxmlformats.org/officeDocument/2006/relationships" xmlns:p="http://schemas.openxmlformats.org/presentationml/2006/main">
   <p:cSld>
     <p:spTree>
@@ -7225,7 +7644,7 @@
 </p:sld>
 </file>
 
-<file path=ppt/slides/slide7.xml><?xml version="1.0" encoding="utf-8"?>
+<file path=ppt/slides/slide8.xml><?xml version="1.0" encoding="utf-8"?>
 <p:sld xmlns:a="http://schemas.openxmlformats.org/drawingml/2006/main" xmlns:r="http://schemas.openxmlformats.org/officeDocument/2006/relationships" xmlns:p="http://schemas.openxmlformats.org/presentationml/2006/main">
   <p:cSld>
     <p:spTree>
@@ -7423,193 +7842,6 @@
 </p:sld>
 </file>
 
-<file path=ppt/slides/slide8.xml><?xml version="1.0" encoding="utf-8"?>
-<p:sld xmlns:a="http://schemas.openxmlformats.org/drawingml/2006/main" xmlns:r="http://schemas.openxmlformats.org/officeDocument/2006/relationships" xmlns:p="http://schemas.openxmlformats.org/presentationml/2006/main">
-  <p:cSld>
-    <p:spTree>
-      <p:nvGrpSpPr>
-        <p:cNvPr id="1" name=""/>
-        <p:cNvGrpSpPr/>
-        <p:nvPr/>
-      </p:nvGrpSpPr>
-      <p:grpSpPr>
-        <a:xfrm>
-          <a:off x="0" y="0"/>
-          <a:ext cx="0" cy="0"/>
-          <a:chOff x="0" y="0"/>
-          <a:chExt cx="0" cy="0"/>
-        </a:xfrm>
-      </p:grpSpPr>
-      <p:sp>
-        <p:nvSpPr>
-          <p:cNvPr id="464900" name="Rectangle 4"/>
-          <p:cNvSpPr>
-            <a:spLocks noGrp="1" noChangeArrowheads="1"/>
-          </p:cNvSpPr>
-          <p:nvPr>
-            <p:ph type="title"/>
-          </p:nvPr>
-        </p:nvSpPr>
-        <p:spPr/>
-        <p:txBody>
-          <a:bodyPr/>
-          <a:lstStyle/>
-          <a:p>
-            <a:r>
-              <a:rPr lang="de-DE" dirty="0"/>
-              <a:t>Studie</a:t>
-            </a:r>
-          </a:p>
-        </p:txBody>
-      </p:sp>
-      <p:sp>
-        <p:nvSpPr>
-          <p:cNvPr id="464901" name="Rectangle 5"/>
-          <p:cNvSpPr>
-            <a:spLocks noGrp="1" noChangeArrowheads="1"/>
-          </p:cNvSpPr>
-          <p:nvPr>
-            <p:ph type="body" idx="1"/>
-          </p:nvPr>
-        </p:nvSpPr>
-        <p:spPr>
-          <a:xfrm>
-            <a:off x="809625" y="1752600"/>
-            <a:ext cx="7543800" cy="4556720"/>
-          </a:xfrm>
-        </p:spPr>
-        <p:txBody>
-          <a:bodyPr/>
-          <a:lstStyle/>
-          <a:p>
-            <a:pPr marL="285750" indent="-285750">
-              <a:buFont typeface="Arial" panose="020B0604020202020204" pitchFamily="34" charset="0"/>
-              <a:buChar char="•"/>
-            </a:pPr>
-            <a:r>
-              <a:rPr lang="de-DE" dirty="0"/>
-              <a:t>Studienteilnehmer installieren App und nutzen diese über einen vorgegebenen Zeitraum</a:t>
-            </a:r>
-          </a:p>
-          <a:p>
-            <a:pPr marL="285750" indent="-285750">
-              <a:buFont typeface="Arial" panose="020B0604020202020204" pitchFamily="34" charset="0"/>
-              <a:buChar char="•"/>
-            </a:pPr>
-            <a:endParaRPr lang="de-DE" dirty="0"/>
-          </a:p>
-          <a:p>
-            <a:pPr marL="285750" indent="-285750">
-              <a:buFont typeface="Arial" panose="020B0604020202020204" pitchFamily="34" charset="0"/>
-              <a:buChar char="•"/>
-            </a:pPr>
-            <a:r>
-              <a:rPr lang="de-DE" dirty="0"/>
-              <a:t>Wichtige Fragen:</a:t>
-            </a:r>
-          </a:p>
-          <a:p>
-            <a:pPr marL="685800" lvl="1">
-              <a:buFont typeface="Arial" panose="020B0604020202020204" pitchFamily="34" charset="0"/>
-              <a:buChar char="•"/>
-            </a:pPr>
-            <a:r>
-              <a:rPr lang="de-DE" dirty="0"/>
-              <a:t>Wie oft nutzen die Teilnehmer die App?</a:t>
-            </a:r>
-          </a:p>
-          <a:p>
-            <a:pPr marL="685800" lvl="1">
-              <a:buFont typeface="Arial" panose="020B0604020202020204" pitchFamily="34" charset="0"/>
-              <a:buChar char="•"/>
-            </a:pPr>
-            <a:r>
-              <a:rPr lang="de-DE" dirty="0"/>
-              <a:t>Wie oft haben die Nutzer die App zum Antworten verwendet?</a:t>
-            </a:r>
-          </a:p>
-          <a:p>
-            <a:pPr marL="685800" lvl="1">
-              <a:buFont typeface="Arial" panose="020B0604020202020204" pitchFamily="34" charset="0"/>
-              <a:buChar char="•"/>
-            </a:pPr>
-            <a:r>
-              <a:rPr lang="de-DE" dirty="0"/>
-              <a:t>Wie schnell werden die </a:t>
-            </a:r>
-            <a:r>
-              <a:rPr lang="de-DE" dirty="0" err="1"/>
-              <a:t>Earcons</a:t>
-            </a:r>
-            <a:r>
-              <a:rPr lang="de-DE" dirty="0"/>
-              <a:t> erlernt?</a:t>
-            </a:r>
-          </a:p>
-          <a:p>
-            <a:pPr marL="685800" lvl="1">
-              <a:buFont typeface="Arial" panose="020B0604020202020204" pitchFamily="34" charset="0"/>
-              <a:buChar char="•"/>
-            </a:pPr>
-            <a:r>
-              <a:rPr lang="de-DE" dirty="0"/>
-              <a:t>Wie gut ist die App bedienbar? </a:t>
-            </a:r>
-          </a:p>
-          <a:p>
-            <a:pPr marL="685800" lvl="1">
-              <a:buFont typeface="Arial" panose="020B0604020202020204" pitchFamily="34" charset="0"/>
-              <a:buChar char="•"/>
-            </a:pPr>
-            <a:r>
-              <a:rPr lang="de-DE" dirty="0"/>
-              <a:t>Welche Probleme gab es bei der Verwendung der App?</a:t>
-            </a:r>
-          </a:p>
-          <a:p>
-            <a:pPr marL="685800" lvl="1">
-              <a:buFont typeface="Arial" panose="020B0604020202020204" pitchFamily="34" charset="0"/>
-              <a:buChar char="•"/>
-            </a:pPr>
-            <a:endParaRPr lang="de-DE" dirty="0"/>
-          </a:p>
-          <a:p>
-            <a:pPr marL="285750" indent="-285750">
-              <a:buFont typeface="Arial" panose="020B0604020202020204" pitchFamily="34" charset="0"/>
-              <a:buChar char="•"/>
-            </a:pPr>
-            <a:endParaRPr lang="de-DE" dirty="0"/>
-          </a:p>
-          <a:p>
-            <a:pPr marL="285750" indent="-285750">
-              <a:buFont typeface="Arial" panose="020B0604020202020204" pitchFamily="34" charset="0"/>
-              <a:buChar char="•"/>
-            </a:pPr>
-            <a:endParaRPr lang="de-DE" dirty="0"/>
-          </a:p>
-        </p:txBody>
-      </p:sp>
-    </p:spTree>
-    <p:extLst>
-      <p:ext uri="{BB962C8B-B14F-4D97-AF65-F5344CB8AC3E}">
-        <p14:creationId xmlns:p14="http://schemas.microsoft.com/office/powerpoint/2010/main" val="1610330166"/>
-      </p:ext>
-    </p:extLst>
-  </p:cSld>
-  <p:clrMapOvr>
-    <a:masterClrMapping/>
-  </p:clrMapOvr>
-  <mc:AlternateContent xmlns:mc="http://schemas.openxmlformats.org/markup-compatibility/2006" xmlns:p14="http://schemas.microsoft.com/office/powerpoint/2010/main">
-    <mc:Choice Requires="p14">
-      <p:transition p14:dur="0"/>
-    </mc:Choice>
-    <mc:Fallback xmlns="">
-      <p:transition/>
-    </mc:Fallback>
-  </mc:AlternateContent>
-</p:sld>
-</file>
-
 <file path=ppt/slides/slide9.xml><?xml version="1.0" encoding="utf-8"?>
 <p:sld xmlns:a="http://schemas.openxmlformats.org/drawingml/2006/main" xmlns:r="http://schemas.openxmlformats.org/officeDocument/2006/relationships" xmlns:p="http://schemas.openxmlformats.org/presentationml/2006/main">
   <p:cSld>
@@ -7644,7 +7876,7 @@
           <a:p>
             <a:r>
               <a:rPr lang="de-DE" dirty="0"/>
-              <a:t>Studienziel</a:t>
+              <a:t>Studie</a:t>
             </a:r>
           </a:p>
         </p:txBody>
@@ -7661,8 +7893,8 @@
         </p:nvSpPr>
         <p:spPr>
           <a:xfrm>
-            <a:off x="809624" y="1752600"/>
-            <a:ext cx="7722815" cy="4556720"/>
+            <a:off x="809625" y="1752600"/>
+            <a:ext cx="7543800" cy="4556720"/>
           </a:xfrm>
         </p:spPr>
         <p:txBody>
@@ -7675,7 +7907,7 @@
             </a:pPr>
             <a:r>
               <a:rPr lang="de-DE" dirty="0"/>
-              <a:t>Die Usability soll verbessert werden </a:t>
+              <a:t>Studienteilnehmer installieren App und nutzen diese über einen vorgegebenen Zeitraum</a:t>
             </a:r>
           </a:p>
           <a:p>
@@ -7692,15 +7924,7 @@
             </a:pPr>
             <a:r>
               <a:rPr lang="de-DE" dirty="0"/>
-              <a:t>Lernprozess der </a:t>
-            </a:r>
-            <a:r>
-              <a:rPr lang="de-DE" dirty="0" err="1"/>
-              <a:t>Earcons</a:t>
-            </a:r>
-            <a:r>
-              <a:rPr lang="de-DE" dirty="0"/>
-              <a:t> wird dem Nutzerverhalten angepasst 	</a:t>
+              <a:t>Forschungsfragen:</a:t>
             </a:r>
           </a:p>
           <a:p>
@@ -7710,7 +7934,7 @@
             </a:pPr>
             <a:r>
               <a:rPr lang="de-DE" dirty="0"/>
-              <a:t>Häufigkeit der App-Nutzung</a:t>
+              <a:t>Wie oft nutzen die Teilnehmer die App?</a:t>
             </a:r>
           </a:p>
           <a:p>
@@ -7720,13 +7944,46 @@
             </a:pPr>
             <a:r>
               <a:rPr lang="de-DE" dirty="0"/>
-              <a:t>Zeitrahmen der Erlernung der </a:t>
+              <a:t>Wie oft haben die Nutzer die App zum Antworten verwendet?</a:t>
+            </a:r>
+          </a:p>
+          <a:p>
+            <a:pPr marL="685800" lvl="1">
+              <a:buFont typeface="Arial" panose="020B0604020202020204" pitchFamily="34" charset="0"/>
+              <a:buChar char="•"/>
+            </a:pPr>
+            <a:r>
+              <a:rPr lang="de-DE" dirty="0"/>
+              <a:t>Wie schnell werden die </a:t>
             </a:r>
             <a:r>
               <a:rPr lang="de-DE" dirty="0" err="1"/>
               <a:t>Earcons</a:t>
             </a:r>
-            <a:endParaRPr lang="de-DE" dirty="0"/>
+            <a:r>
+              <a:rPr lang="de-DE" dirty="0"/>
+              <a:t> erlernt?</a:t>
+            </a:r>
+          </a:p>
+          <a:p>
+            <a:pPr marL="685800" lvl="1">
+              <a:buFont typeface="Arial" panose="020B0604020202020204" pitchFamily="34" charset="0"/>
+              <a:buChar char="•"/>
+            </a:pPr>
+            <a:r>
+              <a:rPr lang="de-DE" dirty="0"/>
+              <a:t>Wie gut ist die App bedienbar? </a:t>
+            </a:r>
+          </a:p>
+          <a:p>
+            <a:pPr marL="685800" lvl="1">
+              <a:buFont typeface="Arial" panose="020B0604020202020204" pitchFamily="34" charset="0"/>
+              <a:buChar char="•"/>
+            </a:pPr>
+            <a:r>
+              <a:rPr lang="de-DE" dirty="0"/>
+              <a:t>Welche Probleme gab es bei der Verwendung der App?</a:t>
+            </a:r>
           </a:p>
           <a:p>
             <a:pPr marL="685800" lvl="1">
@@ -7736,21 +7993,25 @@
             <a:endParaRPr lang="de-DE" dirty="0"/>
           </a:p>
           <a:p>
-            <a:pPr marL="285750">
+            <a:pPr marL="285750" indent="-285750">
               <a:buFont typeface="Arial" panose="020B0604020202020204" pitchFamily="34" charset="0"/>
               <a:buChar char="•"/>
             </a:pPr>
-            <a:r>
-              <a:rPr lang="de-DE" dirty="0"/>
-              <a:t>Mögliche Schwachstellen der App herausfinden und anschließend beseitigen </a:t>
-            </a:r>
+            <a:endParaRPr lang="de-DE" dirty="0"/>
+          </a:p>
+          <a:p>
+            <a:pPr marL="285750" indent="-285750">
+              <a:buFont typeface="Arial" panose="020B0604020202020204" pitchFamily="34" charset="0"/>
+              <a:buChar char="•"/>
+            </a:pPr>
+            <a:endParaRPr lang="de-DE" dirty="0"/>
           </a:p>
         </p:txBody>
       </p:sp>
     </p:spTree>
     <p:extLst>
       <p:ext uri="{BB962C8B-B14F-4D97-AF65-F5344CB8AC3E}">
-        <p14:creationId xmlns:p14="http://schemas.microsoft.com/office/powerpoint/2010/main" val="2472939653"/>
+        <p14:creationId xmlns:p14="http://schemas.microsoft.com/office/powerpoint/2010/main" val="1610330166"/>
       </p:ext>
     </p:extLst>
   </p:cSld>
@@ -8014,7 +8275,7 @@
         <a:effectLst/>
         <a:extLst>
           <a:ext uri="{AF507438-7753-43e0-B8FC-AC1667EBCBE1}">
-            <a14:hiddenEffects xmlns="" xmlns:a14="http://schemas.microsoft.com/office/drawing/2010/main">
+            <a14:hiddenEffects xmlns:a14="http://schemas.microsoft.com/office/drawing/2010/main" xmlns="">
               <a:effectLst>
                 <a:outerShdw blurRad="63500" dist="38099" dir="2700000" algn="ctr" rotWithShape="0">
                   <a:schemeClr val="bg2">
@@ -8090,7 +8351,7 @@
         <a:effectLst/>
         <a:extLst>
           <a:ext uri="{AF507438-7753-43e0-B8FC-AC1667EBCBE1}">
-            <a14:hiddenEffects xmlns="" xmlns:a14="http://schemas.microsoft.com/office/drawing/2010/main">
+            <a14:hiddenEffects xmlns:a14="http://schemas.microsoft.com/office/drawing/2010/main" xmlns="">
               <a:effectLst>
                 <a:outerShdw blurRad="63500" dist="38099" dir="2700000" algn="ctr" rotWithShape="0">
                   <a:schemeClr val="bg2">

--- a/Präsentation/Zwischenpräsentation_TechnischesKonzept.pptx
+++ b/Präsentation/Zwischenpräsentation_TechnischesKonzept.pptx
@@ -5,7 +5,7 @@
     <p:sldMasterId id="2147483648" r:id="rId1"/>
   </p:sldMasterIdLst>
   <p:notesMasterIdLst>
-    <p:notesMasterId r:id="rId13"/>
+    <p:notesMasterId r:id="rId14"/>
   </p:notesMasterIdLst>
   <p:sldIdLst>
     <p:sldId id="259" r:id="rId2"/>
@@ -14,11 +14,12 @@
     <p:sldId id="476" r:id="rId5"/>
     <p:sldId id="477" r:id="rId6"/>
     <p:sldId id="471" r:id="rId7"/>
-    <p:sldId id="470" r:id="rId8"/>
-    <p:sldId id="468" r:id="rId9"/>
-    <p:sldId id="469" r:id="rId10"/>
-    <p:sldId id="474" r:id="rId11"/>
-    <p:sldId id="475" r:id="rId12"/>
+    <p:sldId id="478" r:id="rId8"/>
+    <p:sldId id="470" r:id="rId9"/>
+    <p:sldId id="468" r:id="rId10"/>
+    <p:sldId id="469" r:id="rId11"/>
+    <p:sldId id="474" r:id="rId12"/>
+    <p:sldId id="475" r:id="rId13"/>
   </p:sldIdLst>
   <p:sldSz cx="9144000" cy="6858000" type="screen4x3"/>
   <p:notesSz cx="6858000" cy="9144000"/>
@@ -232,17 +233,17 @@
           <a:effectLst/>
           <a:extLst>
             <a:ext uri="{FAA26D3D-D897-4be2-8F04-BA451C77F1D7}">
-              <ma14:placeholderFlag xmlns:ma14="http://schemas.microsoft.com/office/mac/drawingml/2011/main" xmlns="" val="1"/>
+              <ma14:placeholderFlag xmlns="" xmlns:ma14="http://schemas.microsoft.com/office/mac/drawingml/2011/main" val="1"/>
             </a:ext>
             <a:ext uri="{909E8E84-426E-40dd-AFC4-6F175D3DCCD1}">
-              <a14:hiddenFill xmlns:a14="http://schemas.microsoft.com/office/drawing/2010/main" xmlns="">
+              <a14:hiddenFill xmlns="" xmlns:a14="http://schemas.microsoft.com/office/drawing/2010/main">
                 <a:solidFill>
                   <a:schemeClr val="accent1"/>
                 </a:solidFill>
               </a14:hiddenFill>
             </a:ext>
             <a:ext uri="{91240B29-F687-4f45-9708-019B960494DF}">
-              <a14:hiddenLine xmlns:a14="http://schemas.microsoft.com/office/drawing/2010/main" xmlns="" w="9525">
+              <a14:hiddenLine xmlns="" xmlns:a14="http://schemas.microsoft.com/office/drawing/2010/main" w="9525">
                 <a:solidFill>
                   <a:schemeClr val="tx1"/>
                 </a:solidFill>
@@ -252,7 +253,7 @@
               </a14:hiddenLine>
             </a:ext>
             <a:ext uri="{AF507438-7753-43e0-B8FC-AC1667EBCBE1}">
-              <a14:hiddenEffects xmlns:a14="http://schemas.microsoft.com/office/drawing/2010/main" xmlns="">
+              <a14:hiddenEffects xmlns="" xmlns:a14="http://schemas.microsoft.com/office/drawing/2010/main">
                 <a:effectLst>
                   <a:outerShdw blurRad="63500" dist="38099" dir="2700000" algn="ctr" rotWithShape="0">
                     <a:schemeClr val="bg2">
@@ -307,17 +308,17 @@
           <a:effectLst/>
           <a:extLst>
             <a:ext uri="{FAA26D3D-D897-4be2-8F04-BA451C77F1D7}">
-              <ma14:placeholderFlag xmlns:ma14="http://schemas.microsoft.com/office/mac/drawingml/2011/main" xmlns="" val="1"/>
+              <ma14:placeholderFlag xmlns="" xmlns:ma14="http://schemas.microsoft.com/office/mac/drawingml/2011/main" val="1"/>
             </a:ext>
             <a:ext uri="{909E8E84-426E-40dd-AFC4-6F175D3DCCD1}">
-              <a14:hiddenFill xmlns:a14="http://schemas.microsoft.com/office/drawing/2010/main" xmlns="">
+              <a14:hiddenFill xmlns="" xmlns:a14="http://schemas.microsoft.com/office/drawing/2010/main">
                 <a:solidFill>
                   <a:schemeClr val="accent1"/>
                 </a:solidFill>
               </a14:hiddenFill>
             </a:ext>
             <a:ext uri="{91240B29-F687-4f45-9708-019B960494DF}">
-              <a14:hiddenLine xmlns:a14="http://schemas.microsoft.com/office/drawing/2010/main" xmlns="" w="9525">
+              <a14:hiddenLine xmlns="" xmlns:a14="http://schemas.microsoft.com/office/drawing/2010/main" w="9525">
                 <a:solidFill>
                   <a:schemeClr val="tx1"/>
                 </a:solidFill>
@@ -327,7 +328,7 @@
               </a14:hiddenLine>
             </a:ext>
             <a:ext uri="{AF507438-7753-43e0-B8FC-AC1667EBCBE1}">
-              <a14:hiddenEffects xmlns:a14="http://schemas.microsoft.com/office/drawing/2010/main" xmlns="">
+              <a14:hiddenEffects xmlns="" xmlns:a14="http://schemas.microsoft.com/office/drawing/2010/main">
                 <a:effectLst>
                   <a:outerShdw blurRad="63500" dist="38099" dir="2700000" algn="ctr" rotWithShape="0">
                     <a:schemeClr val="bg2">
@@ -387,7 +388,7 @@
           <a:effectLst/>
           <a:extLst>
             <a:ext uri="{AF507438-7753-43e0-B8FC-AC1667EBCBE1}">
-              <a14:hiddenEffects xmlns:a14="http://schemas.microsoft.com/office/drawing/2010/main" xmlns="">
+              <a14:hiddenEffects xmlns="" xmlns:a14="http://schemas.microsoft.com/office/drawing/2010/main">
                 <a:effectLst>
                   <a:outerShdw blurRad="63500" dist="38099" dir="2700000" algn="ctr" rotWithShape="0">
                     <a:srgbClr val="000000">
@@ -398,7 +399,7 @@
               </a14:hiddenEffects>
             </a:ext>
             <a:ext uri="{53640926-AAD7-44d8-BBD7-CCE9431645EC}">
-              <a14:shadowObscured xmlns:a14="http://schemas.microsoft.com/office/drawing/2010/main" xmlns="" val="1"/>
+              <a14:shadowObscured xmlns="" xmlns:a14="http://schemas.microsoft.com/office/drawing/2010/main" val="1"/>
             </a:ext>
           </a:extLst>
         </p:spPr>
@@ -428,17 +429,17 @@
           <a:effectLst/>
           <a:extLst>
             <a:ext uri="{FAA26D3D-D897-4be2-8F04-BA451C77F1D7}">
-              <ma14:placeholderFlag xmlns:ma14="http://schemas.microsoft.com/office/mac/drawingml/2011/main" xmlns="" val="1"/>
+              <ma14:placeholderFlag xmlns="" xmlns:ma14="http://schemas.microsoft.com/office/mac/drawingml/2011/main" val="1"/>
             </a:ext>
             <a:ext uri="{909E8E84-426E-40dd-AFC4-6F175D3DCCD1}">
-              <a14:hiddenFill xmlns:a14="http://schemas.microsoft.com/office/drawing/2010/main" xmlns="">
+              <a14:hiddenFill xmlns="" xmlns:a14="http://schemas.microsoft.com/office/drawing/2010/main">
                 <a:solidFill>
                   <a:schemeClr val="accent1"/>
                 </a:solidFill>
               </a14:hiddenFill>
             </a:ext>
             <a:ext uri="{91240B29-F687-4f45-9708-019B960494DF}">
-              <a14:hiddenLine xmlns:a14="http://schemas.microsoft.com/office/drawing/2010/main" xmlns="" w="9525">
+              <a14:hiddenLine xmlns="" xmlns:a14="http://schemas.microsoft.com/office/drawing/2010/main" w="9525">
                 <a:solidFill>
                   <a:schemeClr val="tx1"/>
                 </a:solidFill>
@@ -448,7 +449,7 @@
               </a14:hiddenLine>
             </a:ext>
             <a:ext uri="{AF507438-7753-43e0-B8FC-AC1667EBCBE1}">
-              <a14:hiddenEffects xmlns:a14="http://schemas.microsoft.com/office/drawing/2010/main" xmlns="">
+              <a14:hiddenEffects xmlns="" xmlns:a14="http://schemas.microsoft.com/office/drawing/2010/main">
                 <a:effectLst>
                   <a:outerShdw blurRad="63500" dist="38099" dir="2700000" algn="ctr" rotWithShape="0">
                     <a:schemeClr val="bg2">
@@ -529,17 +530,17 @@
           <a:effectLst/>
           <a:extLst>
             <a:ext uri="{FAA26D3D-D897-4be2-8F04-BA451C77F1D7}">
-              <ma14:placeholderFlag xmlns:ma14="http://schemas.microsoft.com/office/mac/drawingml/2011/main" xmlns="" val="1"/>
+              <ma14:placeholderFlag xmlns="" xmlns:ma14="http://schemas.microsoft.com/office/mac/drawingml/2011/main" val="1"/>
             </a:ext>
             <a:ext uri="{909E8E84-426E-40dd-AFC4-6F175D3DCCD1}">
-              <a14:hiddenFill xmlns:a14="http://schemas.microsoft.com/office/drawing/2010/main" xmlns="">
+              <a14:hiddenFill xmlns="" xmlns:a14="http://schemas.microsoft.com/office/drawing/2010/main">
                 <a:solidFill>
                   <a:schemeClr val="accent1"/>
                 </a:solidFill>
               </a14:hiddenFill>
             </a:ext>
             <a:ext uri="{91240B29-F687-4f45-9708-019B960494DF}">
-              <a14:hiddenLine xmlns:a14="http://schemas.microsoft.com/office/drawing/2010/main" xmlns="" w="9525">
+              <a14:hiddenLine xmlns="" xmlns:a14="http://schemas.microsoft.com/office/drawing/2010/main" w="9525">
                 <a:solidFill>
                   <a:schemeClr val="tx1"/>
                 </a:solidFill>
@@ -549,7 +550,7 @@
               </a14:hiddenLine>
             </a:ext>
             <a:ext uri="{AF507438-7753-43e0-B8FC-AC1667EBCBE1}">
-              <a14:hiddenEffects xmlns:a14="http://schemas.microsoft.com/office/drawing/2010/main" xmlns="">
+              <a14:hiddenEffects xmlns="" xmlns:a14="http://schemas.microsoft.com/office/drawing/2010/main">
                 <a:effectLst>
                   <a:outerShdw blurRad="63500" dist="38099" dir="2700000" algn="ctr" rotWithShape="0">
                     <a:schemeClr val="bg2">
@@ -604,17 +605,17 @@
           <a:effectLst/>
           <a:extLst>
             <a:ext uri="{FAA26D3D-D897-4be2-8F04-BA451C77F1D7}">
-              <ma14:placeholderFlag xmlns:ma14="http://schemas.microsoft.com/office/mac/drawingml/2011/main" xmlns="" val="1"/>
+              <ma14:placeholderFlag xmlns="" xmlns:ma14="http://schemas.microsoft.com/office/mac/drawingml/2011/main" val="1"/>
             </a:ext>
             <a:ext uri="{909E8E84-426E-40dd-AFC4-6F175D3DCCD1}">
-              <a14:hiddenFill xmlns:a14="http://schemas.microsoft.com/office/drawing/2010/main" xmlns="">
+              <a14:hiddenFill xmlns="" xmlns:a14="http://schemas.microsoft.com/office/drawing/2010/main">
                 <a:solidFill>
                   <a:schemeClr val="accent1"/>
                 </a:solidFill>
               </a14:hiddenFill>
             </a:ext>
             <a:ext uri="{91240B29-F687-4f45-9708-019B960494DF}">
-              <a14:hiddenLine xmlns:a14="http://schemas.microsoft.com/office/drawing/2010/main" xmlns="" w="9525">
+              <a14:hiddenLine xmlns="" xmlns:a14="http://schemas.microsoft.com/office/drawing/2010/main" w="9525">
                 <a:solidFill>
                   <a:schemeClr val="tx1"/>
                 </a:solidFill>
@@ -624,7 +625,7 @@
               </a14:hiddenLine>
             </a:ext>
             <a:ext uri="{AF507438-7753-43e0-B8FC-AC1667EBCBE1}">
-              <a14:hiddenEffects xmlns:a14="http://schemas.microsoft.com/office/drawing/2010/main" xmlns="">
+              <a14:hiddenEffects xmlns="" xmlns:a14="http://schemas.microsoft.com/office/drawing/2010/main">
                 <a:effectLst>
                   <a:outerShdw blurRad="63500" dist="38099" dir="2700000" algn="ctr" rotWithShape="0">
                     <a:schemeClr val="bg2">
@@ -849,7 +850,7 @@
           <a:ln/>
           <a:extLst>
             <a:ext uri="{FAA26D3D-D897-4be2-8F04-BA451C77F1D7}">
-              <ma14:placeholderFlag xmlns:ma14="http://schemas.microsoft.com/office/mac/drawingml/2011/main" xmlns="" val="1"/>
+              <ma14:placeholderFlag xmlns="" xmlns:ma14="http://schemas.microsoft.com/office/mac/drawingml/2011/main" val="1"/>
             </a:ext>
           </a:extLst>
         </p:spPr>
@@ -938,7 +939,7 @@
           <a:ln/>
           <a:extLst>
             <a:ext uri="{FAA26D3D-D897-4be2-8F04-BA451C77F1D7}">
-              <ma14:placeholderFlag xmlns:ma14="http://schemas.microsoft.com/office/mac/drawingml/2011/main" xmlns="" val="1"/>
+              <ma14:placeholderFlag xmlns="" xmlns:ma14="http://schemas.microsoft.com/office/mac/drawingml/2011/main" val="1"/>
             </a:ext>
           </a:extLst>
         </p:spPr>
@@ -965,7 +966,7 @@
     </p:spTree>
     <p:extLst>
       <p:ext uri="{BB962C8B-B14F-4D97-AF65-F5344CB8AC3E}">
-        <p14:creationId xmlns:p14="http://schemas.microsoft.com/office/powerpoint/2010/main" val="655074602"/>
+        <p14:creationId xmlns:p14="http://schemas.microsoft.com/office/powerpoint/2010/main" val="1518876565"/>
       </p:ext>
     </p:extLst>
   </p:cSld>
@@ -1032,7 +1033,101 @@
           <a:ln/>
           <a:extLst>
             <a:ext uri="{FAA26D3D-D897-4be2-8F04-BA451C77F1D7}">
-              <ma14:placeholderFlag xmlns:ma14="http://schemas.microsoft.com/office/mac/drawingml/2011/main" xmlns="" val="1"/>
+              <ma14:placeholderFlag xmlns="" xmlns:ma14="http://schemas.microsoft.com/office/mac/drawingml/2011/main" val="1"/>
+            </a:ext>
+          </a:extLst>
+        </p:spPr>
+      </p:sp>
+      <p:sp>
+        <p:nvSpPr>
+          <p:cNvPr id="473091" name="Rectangle 3"/>
+          <p:cNvSpPr>
+            <a:spLocks noGrp="1" noChangeArrowheads="1"/>
+          </p:cNvSpPr>
+          <p:nvPr>
+            <p:ph type="body" idx="1"/>
+          </p:nvPr>
+        </p:nvSpPr>
+        <p:spPr/>
+        <p:txBody>
+          <a:bodyPr/>
+          <a:lstStyle/>
+          <a:p>
+            <a:endParaRPr lang="de-DE"/>
+          </a:p>
+        </p:txBody>
+      </p:sp>
+    </p:spTree>
+    <p:extLst>
+      <p:ext uri="{BB962C8B-B14F-4D97-AF65-F5344CB8AC3E}">
+        <p14:creationId xmlns:p14="http://schemas.microsoft.com/office/powerpoint/2010/main" val="655074602"/>
+      </p:ext>
+    </p:extLst>
+  </p:cSld>
+  <p:clrMapOvr>
+    <a:masterClrMapping/>
+  </p:clrMapOvr>
+</p:notes>
+</file>
+
+<file path=ppt/notesSlides/notesSlide12.xml><?xml version="1.0" encoding="utf-8"?>
+<p:notes xmlns:a="http://schemas.openxmlformats.org/drawingml/2006/main" xmlns:r="http://schemas.openxmlformats.org/officeDocument/2006/relationships" xmlns:p="http://schemas.openxmlformats.org/presentationml/2006/main">
+  <p:cSld>
+    <p:spTree>
+      <p:nvGrpSpPr>
+        <p:cNvPr id="1" name=""/>
+        <p:cNvGrpSpPr/>
+        <p:nvPr/>
+      </p:nvGrpSpPr>
+      <p:grpSpPr>
+        <a:xfrm>
+          <a:off x="0" y="0"/>
+          <a:ext cx="0" cy="0"/>
+          <a:chOff x="0" y="0"/>
+          <a:chExt cx="0" cy="0"/>
+        </a:xfrm>
+      </p:grpSpPr>
+      <p:sp>
+        <p:nvSpPr>
+          <p:cNvPr id="7" name="Rectangle 7"/>
+          <p:cNvSpPr>
+            <a:spLocks noGrp="1" noChangeArrowheads="1"/>
+          </p:cNvSpPr>
+          <p:nvPr>
+            <p:ph type="sldNum" sz="quarter" idx="5"/>
+          </p:nvPr>
+        </p:nvSpPr>
+        <p:spPr>
+          <a:ln/>
+        </p:spPr>
+        <p:txBody>
+          <a:bodyPr/>
+          <a:lstStyle/>
+          <a:p>
+            <a:fld id="{BA048B86-8432-3B47-B920-7ACA6E2E8FB8}" type="slidenum">
+              <a:rPr lang="de-DE"/>
+              <a:pPr/>
+              <a:t>12</a:t>
+            </a:fld>
+            <a:endParaRPr lang="de-DE"/>
+          </a:p>
+        </p:txBody>
+      </p:sp>
+      <p:sp>
+        <p:nvSpPr>
+          <p:cNvPr id="473090" name="Rectangle 2"/>
+          <p:cNvSpPr>
+            <a:spLocks noGrp="1" noRot="1" noChangeAspect="1" noChangeArrowheads="1" noTextEdit="1"/>
+          </p:cNvSpPr>
+          <p:nvPr>
+            <p:ph type="sldImg"/>
+          </p:nvPr>
+        </p:nvSpPr>
+        <p:spPr>
+          <a:ln/>
+          <a:extLst>
+            <a:ext uri="{FAA26D3D-D897-4be2-8F04-BA451C77F1D7}">
+              <ma14:placeholderFlag xmlns="" xmlns:ma14="http://schemas.microsoft.com/office/mac/drawingml/2011/main" val="1"/>
             </a:ext>
           </a:extLst>
         </p:spPr>
@@ -1126,7 +1221,7 @@
           <a:ln/>
           <a:extLst>
             <a:ext uri="{FAA26D3D-D897-4be2-8F04-BA451C77F1D7}">
-              <ma14:placeholderFlag xmlns:ma14="http://schemas.microsoft.com/office/mac/drawingml/2011/main" xmlns="" val="1"/>
+              <ma14:placeholderFlag xmlns="" xmlns:ma14="http://schemas.microsoft.com/office/mac/drawingml/2011/main" val="1"/>
             </a:ext>
           </a:extLst>
         </p:spPr>
@@ -1220,7 +1315,7 @@
           <a:ln/>
           <a:extLst>
             <a:ext uri="{FAA26D3D-D897-4be2-8F04-BA451C77F1D7}">
-              <ma14:placeholderFlag xmlns:ma14="http://schemas.microsoft.com/office/mac/drawingml/2011/main" xmlns="" val="1"/>
+              <ma14:placeholderFlag xmlns="" xmlns:ma14="http://schemas.microsoft.com/office/mac/drawingml/2011/main" val="1"/>
             </a:ext>
           </a:extLst>
         </p:spPr>
@@ -1314,7 +1409,7 @@
           <a:ln/>
           <a:extLst>
             <a:ext uri="{FAA26D3D-D897-4be2-8F04-BA451C77F1D7}">
-              <ma14:placeholderFlag xmlns:ma14="http://schemas.microsoft.com/office/mac/drawingml/2011/main" xmlns="" val="1"/>
+              <ma14:placeholderFlag xmlns="" xmlns:ma14="http://schemas.microsoft.com/office/mac/drawingml/2011/main" val="1"/>
             </a:ext>
           </a:extLst>
         </p:spPr>
@@ -1408,7 +1503,7 @@
           <a:ln/>
           <a:extLst>
             <a:ext uri="{FAA26D3D-D897-4be2-8F04-BA451C77F1D7}">
-              <ma14:placeholderFlag xmlns:ma14="http://schemas.microsoft.com/office/mac/drawingml/2011/main" xmlns="" val="1"/>
+              <ma14:placeholderFlag xmlns="" xmlns:ma14="http://schemas.microsoft.com/office/mac/drawingml/2011/main" val="1"/>
             </a:ext>
           </a:extLst>
         </p:spPr>
@@ -1502,7 +1597,7 @@
           <a:ln/>
           <a:extLst>
             <a:ext uri="{FAA26D3D-D897-4be2-8F04-BA451C77F1D7}">
-              <ma14:placeholderFlag xmlns:ma14="http://schemas.microsoft.com/office/mac/drawingml/2011/main" xmlns="" val="1"/>
+              <ma14:placeholderFlag xmlns="" xmlns:ma14="http://schemas.microsoft.com/office/mac/drawingml/2011/main" val="1"/>
             </a:ext>
           </a:extLst>
         </p:spPr>
@@ -1596,7 +1691,7 @@
           <a:ln/>
           <a:extLst>
             <a:ext uri="{FAA26D3D-D897-4be2-8F04-BA451C77F1D7}">
-              <ma14:placeholderFlag xmlns:ma14="http://schemas.microsoft.com/office/mac/drawingml/2011/main" xmlns="" val="1"/>
+              <ma14:placeholderFlag xmlns="" xmlns:ma14="http://schemas.microsoft.com/office/mac/drawingml/2011/main" val="1"/>
             </a:ext>
           </a:extLst>
         </p:spPr>
@@ -1623,7 +1718,7 @@
     </p:spTree>
     <p:extLst>
       <p:ext uri="{BB962C8B-B14F-4D97-AF65-F5344CB8AC3E}">
-        <p14:creationId xmlns:p14="http://schemas.microsoft.com/office/powerpoint/2010/main" val="2551397985"/>
+        <p14:creationId xmlns:p14="http://schemas.microsoft.com/office/powerpoint/2010/main" val="1678276684"/>
       </p:ext>
     </p:extLst>
   </p:cSld>
@@ -1690,7 +1785,7 @@
           <a:ln/>
           <a:extLst>
             <a:ext uri="{FAA26D3D-D897-4be2-8F04-BA451C77F1D7}">
-              <ma14:placeholderFlag xmlns:ma14="http://schemas.microsoft.com/office/mac/drawingml/2011/main" xmlns="" val="1"/>
+              <ma14:placeholderFlag xmlns="" xmlns:ma14="http://schemas.microsoft.com/office/mac/drawingml/2011/main" val="1"/>
             </a:ext>
           </a:extLst>
         </p:spPr>
@@ -1717,7 +1812,7 @@
     </p:spTree>
     <p:extLst>
       <p:ext uri="{BB962C8B-B14F-4D97-AF65-F5344CB8AC3E}">
-        <p14:creationId xmlns:p14="http://schemas.microsoft.com/office/powerpoint/2010/main" val="168451790"/>
+        <p14:creationId xmlns:p14="http://schemas.microsoft.com/office/powerpoint/2010/main" val="2551397985"/>
       </p:ext>
     </p:extLst>
   </p:cSld>
@@ -1784,7 +1879,7 @@
           <a:ln/>
           <a:extLst>
             <a:ext uri="{FAA26D3D-D897-4be2-8F04-BA451C77F1D7}">
-              <ma14:placeholderFlag xmlns:ma14="http://schemas.microsoft.com/office/mac/drawingml/2011/main" xmlns="" val="1"/>
+              <ma14:placeholderFlag xmlns="" xmlns:ma14="http://schemas.microsoft.com/office/mac/drawingml/2011/main" val="1"/>
             </a:ext>
           </a:extLst>
         </p:spPr>
@@ -1811,7 +1906,7 @@
     </p:spTree>
     <p:extLst>
       <p:ext uri="{BB962C8B-B14F-4D97-AF65-F5344CB8AC3E}">
-        <p14:creationId xmlns:p14="http://schemas.microsoft.com/office/powerpoint/2010/main" val="1518876565"/>
+        <p14:creationId xmlns:p14="http://schemas.microsoft.com/office/powerpoint/2010/main" val="168451790"/>
       </p:ext>
     </p:extLst>
   </p:cSld>
@@ -1997,7 +2092,7 @@
           <a:noFill/>
           <a:extLst>
             <a:ext uri="{909E8E84-426E-40dd-AFC4-6F175D3DCCD1}">
-              <a14:hiddenFill xmlns:a14="http://schemas.microsoft.com/office/drawing/2010/main" xmlns="">
+              <a14:hiddenFill xmlns="" xmlns:a14="http://schemas.microsoft.com/office/drawing/2010/main">
                 <a:solidFill>
                   <a:srgbClr val="FFFFFF"/>
                 </a:solidFill>
@@ -4340,17 +4435,17 @@
           <a:effectLst/>
           <a:extLst>
             <a:ext uri="{FAA26D3D-D897-4be2-8F04-BA451C77F1D7}">
-              <ma14:placeholderFlag xmlns:ma14="http://schemas.microsoft.com/office/mac/drawingml/2011/main" xmlns="" val="1"/>
+              <ma14:placeholderFlag xmlns="" xmlns:ma14="http://schemas.microsoft.com/office/mac/drawingml/2011/main" val="1"/>
             </a:ext>
             <a:ext uri="{909E8E84-426E-40dd-AFC4-6F175D3DCCD1}">
-              <a14:hiddenFill xmlns:a14="http://schemas.microsoft.com/office/drawing/2010/main" xmlns="">
+              <a14:hiddenFill xmlns="" xmlns:a14="http://schemas.microsoft.com/office/drawing/2010/main">
                 <a:solidFill>
                   <a:schemeClr val="accent1"/>
                 </a:solidFill>
               </a14:hiddenFill>
             </a:ext>
             <a:ext uri="{91240B29-F687-4f45-9708-019B960494DF}">
-              <a14:hiddenLine xmlns:a14="http://schemas.microsoft.com/office/drawing/2010/main" xmlns="" w="9525">
+              <a14:hiddenLine xmlns="" xmlns:a14="http://schemas.microsoft.com/office/drawing/2010/main" w="9525">
                 <a:solidFill>
                   <a:schemeClr val="tx1"/>
                 </a:solidFill>
@@ -4360,7 +4455,7 @@
               </a14:hiddenLine>
             </a:ext>
             <a:ext uri="{AF507438-7753-43e0-B8FC-AC1667EBCBE1}">
-              <a14:hiddenEffects xmlns:a14="http://schemas.microsoft.com/office/drawing/2010/main" xmlns="">
+              <a14:hiddenEffects xmlns="" xmlns:a14="http://schemas.microsoft.com/office/drawing/2010/main">
                 <a:effectLst>
                   <a:outerShdw blurRad="63500" dist="38099" dir="2700000" algn="ctr" rotWithShape="0">
                     <a:schemeClr val="bg2">
@@ -4413,17 +4508,17 @@
           <a:effectLst/>
           <a:extLst>
             <a:ext uri="{FAA26D3D-D897-4be2-8F04-BA451C77F1D7}">
-              <ma14:placeholderFlag xmlns:ma14="http://schemas.microsoft.com/office/mac/drawingml/2011/main" xmlns="" val="1"/>
+              <ma14:placeholderFlag xmlns="" xmlns:ma14="http://schemas.microsoft.com/office/mac/drawingml/2011/main" val="1"/>
             </a:ext>
             <a:ext uri="{909E8E84-426E-40dd-AFC4-6F175D3DCCD1}">
-              <a14:hiddenFill xmlns:a14="http://schemas.microsoft.com/office/drawing/2010/main" xmlns="">
+              <a14:hiddenFill xmlns="" xmlns:a14="http://schemas.microsoft.com/office/drawing/2010/main">
                 <a:solidFill>
                   <a:schemeClr val="accent1"/>
                 </a:solidFill>
               </a14:hiddenFill>
             </a:ext>
             <a:ext uri="{91240B29-F687-4f45-9708-019B960494DF}">
-              <a14:hiddenLine xmlns:a14="http://schemas.microsoft.com/office/drawing/2010/main" xmlns="" w="9525">
+              <a14:hiddenLine xmlns="" xmlns:a14="http://schemas.microsoft.com/office/drawing/2010/main" w="9525">
                 <a:solidFill>
                   <a:schemeClr val="tx1"/>
                 </a:solidFill>
@@ -4433,7 +4528,7 @@
               </a14:hiddenLine>
             </a:ext>
             <a:ext uri="{AF507438-7753-43e0-B8FC-AC1667EBCBE1}">
-              <a14:hiddenEffects xmlns:a14="http://schemas.microsoft.com/office/drawing/2010/main" xmlns="">
+              <a14:hiddenEffects xmlns="" xmlns:a14="http://schemas.microsoft.com/office/drawing/2010/main">
                 <a:effectLst>
                   <a:outerShdw blurRad="63500" dist="38099" dir="2700000" algn="ctr" rotWithShape="0">
                     <a:schemeClr val="bg2">
@@ -4514,17 +4609,17 @@
           <a:effectLst/>
           <a:extLst>
             <a:ext uri="{FAA26D3D-D897-4be2-8F04-BA451C77F1D7}">
-              <ma14:placeholderFlag xmlns:ma14="http://schemas.microsoft.com/office/mac/drawingml/2011/main" xmlns="" val="1"/>
+              <ma14:placeholderFlag xmlns="" xmlns:ma14="http://schemas.microsoft.com/office/mac/drawingml/2011/main" val="1"/>
             </a:ext>
             <a:ext uri="{909E8E84-426E-40dd-AFC4-6F175D3DCCD1}">
-              <a14:hiddenFill xmlns:a14="http://schemas.microsoft.com/office/drawing/2010/main" xmlns="">
+              <a14:hiddenFill xmlns="" xmlns:a14="http://schemas.microsoft.com/office/drawing/2010/main">
                 <a:solidFill>
                   <a:schemeClr val="accent1"/>
                 </a:solidFill>
               </a14:hiddenFill>
             </a:ext>
             <a:ext uri="{91240B29-F687-4f45-9708-019B960494DF}">
-              <a14:hiddenLine xmlns:a14="http://schemas.microsoft.com/office/drawing/2010/main" xmlns="" w="9525">
+              <a14:hiddenLine xmlns="" xmlns:a14="http://schemas.microsoft.com/office/drawing/2010/main" w="9525">
                 <a:solidFill>
                   <a:schemeClr val="tx1"/>
                 </a:solidFill>
@@ -4534,7 +4629,7 @@
               </a14:hiddenLine>
             </a:ext>
             <a:ext uri="{AF507438-7753-43e0-B8FC-AC1667EBCBE1}">
-              <a14:hiddenEffects xmlns:a14="http://schemas.microsoft.com/office/drawing/2010/main" xmlns="">
+              <a14:hiddenEffects xmlns="" xmlns:a14="http://schemas.microsoft.com/office/drawing/2010/main">
                 <a:effectLst>
                   <a:outerShdw blurRad="63500" dist="38099" dir="2700000" algn="ctr" rotWithShape="0">
                     <a:schemeClr val="bg2">
@@ -4589,17 +4684,17 @@
           <a:effectLst/>
           <a:extLst>
             <a:ext uri="{FAA26D3D-D897-4be2-8F04-BA451C77F1D7}">
-              <ma14:placeholderFlag xmlns:ma14="http://schemas.microsoft.com/office/mac/drawingml/2011/main" xmlns="" val="1"/>
+              <ma14:placeholderFlag xmlns="" xmlns:ma14="http://schemas.microsoft.com/office/mac/drawingml/2011/main" val="1"/>
             </a:ext>
             <a:ext uri="{909E8E84-426E-40dd-AFC4-6F175D3DCCD1}">
-              <a14:hiddenFill xmlns:a14="http://schemas.microsoft.com/office/drawing/2010/main" xmlns="">
+              <a14:hiddenFill xmlns="" xmlns:a14="http://schemas.microsoft.com/office/drawing/2010/main">
                 <a:solidFill>
                   <a:schemeClr val="accent1"/>
                 </a:solidFill>
               </a14:hiddenFill>
             </a:ext>
             <a:ext uri="{91240B29-F687-4f45-9708-019B960494DF}">
-              <a14:hiddenLine xmlns:a14="http://schemas.microsoft.com/office/drawing/2010/main" xmlns="" w="9525">
+              <a14:hiddenLine xmlns="" xmlns:a14="http://schemas.microsoft.com/office/drawing/2010/main" w="9525">
                 <a:solidFill>
                   <a:schemeClr val="tx1"/>
                 </a:solidFill>
@@ -4609,7 +4704,7 @@
               </a14:hiddenLine>
             </a:ext>
             <a:ext uri="{AF507438-7753-43e0-B8FC-AC1667EBCBE1}">
-              <a14:hiddenEffects xmlns:a14="http://schemas.microsoft.com/office/drawing/2010/main" xmlns="">
+              <a14:hiddenEffects xmlns="" xmlns:a14="http://schemas.microsoft.com/office/drawing/2010/main">
                 <a:effectLst>
                   <a:outerShdw blurRad="63500" dist="38099" dir="2700000" algn="ctr" rotWithShape="0">
                     <a:schemeClr val="bg2">
@@ -4664,17 +4759,17 @@
           <a:effectLst/>
           <a:extLst>
             <a:ext uri="{FAA26D3D-D897-4be2-8F04-BA451C77F1D7}">
-              <ma14:placeholderFlag xmlns:ma14="http://schemas.microsoft.com/office/mac/drawingml/2011/main" xmlns="" val="1"/>
+              <ma14:placeholderFlag xmlns="" xmlns:ma14="http://schemas.microsoft.com/office/mac/drawingml/2011/main" val="1"/>
             </a:ext>
             <a:ext uri="{909E8E84-426E-40dd-AFC4-6F175D3DCCD1}">
-              <a14:hiddenFill xmlns:a14="http://schemas.microsoft.com/office/drawing/2010/main" xmlns="">
+              <a14:hiddenFill xmlns="" xmlns:a14="http://schemas.microsoft.com/office/drawing/2010/main">
                 <a:solidFill>
                   <a:schemeClr val="accent1"/>
                 </a:solidFill>
               </a14:hiddenFill>
             </a:ext>
             <a:ext uri="{91240B29-F687-4f45-9708-019B960494DF}">
-              <a14:hiddenLine xmlns:a14="http://schemas.microsoft.com/office/drawing/2010/main" xmlns="" w="9525">
+              <a14:hiddenLine xmlns="" xmlns:a14="http://schemas.microsoft.com/office/drawing/2010/main" w="9525">
                 <a:solidFill>
                   <a:schemeClr val="tx1"/>
                 </a:solidFill>
@@ -4684,7 +4779,7 @@
               </a14:hiddenLine>
             </a:ext>
             <a:ext uri="{AF507438-7753-43e0-B8FC-AC1667EBCBE1}">
-              <a14:hiddenEffects xmlns:a14="http://schemas.microsoft.com/office/drawing/2010/main" xmlns="">
+              <a14:hiddenEffects xmlns="" xmlns:a14="http://schemas.microsoft.com/office/drawing/2010/main">
                 <a:effectLst>
                   <a:outerShdw blurRad="63500" dist="38099" dir="2700000" algn="ctr" rotWithShape="0">
                     <a:schemeClr val="bg2">
@@ -4747,12 +4842,12 @@
           <a:effectLst/>
           <a:extLst>
             <a:ext uri="{909E8E84-426E-40dd-AFC4-6F175D3DCCD1}">
-              <a14:hiddenFill xmlns:a14="http://schemas.microsoft.com/office/drawing/2010/main" xmlns="">
+              <a14:hiddenFill xmlns="" xmlns:a14="http://schemas.microsoft.com/office/drawing/2010/main">
                 <a:noFill/>
               </a14:hiddenFill>
             </a:ext>
             <a:ext uri="{AF507438-7753-43e0-B8FC-AC1667EBCBE1}">
-              <a14:hiddenEffects xmlns:a14="http://schemas.microsoft.com/office/drawing/2010/main" xmlns="">
+              <a14:hiddenEffects xmlns="" xmlns:a14="http://schemas.microsoft.com/office/drawing/2010/main">
                 <a:effectLst>
                   <a:outerShdw blurRad="63500" dist="38099" dir="2700000" algn="ctr" rotWithShape="0">
                     <a:schemeClr val="bg2">
@@ -4797,7 +4892,7 @@
           <a:effectLst/>
           <a:extLst>
             <a:ext uri="{91240B29-F687-4f45-9708-019B960494DF}">
-              <a14:hiddenLine xmlns:a14="http://schemas.microsoft.com/office/drawing/2010/main" xmlns="" w="9525">
+              <a14:hiddenLine xmlns="" xmlns:a14="http://schemas.microsoft.com/office/drawing/2010/main" w="9525">
                 <a:solidFill>
                   <a:schemeClr val="tx1"/>
                 </a:solidFill>
@@ -4807,7 +4902,7 @@
               </a14:hiddenLine>
             </a:ext>
             <a:ext uri="{AF507438-7753-43e0-B8FC-AC1667EBCBE1}">
-              <a14:hiddenEffects xmlns:a14="http://schemas.microsoft.com/office/drawing/2010/main" xmlns="">
+              <a14:hiddenEffects xmlns="" xmlns:a14="http://schemas.microsoft.com/office/drawing/2010/main">
                 <a:effectLst>
                   <a:outerShdw blurRad="63500" dist="38099" dir="2700000" algn="ctr" rotWithShape="0">
                     <a:schemeClr val="bg2">
@@ -4856,14 +4951,14 @@
           <a:effectLst/>
           <a:extLst>
             <a:ext uri="{909E8E84-426E-40dd-AFC4-6F175D3DCCD1}">
-              <a14:hiddenFill xmlns:a14="http://schemas.microsoft.com/office/drawing/2010/main" xmlns="">
+              <a14:hiddenFill xmlns="" xmlns:a14="http://schemas.microsoft.com/office/drawing/2010/main">
                 <a:solidFill>
                   <a:schemeClr val="accent1"/>
                 </a:solidFill>
               </a14:hiddenFill>
             </a:ext>
             <a:ext uri="{91240B29-F687-4f45-9708-019B960494DF}">
-              <a14:hiddenLine xmlns:a14="http://schemas.microsoft.com/office/drawing/2010/main" xmlns="" w="9525">
+              <a14:hiddenLine xmlns="" xmlns:a14="http://schemas.microsoft.com/office/drawing/2010/main" w="9525">
                 <a:solidFill>
                   <a:schemeClr val="tx1"/>
                 </a:solidFill>
@@ -4873,7 +4968,7 @@
               </a14:hiddenLine>
             </a:ext>
             <a:ext uri="{AF507438-7753-43e0-B8FC-AC1667EBCBE1}">
-              <a14:hiddenEffects xmlns:a14="http://schemas.microsoft.com/office/drawing/2010/main" xmlns="">
+              <a14:hiddenEffects xmlns="" xmlns:a14="http://schemas.microsoft.com/office/drawing/2010/main">
                 <a:effectLst>
                   <a:outerShdw blurRad="63500" dist="38099" dir="2700000" algn="ctr" rotWithShape="0">
                     <a:schemeClr val="bg2">
@@ -5026,14 +5121,14 @@
           <a:effectLst/>
           <a:extLst>
             <a:ext uri="{909E8E84-426E-40dd-AFC4-6F175D3DCCD1}">
-              <a14:hiddenFill xmlns:a14="http://schemas.microsoft.com/office/drawing/2010/main" xmlns="">
+              <a14:hiddenFill xmlns="" xmlns:a14="http://schemas.microsoft.com/office/drawing/2010/main">
                 <a:solidFill>
                   <a:schemeClr val="accent1"/>
                 </a:solidFill>
               </a14:hiddenFill>
             </a:ext>
             <a:ext uri="{91240B29-F687-4f45-9708-019B960494DF}">
-              <a14:hiddenLine xmlns:a14="http://schemas.microsoft.com/office/drawing/2010/main" xmlns="" w="9525">
+              <a14:hiddenLine xmlns="" xmlns:a14="http://schemas.microsoft.com/office/drawing/2010/main" w="9525">
                 <a:solidFill>
                   <a:schemeClr val="tx1"/>
                 </a:solidFill>
@@ -5043,7 +5138,7 @@
               </a14:hiddenLine>
             </a:ext>
             <a:ext uri="{AF507438-7753-43e0-B8FC-AC1667EBCBE1}">
-              <a14:hiddenEffects xmlns:a14="http://schemas.microsoft.com/office/drawing/2010/main" xmlns="">
+              <a14:hiddenEffects xmlns="" xmlns:a14="http://schemas.microsoft.com/office/drawing/2010/main">
                 <a:effectLst>
                   <a:outerShdw blurRad="63500" dist="38099" dir="2700000" algn="ctr" rotWithShape="0">
                     <a:schemeClr val="bg2">
@@ -5118,12 +5213,12 @@
           <a:effectLst/>
           <a:extLst>
             <a:ext uri="{909E8E84-426E-40dd-AFC4-6F175D3DCCD1}">
-              <a14:hiddenFill xmlns:a14="http://schemas.microsoft.com/office/drawing/2010/main" xmlns="">
+              <a14:hiddenFill xmlns="" xmlns:a14="http://schemas.microsoft.com/office/drawing/2010/main">
                 <a:noFill/>
               </a14:hiddenFill>
             </a:ext>
             <a:ext uri="{91240B29-F687-4f45-9708-019B960494DF}">
-              <a14:hiddenLine xmlns:a14="http://schemas.microsoft.com/office/drawing/2010/main" xmlns="" w="6350">
+              <a14:hiddenLine xmlns="" xmlns:a14="http://schemas.microsoft.com/office/drawing/2010/main" w="6350">
                 <a:solidFill>
                   <a:schemeClr val="tx1"/>
                 </a:solidFill>
@@ -5133,7 +5228,7 @@
               </a14:hiddenLine>
             </a:ext>
             <a:ext uri="{AF507438-7753-43e0-B8FC-AC1667EBCBE1}">
-              <a14:hiddenEffects xmlns:a14="http://schemas.microsoft.com/office/drawing/2010/main" xmlns="">
+              <a14:hiddenEffects xmlns="" xmlns:a14="http://schemas.microsoft.com/office/drawing/2010/main">
                 <a:effectLst>
                   <a:outerShdw blurRad="63500" dist="38099" dir="2700000" algn="ctr" rotWithShape="0">
                     <a:schemeClr val="bg2">
@@ -5176,12 +5271,12 @@
           <a:effectLst/>
           <a:extLst>
             <a:ext uri="{909E8E84-426E-40dd-AFC4-6F175D3DCCD1}">
-              <a14:hiddenFill xmlns:a14="http://schemas.microsoft.com/office/drawing/2010/main" xmlns="">
+              <a14:hiddenFill xmlns="" xmlns:a14="http://schemas.microsoft.com/office/drawing/2010/main">
                 <a:noFill/>
               </a14:hiddenFill>
             </a:ext>
             <a:ext uri="{91240B29-F687-4f45-9708-019B960494DF}">
-              <a14:hiddenLine xmlns:a14="http://schemas.microsoft.com/office/drawing/2010/main" xmlns="" w="9525">
+              <a14:hiddenLine xmlns="" xmlns:a14="http://schemas.microsoft.com/office/drawing/2010/main" w="9525">
                 <a:solidFill>
                   <a:schemeClr val="tx1"/>
                 </a:solidFill>
@@ -5191,7 +5286,7 @@
               </a14:hiddenLine>
             </a:ext>
             <a:ext uri="{AF507438-7753-43e0-B8FC-AC1667EBCBE1}">
-              <a14:hiddenEffects xmlns:a14="http://schemas.microsoft.com/office/drawing/2010/main" xmlns="">
+              <a14:hiddenEffects xmlns="" xmlns:a14="http://schemas.microsoft.com/office/drawing/2010/main">
                 <a:effectLst>
                   <a:outerShdw blurRad="63500" dist="38099" dir="2700000" algn="ctr" rotWithShape="0">
                     <a:schemeClr val="bg2">
@@ -5693,7 +5788,7 @@
           <a:noFill/>
           <a:extLst>
             <a:ext uri="{909E8E84-426E-40dd-AFC4-6F175D3DCCD1}">
-              <a14:hiddenFill xmlns:a14="http://schemas.microsoft.com/office/drawing/2010/main" xmlns="">
+              <a14:hiddenFill xmlns="" xmlns:a14="http://schemas.microsoft.com/office/drawing/2010/main">
                 <a:solidFill>
                   <a:srgbClr val="FFFFFF"/>
                 </a:solidFill>
@@ -5734,7 +5829,7 @@
           <a:noFill/>
           <a:extLst>
             <a:ext uri="{909E8E84-426E-40dd-AFC4-6F175D3DCCD1}">
-              <a14:hiddenFill xmlns:a14="http://schemas.microsoft.com/office/drawing/2010/main" xmlns="">
+              <a14:hiddenFill xmlns="" xmlns:a14="http://schemas.microsoft.com/office/drawing/2010/main">
                 <a:solidFill>
                   <a:srgbClr val="FFFFFF"/>
                 </a:solidFill>
@@ -5766,14 +5861,14 @@
           <a:effectLst/>
           <a:extLst>
             <a:ext uri="{909E8E84-426E-40dd-AFC4-6F175D3DCCD1}">
-              <a14:hiddenFill xmlns:a14="http://schemas.microsoft.com/office/drawing/2010/main" xmlns="">
+              <a14:hiddenFill xmlns="" xmlns:a14="http://schemas.microsoft.com/office/drawing/2010/main">
                 <a:solidFill>
                   <a:schemeClr val="accent1"/>
                 </a:solidFill>
               </a14:hiddenFill>
             </a:ext>
             <a:ext uri="{91240B29-F687-4f45-9708-019B960494DF}">
-              <a14:hiddenLine xmlns:a14="http://schemas.microsoft.com/office/drawing/2010/main" xmlns="" w="9525">
+              <a14:hiddenLine xmlns="" xmlns:a14="http://schemas.microsoft.com/office/drawing/2010/main" w="9525">
                 <a:solidFill>
                   <a:schemeClr val="tx1"/>
                 </a:solidFill>
@@ -5783,7 +5878,7 @@
               </a14:hiddenLine>
             </a:ext>
             <a:ext uri="{AF507438-7753-43e0-B8FC-AC1667EBCBE1}">
-              <a14:hiddenEffects xmlns:a14="http://schemas.microsoft.com/office/drawing/2010/main" xmlns="">
+              <a14:hiddenEffects xmlns="" xmlns:a14="http://schemas.microsoft.com/office/drawing/2010/main">
                 <a:effectLst>
                   <a:outerShdw blurRad="63500" dist="38099" dir="2700000" algn="ctr" rotWithShape="0">
                     <a:schemeClr val="bg2">
@@ -6072,14 +6167,14 @@
           <a:effectLst/>
           <a:extLst>
             <a:ext uri="{909E8E84-426E-40dd-AFC4-6F175D3DCCD1}">
-              <a14:hiddenFill xmlns:a14="http://schemas.microsoft.com/office/drawing/2010/main" xmlns="">
+              <a14:hiddenFill xmlns="" xmlns:a14="http://schemas.microsoft.com/office/drawing/2010/main">
                 <a:solidFill>
                   <a:schemeClr val="accent1"/>
                 </a:solidFill>
               </a14:hiddenFill>
             </a:ext>
             <a:ext uri="{91240B29-F687-4f45-9708-019B960494DF}">
-              <a14:hiddenLine xmlns:a14="http://schemas.microsoft.com/office/drawing/2010/main" xmlns="" w="9525">
+              <a14:hiddenLine xmlns="" xmlns:a14="http://schemas.microsoft.com/office/drawing/2010/main" w="9525">
                 <a:solidFill>
                   <a:schemeClr val="tx1"/>
                 </a:solidFill>
@@ -6089,7 +6184,7 @@
               </a14:hiddenLine>
             </a:ext>
             <a:ext uri="{AF507438-7753-43e0-B8FC-AC1667EBCBE1}">
-              <a14:hiddenEffects xmlns:a14="http://schemas.microsoft.com/office/drawing/2010/main" xmlns="">
+              <a14:hiddenEffects xmlns="" xmlns:a14="http://schemas.microsoft.com/office/drawing/2010/main">
                 <a:effectLst>
                   <a:outerShdw blurRad="63500" dist="38099" dir="2700000" algn="ctr" rotWithShape="0">
                     <a:schemeClr val="bg2">
@@ -6366,6 +6461,193 @@
           <a:p>
             <a:r>
               <a:rPr lang="de-DE" dirty="0"/>
+              <a:t>Studie</a:t>
+            </a:r>
+          </a:p>
+        </p:txBody>
+      </p:sp>
+      <p:sp>
+        <p:nvSpPr>
+          <p:cNvPr id="464901" name="Rectangle 5"/>
+          <p:cNvSpPr>
+            <a:spLocks noGrp="1" noChangeArrowheads="1"/>
+          </p:cNvSpPr>
+          <p:nvPr>
+            <p:ph type="body" idx="1"/>
+          </p:nvPr>
+        </p:nvSpPr>
+        <p:spPr>
+          <a:xfrm>
+            <a:off x="809625" y="1752600"/>
+            <a:ext cx="7543800" cy="4556720"/>
+          </a:xfrm>
+        </p:spPr>
+        <p:txBody>
+          <a:bodyPr/>
+          <a:lstStyle/>
+          <a:p>
+            <a:pPr marL="285750" indent="-285750">
+              <a:buFont typeface="Arial" panose="020B0604020202020204" pitchFamily="34" charset="0"/>
+              <a:buChar char="•"/>
+            </a:pPr>
+            <a:r>
+              <a:rPr lang="de-DE" dirty="0"/>
+              <a:t>Studienteilnehmer installieren App und nutzen diese über einen vorgegebenen Zeitraum</a:t>
+            </a:r>
+          </a:p>
+          <a:p>
+            <a:pPr marL="285750" indent="-285750">
+              <a:buFont typeface="Arial" panose="020B0604020202020204" pitchFamily="34" charset="0"/>
+              <a:buChar char="•"/>
+            </a:pPr>
+            <a:endParaRPr lang="de-DE" dirty="0"/>
+          </a:p>
+          <a:p>
+            <a:pPr marL="285750" indent="-285750">
+              <a:buFont typeface="Arial" panose="020B0604020202020204" pitchFamily="34" charset="0"/>
+              <a:buChar char="•"/>
+            </a:pPr>
+            <a:r>
+              <a:rPr lang="de-DE" dirty="0"/>
+              <a:t>Forschungsfragen:</a:t>
+            </a:r>
+          </a:p>
+          <a:p>
+            <a:pPr marL="685800" lvl="1">
+              <a:buFont typeface="Arial" panose="020B0604020202020204" pitchFamily="34" charset="0"/>
+              <a:buChar char="•"/>
+            </a:pPr>
+            <a:r>
+              <a:rPr lang="de-DE" dirty="0"/>
+              <a:t>Wie oft nutzen die Teilnehmer die App?</a:t>
+            </a:r>
+          </a:p>
+          <a:p>
+            <a:pPr marL="685800" lvl="1">
+              <a:buFont typeface="Arial" panose="020B0604020202020204" pitchFamily="34" charset="0"/>
+              <a:buChar char="•"/>
+            </a:pPr>
+            <a:r>
+              <a:rPr lang="de-DE" dirty="0"/>
+              <a:t>Wie oft haben die Nutzer die App zum Antworten verwendet?</a:t>
+            </a:r>
+          </a:p>
+          <a:p>
+            <a:pPr marL="685800" lvl="1">
+              <a:buFont typeface="Arial" panose="020B0604020202020204" pitchFamily="34" charset="0"/>
+              <a:buChar char="•"/>
+            </a:pPr>
+            <a:r>
+              <a:rPr lang="de-DE" dirty="0"/>
+              <a:t>Wie schnell werden die </a:t>
+            </a:r>
+            <a:r>
+              <a:rPr lang="de-DE" dirty="0" err="1"/>
+              <a:t>Earcons</a:t>
+            </a:r>
+            <a:r>
+              <a:rPr lang="de-DE" dirty="0"/>
+              <a:t> erlernt?</a:t>
+            </a:r>
+          </a:p>
+          <a:p>
+            <a:pPr marL="685800" lvl="1">
+              <a:buFont typeface="Arial" panose="020B0604020202020204" pitchFamily="34" charset="0"/>
+              <a:buChar char="•"/>
+            </a:pPr>
+            <a:r>
+              <a:rPr lang="de-DE" dirty="0"/>
+              <a:t>Wie gut ist die App bedienbar? </a:t>
+            </a:r>
+          </a:p>
+          <a:p>
+            <a:pPr marL="685800" lvl="1">
+              <a:buFont typeface="Arial" panose="020B0604020202020204" pitchFamily="34" charset="0"/>
+              <a:buChar char="•"/>
+            </a:pPr>
+            <a:r>
+              <a:rPr lang="de-DE" dirty="0"/>
+              <a:t>Welche Probleme gab es bei der Verwendung der App?</a:t>
+            </a:r>
+          </a:p>
+          <a:p>
+            <a:pPr marL="685800" lvl="1">
+              <a:buFont typeface="Arial" panose="020B0604020202020204" pitchFamily="34" charset="0"/>
+              <a:buChar char="•"/>
+            </a:pPr>
+            <a:endParaRPr lang="de-DE" dirty="0"/>
+          </a:p>
+          <a:p>
+            <a:pPr marL="285750" indent="-285750">
+              <a:buFont typeface="Arial" panose="020B0604020202020204" pitchFamily="34" charset="0"/>
+              <a:buChar char="•"/>
+            </a:pPr>
+            <a:endParaRPr lang="de-DE" dirty="0"/>
+          </a:p>
+          <a:p>
+            <a:pPr marL="285750" indent="-285750">
+              <a:buFont typeface="Arial" panose="020B0604020202020204" pitchFamily="34" charset="0"/>
+              <a:buChar char="•"/>
+            </a:pPr>
+            <a:endParaRPr lang="de-DE" dirty="0"/>
+          </a:p>
+        </p:txBody>
+      </p:sp>
+    </p:spTree>
+    <p:extLst>
+      <p:ext uri="{BB962C8B-B14F-4D97-AF65-F5344CB8AC3E}">
+        <p14:creationId xmlns:p14="http://schemas.microsoft.com/office/powerpoint/2010/main" val="1610330166"/>
+      </p:ext>
+    </p:extLst>
+  </p:cSld>
+  <p:clrMapOvr>
+    <a:masterClrMapping/>
+  </p:clrMapOvr>
+  <mc:AlternateContent xmlns:mc="http://schemas.openxmlformats.org/markup-compatibility/2006" xmlns:p14="http://schemas.microsoft.com/office/powerpoint/2010/main">
+    <mc:Choice Requires="p14">
+      <p:transition p14:dur="0"/>
+    </mc:Choice>
+    <mc:Fallback xmlns="">
+      <p:transition/>
+    </mc:Fallback>
+  </mc:AlternateContent>
+</p:sld>
+</file>
+
+<file path=ppt/slides/slide11.xml><?xml version="1.0" encoding="utf-8"?>
+<p:sld xmlns:a="http://schemas.openxmlformats.org/drawingml/2006/main" xmlns:r="http://schemas.openxmlformats.org/officeDocument/2006/relationships" xmlns:p="http://schemas.openxmlformats.org/presentationml/2006/main">
+  <p:cSld>
+    <p:spTree>
+      <p:nvGrpSpPr>
+        <p:cNvPr id="1" name=""/>
+        <p:cNvGrpSpPr/>
+        <p:nvPr/>
+      </p:nvGrpSpPr>
+      <p:grpSpPr>
+        <a:xfrm>
+          <a:off x="0" y="0"/>
+          <a:ext cx="0" cy="0"/>
+          <a:chOff x="0" y="0"/>
+          <a:chExt cx="0" cy="0"/>
+        </a:xfrm>
+      </p:grpSpPr>
+      <p:sp>
+        <p:nvSpPr>
+          <p:cNvPr id="464900" name="Rectangle 4"/>
+          <p:cNvSpPr>
+            <a:spLocks noGrp="1" noChangeArrowheads="1"/>
+          </p:cNvSpPr>
+          <p:nvPr>
+            <p:ph type="title"/>
+          </p:nvPr>
+        </p:nvSpPr>
+        <p:spPr/>
+        <p:txBody>
+          <a:bodyPr/>
+          <a:lstStyle/>
+          <a:p>
+            <a:r>
+              <a:rPr lang="de-DE" dirty="0"/>
               <a:t>Studienziel</a:t>
             </a:r>
           </a:p>
@@ -6473,7 +6755,7 @@
 </p:sld>
 </file>
 
-<file path=ppt/slides/slide11.xml><?xml version="1.0" encoding="utf-8"?>
+<file path=ppt/slides/slide12.xml><?xml version="1.0" encoding="utf-8"?>
 <p:sld xmlns:a="http://schemas.openxmlformats.org/drawingml/2006/main" xmlns:r="http://schemas.openxmlformats.org/officeDocument/2006/relationships" xmlns:p="http://schemas.openxmlformats.org/presentationml/2006/main">
   <p:cSld>
     <p:spTree>
@@ -7511,19 +7793,17 @@
       </p:sp>
       <p:pic>
         <p:nvPicPr>
-          <p:cNvPr id="4" name="Inhaltsplatzhalter 3" descr="Ein Bild, das Text, Karte enthält.&#10;&#10;Automatisch generierte Beschreibung">
+          <p:cNvPr id="10" name="Grafik 9" descr="Ein Bild, das Screenshot enthält.&#10;&#10;Automatisch generierte Beschreibung">
             <a:extLst>
               <a:ext uri="{FF2B5EF4-FFF2-40B4-BE49-F238E27FC236}">
-                <a16:creationId xmlns:a16="http://schemas.microsoft.com/office/drawing/2014/main" id="{2BEA0539-3B67-459B-954A-C765F3509969}"/>
+                <a16:creationId xmlns:a16="http://schemas.microsoft.com/office/drawing/2014/main" id="{5E03F098-A325-43F8-B3FA-3B465F389383}"/>
               </a:ext>
             </a:extLst>
           </p:cNvPr>
           <p:cNvPicPr>
-            <a:picLocks noGrp="1" noChangeAspect="1"/>
+            <a:picLocks noChangeAspect="1"/>
           </p:cNvPicPr>
-          <p:nvPr>
-            <p:ph idx="1"/>
-          </p:nvPr>
+          <p:nvPr/>
         </p:nvPicPr>
         <p:blipFill>
           <a:blip r:embed="rId3"/>
@@ -7533,11 +7813,39 @@
         </p:blipFill>
         <p:spPr>
           <a:xfrm>
-            <a:off x="1685776" y="1412776"/>
-            <a:ext cx="6048671" cy="5042325"/>
+            <a:off x="1353314" y="1748031"/>
+            <a:ext cx="4824536" cy="2761089"/>
           </a:xfrm>
+          <a:prstGeom prst="rect">
+            <a:avLst/>
+          </a:prstGeom>
         </p:spPr>
       </p:pic>
+      <p:sp>
+        <p:nvSpPr>
+          <p:cNvPr id="12" name="Inhaltsplatzhalter 11">
+            <a:extLst>
+              <a:ext uri="{FF2B5EF4-FFF2-40B4-BE49-F238E27FC236}">
+                <a16:creationId xmlns:a16="http://schemas.microsoft.com/office/drawing/2014/main" id="{A61A69B3-36A2-425B-97C8-E18309A22485}"/>
+              </a:ext>
+            </a:extLst>
+          </p:cNvPr>
+          <p:cNvSpPr>
+            <a:spLocks noGrp="1"/>
+          </p:cNvSpPr>
+          <p:nvPr>
+            <p:ph idx="1"/>
+          </p:nvPr>
+        </p:nvSpPr>
+        <p:spPr/>
+        <p:txBody>
+          <a:bodyPr/>
+          <a:lstStyle/>
+          <a:p>
+            <a:endParaRPr lang="de-DE"/>
+          </a:p>
+        </p:txBody>
+      </p:sp>
     </p:spTree>
     <p:extLst>
       <p:ext uri="{BB962C8B-B14F-4D97-AF65-F5344CB8AC3E}">
@@ -7593,6 +7901,95 @@
           <a:p>
             <a:r>
               <a:rPr lang="de-DE" dirty="0"/>
+              <a:t>Ablaufdiagramm</a:t>
+            </a:r>
+          </a:p>
+        </p:txBody>
+      </p:sp>
+      <p:pic>
+        <p:nvPicPr>
+          <p:cNvPr id="6" name="Inhaltsplatzhalter 5" descr="Ein Bild, das Text, Karte enthält.&#10;&#10;Automatisch generierte Beschreibung">
+            <a:extLst>
+              <a:ext uri="{FF2B5EF4-FFF2-40B4-BE49-F238E27FC236}">
+                <a16:creationId xmlns:a16="http://schemas.microsoft.com/office/drawing/2014/main" id="{FDB9F2BF-D537-4A77-BEE2-BFD5CBFA1661}"/>
+              </a:ext>
+            </a:extLst>
+          </p:cNvPr>
+          <p:cNvPicPr>
+            <a:picLocks noGrp="1" noChangeAspect="1"/>
+          </p:cNvPicPr>
+          <p:nvPr>
+            <p:ph idx="1"/>
+          </p:nvPr>
+        </p:nvPicPr>
+        <p:blipFill>
+          <a:blip r:embed="rId3"/>
+          <a:stretch>
+            <a:fillRect/>
+          </a:stretch>
+        </p:blipFill>
+        <p:spPr>
+          <a:xfrm>
+            <a:off x="1403648" y="1772816"/>
+            <a:ext cx="6205999" cy="4608512"/>
+          </a:xfrm>
+        </p:spPr>
+      </p:pic>
+    </p:spTree>
+    <p:extLst>
+      <p:ext uri="{BB962C8B-B14F-4D97-AF65-F5344CB8AC3E}">
+        <p14:creationId xmlns:p14="http://schemas.microsoft.com/office/powerpoint/2010/main" val="3124216070"/>
+      </p:ext>
+    </p:extLst>
+  </p:cSld>
+  <p:clrMapOvr>
+    <a:masterClrMapping/>
+  </p:clrMapOvr>
+  <mc:AlternateContent xmlns:mc="http://schemas.openxmlformats.org/markup-compatibility/2006" xmlns:p14="http://schemas.microsoft.com/office/powerpoint/2010/main">
+    <mc:Choice Requires="p14">
+      <p:transition p14:dur="0"/>
+    </mc:Choice>
+    <mc:Fallback xmlns="">
+      <p:transition/>
+    </mc:Fallback>
+  </mc:AlternateContent>
+</p:sld>
+</file>
+
+<file path=ppt/slides/slide8.xml><?xml version="1.0" encoding="utf-8"?>
+<p:sld xmlns:a="http://schemas.openxmlformats.org/drawingml/2006/main" xmlns:r="http://schemas.openxmlformats.org/officeDocument/2006/relationships" xmlns:p="http://schemas.openxmlformats.org/presentationml/2006/main">
+  <p:cSld>
+    <p:spTree>
+      <p:nvGrpSpPr>
+        <p:cNvPr id="1" name=""/>
+        <p:cNvGrpSpPr/>
+        <p:nvPr/>
+      </p:nvGrpSpPr>
+      <p:grpSpPr>
+        <a:xfrm>
+          <a:off x="0" y="0"/>
+          <a:ext cx="0" cy="0"/>
+          <a:chOff x="0" y="0"/>
+          <a:chExt cx="0" cy="0"/>
+        </a:xfrm>
+      </p:grpSpPr>
+      <p:sp>
+        <p:nvSpPr>
+          <p:cNvPr id="464900" name="Rectangle 4"/>
+          <p:cNvSpPr>
+            <a:spLocks noGrp="1" noChangeArrowheads="1"/>
+          </p:cNvSpPr>
+          <p:nvPr>
+            <p:ph type="title"/>
+          </p:nvPr>
+        </p:nvSpPr>
+        <p:spPr/>
+        <p:txBody>
+          <a:bodyPr/>
+          <a:lstStyle/>
+          <a:p>
+            <a:r>
+              <a:rPr lang="de-DE" dirty="0"/>
               <a:t>Demo aktuelle Version</a:t>
             </a:r>
           </a:p>
@@ -7644,7 +8041,7 @@
 </p:sld>
 </file>
 
-<file path=ppt/slides/slide8.xml><?xml version="1.0" encoding="utf-8"?>
+<file path=ppt/slides/slide9.xml><?xml version="1.0" encoding="utf-8"?>
 <p:sld xmlns:a="http://schemas.openxmlformats.org/drawingml/2006/main" xmlns:r="http://schemas.openxmlformats.org/officeDocument/2006/relationships" xmlns:p="http://schemas.openxmlformats.org/presentationml/2006/main">
   <p:cSld>
     <p:spTree>
@@ -7825,193 +8222,6 @@
     <p:extLst>
       <p:ext uri="{BB962C8B-B14F-4D97-AF65-F5344CB8AC3E}">
         <p14:creationId xmlns:p14="http://schemas.microsoft.com/office/powerpoint/2010/main" val="2901394374"/>
-      </p:ext>
-    </p:extLst>
-  </p:cSld>
-  <p:clrMapOvr>
-    <a:masterClrMapping/>
-  </p:clrMapOvr>
-  <mc:AlternateContent xmlns:mc="http://schemas.openxmlformats.org/markup-compatibility/2006" xmlns:p14="http://schemas.microsoft.com/office/powerpoint/2010/main">
-    <mc:Choice Requires="p14">
-      <p:transition p14:dur="0"/>
-    </mc:Choice>
-    <mc:Fallback xmlns="">
-      <p:transition/>
-    </mc:Fallback>
-  </mc:AlternateContent>
-</p:sld>
-</file>
-
-<file path=ppt/slides/slide9.xml><?xml version="1.0" encoding="utf-8"?>
-<p:sld xmlns:a="http://schemas.openxmlformats.org/drawingml/2006/main" xmlns:r="http://schemas.openxmlformats.org/officeDocument/2006/relationships" xmlns:p="http://schemas.openxmlformats.org/presentationml/2006/main">
-  <p:cSld>
-    <p:spTree>
-      <p:nvGrpSpPr>
-        <p:cNvPr id="1" name=""/>
-        <p:cNvGrpSpPr/>
-        <p:nvPr/>
-      </p:nvGrpSpPr>
-      <p:grpSpPr>
-        <a:xfrm>
-          <a:off x="0" y="0"/>
-          <a:ext cx="0" cy="0"/>
-          <a:chOff x="0" y="0"/>
-          <a:chExt cx="0" cy="0"/>
-        </a:xfrm>
-      </p:grpSpPr>
-      <p:sp>
-        <p:nvSpPr>
-          <p:cNvPr id="464900" name="Rectangle 4"/>
-          <p:cNvSpPr>
-            <a:spLocks noGrp="1" noChangeArrowheads="1"/>
-          </p:cNvSpPr>
-          <p:nvPr>
-            <p:ph type="title"/>
-          </p:nvPr>
-        </p:nvSpPr>
-        <p:spPr/>
-        <p:txBody>
-          <a:bodyPr/>
-          <a:lstStyle/>
-          <a:p>
-            <a:r>
-              <a:rPr lang="de-DE" dirty="0"/>
-              <a:t>Studie</a:t>
-            </a:r>
-          </a:p>
-        </p:txBody>
-      </p:sp>
-      <p:sp>
-        <p:nvSpPr>
-          <p:cNvPr id="464901" name="Rectangle 5"/>
-          <p:cNvSpPr>
-            <a:spLocks noGrp="1" noChangeArrowheads="1"/>
-          </p:cNvSpPr>
-          <p:nvPr>
-            <p:ph type="body" idx="1"/>
-          </p:nvPr>
-        </p:nvSpPr>
-        <p:spPr>
-          <a:xfrm>
-            <a:off x="809625" y="1752600"/>
-            <a:ext cx="7543800" cy="4556720"/>
-          </a:xfrm>
-        </p:spPr>
-        <p:txBody>
-          <a:bodyPr/>
-          <a:lstStyle/>
-          <a:p>
-            <a:pPr marL="285750" indent="-285750">
-              <a:buFont typeface="Arial" panose="020B0604020202020204" pitchFamily="34" charset="0"/>
-              <a:buChar char="•"/>
-            </a:pPr>
-            <a:r>
-              <a:rPr lang="de-DE" dirty="0"/>
-              <a:t>Studienteilnehmer installieren App und nutzen diese über einen vorgegebenen Zeitraum</a:t>
-            </a:r>
-          </a:p>
-          <a:p>
-            <a:pPr marL="285750" indent="-285750">
-              <a:buFont typeface="Arial" panose="020B0604020202020204" pitchFamily="34" charset="0"/>
-              <a:buChar char="•"/>
-            </a:pPr>
-            <a:endParaRPr lang="de-DE" dirty="0"/>
-          </a:p>
-          <a:p>
-            <a:pPr marL="285750" indent="-285750">
-              <a:buFont typeface="Arial" panose="020B0604020202020204" pitchFamily="34" charset="0"/>
-              <a:buChar char="•"/>
-            </a:pPr>
-            <a:r>
-              <a:rPr lang="de-DE" dirty="0"/>
-              <a:t>Forschungsfragen:</a:t>
-            </a:r>
-          </a:p>
-          <a:p>
-            <a:pPr marL="685800" lvl="1">
-              <a:buFont typeface="Arial" panose="020B0604020202020204" pitchFamily="34" charset="0"/>
-              <a:buChar char="•"/>
-            </a:pPr>
-            <a:r>
-              <a:rPr lang="de-DE" dirty="0"/>
-              <a:t>Wie oft nutzen die Teilnehmer die App?</a:t>
-            </a:r>
-          </a:p>
-          <a:p>
-            <a:pPr marL="685800" lvl="1">
-              <a:buFont typeface="Arial" panose="020B0604020202020204" pitchFamily="34" charset="0"/>
-              <a:buChar char="•"/>
-            </a:pPr>
-            <a:r>
-              <a:rPr lang="de-DE" dirty="0"/>
-              <a:t>Wie oft haben die Nutzer die App zum Antworten verwendet?</a:t>
-            </a:r>
-          </a:p>
-          <a:p>
-            <a:pPr marL="685800" lvl="1">
-              <a:buFont typeface="Arial" panose="020B0604020202020204" pitchFamily="34" charset="0"/>
-              <a:buChar char="•"/>
-            </a:pPr>
-            <a:r>
-              <a:rPr lang="de-DE" dirty="0"/>
-              <a:t>Wie schnell werden die </a:t>
-            </a:r>
-            <a:r>
-              <a:rPr lang="de-DE" dirty="0" err="1"/>
-              <a:t>Earcons</a:t>
-            </a:r>
-            <a:r>
-              <a:rPr lang="de-DE" dirty="0"/>
-              <a:t> erlernt?</a:t>
-            </a:r>
-          </a:p>
-          <a:p>
-            <a:pPr marL="685800" lvl="1">
-              <a:buFont typeface="Arial" panose="020B0604020202020204" pitchFamily="34" charset="0"/>
-              <a:buChar char="•"/>
-            </a:pPr>
-            <a:r>
-              <a:rPr lang="de-DE" dirty="0"/>
-              <a:t>Wie gut ist die App bedienbar? </a:t>
-            </a:r>
-          </a:p>
-          <a:p>
-            <a:pPr marL="685800" lvl="1">
-              <a:buFont typeface="Arial" panose="020B0604020202020204" pitchFamily="34" charset="0"/>
-              <a:buChar char="•"/>
-            </a:pPr>
-            <a:r>
-              <a:rPr lang="de-DE" dirty="0"/>
-              <a:t>Welche Probleme gab es bei der Verwendung der App?</a:t>
-            </a:r>
-          </a:p>
-          <a:p>
-            <a:pPr marL="685800" lvl="1">
-              <a:buFont typeface="Arial" panose="020B0604020202020204" pitchFamily="34" charset="0"/>
-              <a:buChar char="•"/>
-            </a:pPr>
-            <a:endParaRPr lang="de-DE" dirty="0"/>
-          </a:p>
-          <a:p>
-            <a:pPr marL="285750" indent="-285750">
-              <a:buFont typeface="Arial" panose="020B0604020202020204" pitchFamily="34" charset="0"/>
-              <a:buChar char="•"/>
-            </a:pPr>
-            <a:endParaRPr lang="de-DE" dirty="0"/>
-          </a:p>
-          <a:p>
-            <a:pPr marL="285750" indent="-285750">
-              <a:buFont typeface="Arial" panose="020B0604020202020204" pitchFamily="34" charset="0"/>
-              <a:buChar char="•"/>
-            </a:pPr>
-            <a:endParaRPr lang="de-DE" dirty="0"/>
-          </a:p>
-        </p:txBody>
-      </p:sp>
-    </p:spTree>
-    <p:extLst>
-      <p:ext uri="{BB962C8B-B14F-4D97-AF65-F5344CB8AC3E}">
-        <p14:creationId xmlns:p14="http://schemas.microsoft.com/office/powerpoint/2010/main" val="1610330166"/>
       </p:ext>
     </p:extLst>
   </p:cSld>
@@ -8275,7 +8485,7 @@
         <a:effectLst/>
         <a:extLst>
           <a:ext uri="{AF507438-7753-43e0-B8FC-AC1667EBCBE1}">
-            <a14:hiddenEffects xmlns:a14="http://schemas.microsoft.com/office/drawing/2010/main" xmlns="">
+            <a14:hiddenEffects xmlns="" xmlns:a14="http://schemas.microsoft.com/office/drawing/2010/main">
               <a:effectLst>
                 <a:outerShdw blurRad="63500" dist="38099" dir="2700000" algn="ctr" rotWithShape="0">
                   <a:schemeClr val="bg2">
@@ -8351,7 +8561,7 @@
         <a:effectLst/>
         <a:extLst>
           <a:ext uri="{AF507438-7753-43e0-B8FC-AC1667EBCBE1}">
-            <a14:hiddenEffects xmlns:a14="http://schemas.microsoft.com/office/drawing/2010/main" xmlns="">
+            <a14:hiddenEffects xmlns="" xmlns:a14="http://schemas.microsoft.com/office/drawing/2010/main">
               <a:effectLst>
                 <a:outerShdw blurRad="63500" dist="38099" dir="2700000" algn="ctr" rotWithShape="0">
                   <a:schemeClr val="bg2">
